--- a/lectures/12/1_multiple_regression.pptx
+++ b/lectures/12/1_multiple_regression.pptx
@@ -6,10 +6,10 @@
     <p:sldMasterId id="2147483660" r:id="rId5"/>
   </p:sldMasterIdLst>
   <p:notesMasterIdLst>
-    <p:notesMasterId r:id="rId32"/>
+    <p:notesMasterId r:id="rId33"/>
   </p:notesMasterIdLst>
   <p:handoutMasterIdLst>
-    <p:handoutMasterId r:id="rId33"/>
+    <p:handoutMasterId r:id="rId34"/>
   </p:handoutMasterIdLst>
   <p:sldIdLst>
     <p:sldId id="257" r:id="rId6"/>
@@ -19,25 +19,26 @@
     <p:sldId id="261" r:id="rId10"/>
     <p:sldId id="256" r:id="rId11"/>
     <p:sldId id="295" r:id="rId12"/>
-    <p:sldId id="296" r:id="rId13"/>
-    <p:sldId id="297" r:id="rId14"/>
-    <p:sldId id="298" r:id="rId15"/>
-    <p:sldId id="299" r:id="rId16"/>
-    <p:sldId id="300" r:id="rId17"/>
-    <p:sldId id="302" r:id="rId18"/>
-    <p:sldId id="303" r:id="rId19"/>
-    <p:sldId id="301" r:id="rId20"/>
-    <p:sldId id="304" r:id="rId21"/>
-    <p:sldId id="306" r:id="rId22"/>
-    <p:sldId id="307" r:id="rId23"/>
-    <p:sldId id="308" r:id="rId24"/>
-    <p:sldId id="309" r:id="rId25"/>
-    <p:sldId id="310" r:id="rId26"/>
-    <p:sldId id="311" r:id="rId27"/>
-    <p:sldId id="294" r:id="rId28"/>
-    <p:sldId id="262" r:id="rId29"/>
-    <p:sldId id="312" r:id="rId30"/>
-    <p:sldId id="313" r:id="rId31"/>
+    <p:sldId id="314" r:id="rId13"/>
+    <p:sldId id="296" r:id="rId14"/>
+    <p:sldId id="297" r:id="rId15"/>
+    <p:sldId id="298" r:id="rId16"/>
+    <p:sldId id="299" r:id="rId17"/>
+    <p:sldId id="300" r:id="rId18"/>
+    <p:sldId id="302" r:id="rId19"/>
+    <p:sldId id="303" r:id="rId20"/>
+    <p:sldId id="301" r:id="rId21"/>
+    <p:sldId id="304" r:id="rId22"/>
+    <p:sldId id="306" r:id="rId23"/>
+    <p:sldId id="307" r:id="rId24"/>
+    <p:sldId id="308" r:id="rId25"/>
+    <p:sldId id="309" r:id="rId26"/>
+    <p:sldId id="310" r:id="rId27"/>
+    <p:sldId id="311" r:id="rId28"/>
+    <p:sldId id="294" r:id="rId29"/>
+    <p:sldId id="262" r:id="rId30"/>
+    <p:sldId id="312" r:id="rId31"/>
+    <p:sldId id="313" r:id="rId32"/>
   </p:sldIdLst>
   <p:sldSz cx="12192000" cy="6858000"/>
   <p:notesSz cx="6858000" cy="9144000"/>
@@ -241,7 +242,7 @@
           <a:p>
             <a:fld id="{73B2889B-A0AC-4482-8592-5C96F2309420}" type="datetimeFigureOut">
               <a:rPr lang="en-US" smtClean="0"/>
-              <a:t>11/7/2021</a:t>
+              <a:t>11/9/2021</a:t>
             </a:fld>
             <a:endParaRPr lang="en-US"/>
           </a:p>
@@ -418,7 +419,7 @@
           <a:p>
             <a:fld id="{830EB223-FFC0-462A-A3B8-EAA7CE0F8CBD}" type="datetimeFigureOut">
               <a:rPr lang="en-US" smtClean="0"/>
-              <a:t>11/7/2021</a:t>
+              <a:t>11/9/2021</a:t>
             </a:fld>
             <a:endParaRPr lang="en-US" dirty="0"/>
           </a:p>
@@ -1138,7 +1139,7 @@
           <a:p>
             <a:fld id="{BC849E9A-41F7-4779-A581-48A7C374A227}" type="slidenum">
               <a:rPr lang="en-US" smtClean="0"/>
-              <a:t>16</a:t>
+              <a:t>17</a:t>
             </a:fld>
             <a:endParaRPr lang="en-US" dirty="0"/>
           </a:p>
@@ -1225,153 +1226,6 @@
           </a:p>
           <a:p>
             <a:endParaRPr lang="en-US" dirty="0"/>
-          </a:p>
-        </p:txBody>
-      </p:sp>
-      <p:sp>
-        <p:nvSpPr>
-          <p:cNvPr id="4" name="Slide Number Placeholder 3"/>
-          <p:cNvSpPr>
-            <a:spLocks noGrp="1"/>
-          </p:cNvSpPr>
-          <p:nvPr>
-            <p:ph type="sldNum" sz="quarter" idx="5"/>
-          </p:nvPr>
-        </p:nvSpPr>
-        <p:spPr/>
-        <p:txBody>
-          <a:bodyPr/>
-          <a:lstStyle/>
-          <a:p>
-            <a:pPr marL="0" marR="0" lvl="0" indent="0" algn="r" defTabSz="914400" rtl="0" eaLnBrk="1" fontAlgn="auto" latinLnBrk="0" hangingPunct="1">
-              <a:lnSpc>
-                <a:spcPct val="100000"/>
-              </a:lnSpc>
-              <a:spcBef>
-                <a:spcPts val="0"/>
-              </a:spcBef>
-              <a:spcAft>
-                <a:spcPts val="0"/>
-              </a:spcAft>
-              <a:buClrTx/>
-              <a:buSzTx/>
-              <a:buFontTx/>
-              <a:buNone/>
-              <a:tabLst/>
-              <a:defRPr/>
-            </a:pPr>
-            <a:fld id="{BC849E9A-41F7-4779-A581-48A7C374A227}" type="slidenum">
-              <a:rPr kumimoji="0" lang="en-US" sz="1200" b="0" i="0" u="none" strike="noStrike" kern="1200" cap="none" spc="0" normalizeH="0" baseline="0" noProof="0" smtClean="0">
-                <a:ln>
-                  <a:noFill/>
-                </a:ln>
-                <a:solidFill>
-                  <a:prstClr val="black"/>
-                </a:solidFill>
-                <a:effectLst/>
-                <a:uLnTx/>
-                <a:uFillTx/>
-                <a:latin typeface="Calibri" panose="020F0502020204030204"/>
-                <a:ea typeface="+mn-ea"/>
-                <a:cs typeface="+mn-cs"/>
-              </a:rPr>
-              <a:pPr marL="0" marR="0" lvl="0" indent="0" algn="r" defTabSz="914400" rtl="0" eaLnBrk="1" fontAlgn="auto" latinLnBrk="0" hangingPunct="1">
-                <a:lnSpc>
-                  <a:spcPct val="100000"/>
-                </a:lnSpc>
-                <a:spcBef>
-                  <a:spcPts val="0"/>
-                </a:spcBef>
-                <a:spcAft>
-                  <a:spcPts val="0"/>
-                </a:spcAft>
-                <a:buClrTx/>
-                <a:buSzTx/>
-                <a:buFontTx/>
-                <a:buNone/>
-                <a:tabLst/>
-                <a:defRPr/>
-              </a:pPr>
-              <a:t>17</a:t>
-            </a:fld>
-            <a:endParaRPr kumimoji="0" lang="en-US" sz="1200" b="0" i="0" u="none" strike="noStrike" kern="1200" cap="none" spc="0" normalizeH="0" baseline="0" noProof="0" dirty="0">
-              <a:ln>
-                <a:noFill/>
-              </a:ln>
-              <a:solidFill>
-                <a:prstClr val="black"/>
-              </a:solidFill>
-              <a:effectLst/>
-              <a:uLnTx/>
-              <a:uFillTx/>
-              <a:latin typeface="Calibri" panose="020F0502020204030204"/>
-              <a:ea typeface="+mn-ea"/>
-              <a:cs typeface="+mn-cs"/>
-            </a:endParaRPr>
-          </a:p>
-        </p:txBody>
-      </p:sp>
-    </p:spTree>
-    <p:extLst>
-      <p:ext uri="{BB962C8B-B14F-4D97-AF65-F5344CB8AC3E}">
-        <p14:creationId xmlns:p14="http://schemas.microsoft.com/office/powerpoint/2010/main" val="3753881775"/>
-      </p:ext>
-    </p:extLst>
-  </p:cSld>
-  <p:clrMapOvr>
-    <a:masterClrMapping/>
-  </p:clrMapOvr>
-</p:notes>
-</file>
-
-<file path=ppt/notesSlides/notesSlide12.xml><?xml version="1.0" encoding="utf-8"?>
-<p:notes xmlns:a="http://schemas.openxmlformats.org/drawingml/2006/main" xmlns:r="http://schemas.openxmlformats.org/officeDocument/2006/relationships" xmlns:p="http://schemas.openxmlformats.org/presentationml/2006/main">
-  <p:cSld>
-    <p:spTree>
-      <p:nvGrpSpPr>
-        <p:cNvPr id="1" name=""/>
-        <p:cNvGrpSpPr/>
-        <p:nvPr/>
-      </p:nvGrpSpPr>
-      <p:grpSpPr>
-        <a:xfrm>
-          <a:off x="0" y="0"/>
-          <a:ext cx="0" cy="0"/>
-          <a:chOff x="0" y="0"/>
-          <a:chExt cx="0" cy="0"/>
-        </a:xfrm>
-      </p:grpSpPr>
-      <p:sp>
-        <p:nvSpPr>
-          <p:cNvPr id="2" name="Slide Image Placeholder 1"/>
-          <p:cNvSpPr>
-            <a:spLocks noGrp="1" noRot="1" noChangeAspect="1"/>
-          </p:cNvSpPr>
-          <p:nvPr>
-            <p:ph type="sldImg"/>
-          </p:nvPr>
-        </p:nvSpPr>
-        <p:spPr/>
-      </p:sp>
-      <p:sp>
-        <p:nvSpPr>
-          <p:cNvPr id="3" name="Notes Placeholder 2"/>
-          <p:cNvSpPr>
-            <a:spLocks noGrp="1"/>
-          </p:cNvSpPr>
-          <p:nvPr>
-            <p:ph type="body" idx="1"/>
-          </p:nvPr>
-        </p:nvSpPr>
-        <p:spPr/>
-        <p:txBody>
-          <a:bodyPr/>
-          <a:lstStyle/>
-          <a:p>
-            <a:r>
-              <a:rPr lang="en-US" dirty="0"/>
-              <a:t>So among current customers, … </a:t>
-            </a:r>
           </a:p>
         </p:txBody>
       </p:sp>
@@ -1461,7 +1315,7 @@
     </p:spTree>
     <p:extLst>
       <p:ext uri="{BB962C8B-B14F-4D97-AF65-F5344CB8AC3E}">
-        <p14:creationId xmlns:p14="http://schemas.microsoft.com/office/powerpoint/2010/main" val="3057408504"/>
+        <p14:creationId xmlns:p14="http://schemas.microsoft.com/office/powerpoint/2010/main" val="3753881775"/>
       </p:ext>
     </p:extLst>
   </p:cSld>
@@ -1471,7 +1325,7 @@
 </p:notes>
 </file>
 
-<file path=ppt/notesSlides/notesSlide13.xml><?xml version="1.0" encoding="utf-8"?>
+<file path=ppt/notesSlides/notesSlide12.xml><?xml version="1.0" encoding="utf-8"?>
 <p:notes xmlns:a="http://schemas.openxmlformats.org/drawingml/2006/main" xmlns:r="http://schemas.openxmlformats.org/officeDocument/2006/relationships" xmlns:p="http://schemas.openxmlformats.org/presentationml/2006/main">
   <p:cSld>
     <p:spTree>
@@ -1517,7 +1371,7 @@
           <a:p>
             <a:r>
               <a:rPr lang="en-US" dirty="0"/>
-              <a:t>What if a customer with … </a:t>
+              <a:t>So among current customers, … </a:t>
             </a:r>
           </a:p>
         </p:txBody>
@@ -1608,7 +1462,7 @@
     </p:spTree>
     <p:extLst>
       <p:ext uri="{BB962C8B-B14F-4D97-AF65-F5344CB8AC3E}">
-        <p14:creationId xmlns:p14="http://schemas.microsoft.com/office/powerpoint/2010/main" val="2469659925"/>
+        <p14:creationId xmlns:p14="http://schemas.microsoft.com/office/powerpoint/2010/main" val="3057408504"/>
       </p:ext>
     </p:extLst>
   </p:cSld>
@@ -1618,7 +1472,7 @@
 </p:notes>
 </file>
 
-<file path=ppt/notesSlides/notesSlide14.xml><?xml version="1.0" encoding="utf-8"?>
+<file path=ppt/notesSlides/notesSlide13.xml><?xml version="1.0" encoding="utf-8"?>
 <p:notes xmlns:a="http://schemas.openxmlformats.org/drawingml/2006/main" xmlns:r="http://schemas.openxmlformats.org/officeDocument/2006/relationships" xmlns:p="http://schemas.openxmlformats.org/presentationml/2006/main">
   <p:cSld>
     <p:spTree>
@@ -1664,17 +1518,8 @@
           <a:p>
             <a:r>
               <a:rPr lang="en-US" dirty="0"/>
-              <a:t>For the last one, what if we have …. </a:t>
-            </a:r>
-          </a:p>
-          <a:p>
-            <a:r>
-              <a:rPr lang="en-US" dirty="0"/>
-              <a:t>Then what is the only different thing about this inquiry? </a:t>
-            </a:r>
-          </a:p>
-          <a:p>
-            <a:endParaRPr lang="en-US" dirty="0"/>
+              <a:t>What if a customer with … </a:t>
+            </a:r>
           </a:p>
         </p:txBody>
       </p:sp>
@@ -1764,7 +1609,7 @@
     </p:spTree>
     <p:extLst>
       <p:ext uri="{BB962C8B-B14F-4D97-AF65-F5344CB8AC3E}">
-        <p14:creationId xmlns:p14="http://schemas.microsoft.com/office/powerpoint/2010/main" val="2651897373"/>
+        <p14:creationId xmlns:p14="http://schemas.microsoft.com/office/powerpoint/2010/main" val="2469659925"/>
       </p:ext>
     </p:extLst>
   </p:cSld>
@@ -1774,7 +1619,7 @@
 </p:notes>
 </file>
 
-<file path=ppt/notesSlides/notesSlide15.xml><?xml version="1.0" encoding="utf-8"?>
+<file path=ppt/notesSlides/notesSlide14.xml><?xml version="1.0" encoding="utf-8"?>
 <p:notes xmlns:a="http://schemas.openxmlformats.org/drawingml/2006/main" xmlns:r="http://schemas.openxmlformats.org/officeDocument/2006/relationships" xmlns:p="http://schemas.openxmlformats.org/presentationml/2006/main">
   <p:cSld>
     <p:spTree>
@@ -1820,7 +1665,13 @@
           <a:p>
             <a:r>
               <a:rPr lang="en-US" dirty="0"/>
-              <a:t>I think now you know how the interpret the coefficients already, if you need more practice, you can review this slide later. </a:t>
+              <a:t>For the last one, what if we have …. </a:t>
+            </a:r>
+          </a:p>
+          <a:p>
+            <a:r>
+              <a:rPr lang="en-US" dirty="0"/>
+              <a:t>Then what is the only different thing about this inquiry? </a:t>
             </a:r>
           </a:p>
           <a:p>
@@ -1914,6 +1765,156 @@
     </p:spTree>
     <p:extLst>
       <p:ext uri="{BB962C8B-B14F-4D97-AF65-F5344CB8AC3E}">
+        <p14:creationId xmlns:p14="http://schemas.microsoft.com/office/powerpoint/2010/main" val="2651897373"/>
+      </p:ext>
+    </p:extLst>
+  </p:cSld>
+  <p:clrMapOvr>
+    <a:masterClrMapping/>
+  </p:clrMapOvr>
+</p:notes>
+</file>
+
+<file path=ppt/notesSlides/notesSlide15.xml><?xml version="1.0" encoding="utf-8"?>
+<p:notes xmlns:a="http://schemas.openxmlformats.org/drawingml/2006/main" xmlns:r="http://schemas.openxmlformats.org/officeDocument/2006/relationships" xmlns:p="http://schemas.openxmlformats.org/presentationml/2006/main">
+  <p:cSld>
+    <p:spTree>
+      <p:nvGrpSpPr>
+        <p:cNvPr id="1" name=""/>
+        <p:cNvGrpSpPr/>
+        <p:nvPr/>
+      </p:nvGrpSpPr>
+      <p:grpSpPr>
+        <a:xfrm>
+          <a:off x="0" y="0"/>
+          <a:ext cx="0" cy="0"/>
+          <a:chOff x="0" y="0"/>
+          <a:chExt cx="0" cy="0"/>
+        </a:xfrm>
+      </p:grpSpPr>
+      <p:sp>
+        <p:nvSpPr>
+          <p:cNvPr id="2" name="Slide Image Placeholder 1"/>
+          <p:cNvSpPr>
+            <a:spLocks noGrp="1" noRot="1" noChangeAspect="1"/>
+          </p:cNvSpPr>
+          <p:nvPr>
+            <p:ph type="sldImg"/>
+          </p:nvPr>
+        </p:nvSpPr>
+        <p:spPr/>
+      </p:sp>
+      <p:sp>
+        <p:nvSpPr>
+          <p:cNvPr id="3" name="Notes Placeholder 2"/>
+          <p:cNvSpPr>
+            <a:spLocks noGrp="1"/>
+          </p:cNvSpPr>
+          <p:nvPr>
+            <p:ph type="body" idx="1"/>
+          </p:nvPr>
+        </p:nvSpPr>
+        <p:spPr/>
+        <p:txBody>
+          <a:bodyPr/>
+          <a:lstStyle/>
+          <a:p>
+            <a:r>
+              <a:rPr lang="en-US" dirty="0"/>
+              <a:t>I think now you know how the interpret the coefficients already, if you need more practice, you can review this slide later. </a:t>
+            </a:r>
+          </a:p>
+          <a:p>
+            <a:endParaRPr lang="en-US" dirty="0"/>
+          </a:p>
+        </p:txBody>
+      </p:sp>
+      <p:sp>
+        <p:nvSpPr>
+          <p:cNvPr id="4" name="Slide Number Placeholder 3"/>
+          <p:cNvSpPr>
+            <a:spLocks noGrp="1"/>
+          </p:cNvSpPr>
+          <p:nvPr>
+            <p:ph type="sldNum" sz="quarter" idx="5"/>
+          </p:nvPr>
+        </p:nvSpPr>
+        <p:spPr/>
+        <p:txBody>
+          <a:bodyPr/>
+          <a:lstStyle/>
+          <a:p>
+            <a:pPr marL="0" marR="0" lvl="0" indent="0" algn="r" defTabSz="914400" rtl="0" eaLnBrk="1" fontAlgn="auto" latinLnBrk="0" hangingPunct="1">
+              <a:lnSpc>
+                <a:spcPct val="100000"/>
+              </a:lnSpc>
+              <a:spcBef>
+                <a:spcPts val="0"/>
+              </a:spcBef>
+              <a:spcAft>
+                <a:spcPts val="0"/>
+              </a:spcAft>
+              <a:buClrTx/>
+              <a:buSzTx/>
+              <a:buFontTx/>
+              <a:buNone/>
+              <a:tabLst/>
+              <a:defRPr/>
+            </a:pPr>
+            <a:fld id="{BC849E9A-41F7-4779-A581-48A7C374A227}" type="slidenum">
+              <a:rPr kumimoji="0" lang="en-US" sz="1200" b="0" i="0" u="none" strike="noStrike" kern="1200" cap="none" spc="0" normalizeH="0" baseline="0" noProof="0" smtClean="0">
+                <a:ln>
+                  <a:noFill/>
+                </a:ln>
+                <a:solidFill>
+                  <a:prstClr val="black"/>
+                </a:solidFill>
+                <a:effectLst/>
+                <a:uLnTx/>
+                <a:uFillTx/>
+                <a:latin typeface="Calibri" panose="020F0502020204030204"/>
+                <a:ea typeface="+mn-ea"/>
+                <a:cs typeface="+mn-cs"/>
+              </a:rPr>
+              <a:pPr marL="0" marR="0" lvl="0" indent="0" algn="r" defTabSz="914400" rtl="0" eaLnBrk="1" fontAlgn="auto" latinLnBrk="0" hangingPunct="1">
+                <a:lnSpc>
+                  <a:spcPct val="100000"/>
+                </a:lnSpc>
+                <a:spcBef>
+                  <a:spcPts val="0"/>
+                </a:spcBef>
+                <a:spcAft>
+                  <a:spcPts val="0"/>
+                </a:spcAft>
+                <a:buClrTx/>
+                <a:buSzTx/>
+                <a:buFontTx/>
+                <a:buNone/>
+                <a:tabLst/>
+                <a:defRPr/>
+              </a:pPr>
+              <a:t>22</a:t>
+            </a:fld>
+            <a:endParaRPr kumimoji="0" lang="en-US" sz="1200" b="0" i="0" u="none" strike="noStrike" kern="1200" cap="none" spc="0" normalizeH="0" baseline="0" noProof="0" dirty="0">
+              <a:ln>
+                <a:noFill/>
+              </a:ln>
+              <a:solidFill>
+                <a:prstClr val="black"/>
+              </a:solidFill>
+              <a:effectLst/>
+              <a:uLnTx/>
+              <a:uFillTx/>
+              <a:latin typeface="Calibri" panose="020F0502020204030204"/>
+              <a:ea typeface="+mn-ea"/>
+              <a:cs typeface="+mn-cs"/>
+            </a:endParaRPr>
+          </a:p>
+        </p:txBody>
+      </p:sp>
+    </p:spTree>
+    <p:extLst>
+      <p:ext uri="{BB962C8B-B14F-4D97-AF65-F5344CB8AC3E}">
         <p14:creationId xmlns:p14="http://schemas.microsoft.com/office/powerpoint/2010/main" val="3212416871"/>
       </p:ext>
     </p:extLst>
@@ -2076,7 +2077,7 @@
           <a:p>
             <a:fld id="{BC849E9A-41F7-4779-A581-48A7C374A227}" type="slidenum">
               <a:rPr lang="en-US" smtClean="0"/>
-              <a:t>22</a:t>
+              <a:t>23</a:t>
             </a:fld>
             <a:endParaRPr lang="en-US" dirty="0"/>
           </a:p>
@@ -2163,7 +2164,7 @@
           <a:p>
             <a:fld id="{BC849E9A-41F7-4779-A581-48A7C374A227}" type="slidenum">
               <a:rPr lang="en-US" smtClean="0"/>
-              <a:t>23</a:t>
+              <a:t>24</a:t>
             </a:fld>
             <a:endParaRPr lang="en-US" dirty="0"/>
           </a:p>
@@ -2380,7 +2381,7 @@
           <a:p>
             <a:fld id="{BC849E9A-41F7-4779-A581-48A7C374A227}" type="slidenum">
               <a:rPr lang="en-US" smtClean="0"/>
-              <a:t>24</a:t>
+              <a:t>25</a:t>
             </a:fld>
             <a:endParaRPr lang="en-US" dirty="0"/>
           </a:p>
@@ -2464,7 +2465,7 @@
           <a:p>
             <a:fld id="{BC849E9A-41F7-4779-A581-48A7C374A227}" type="slidenum">
               <a:rPr lang="en-US" smtClean="0"/>
-              <a:t>26</a:t>
+              <a:t>27</a:t>
             </a:fld>
             <a:endParaRPr lang="en-US" dirty="0"/>
           </a:p>
@@ -3698,7 +3699,7 @@
           <a:p>
             <a:fld id="{BC849E9A-41F7-4779-A581-48A7C374A227}" type="slidenum">
               <a:rPr lang="en-US" smtClean="0"/>
-              <a:t>8</a:t>
+              <a:t>9</a:t>
             </a:fld>
             <a:endParaRPr lang="en-US" dirty="0"/>
           </a:p>
@@ -5024,7 +5025,7 @@
           <a:p>
             <a:fld id="{BC849E9A-41F7-4779-A581-48A7C374A227}" type="slidenum">
               <a:rPr lang="en-US" smtClean="0"/>
-              <a:t>9</a:t>
+              <a:t>10</a:t>
             </a:fld>
             <a:endParaRPr lang="en-US" dirty="0"/>
           </a:p>
@@ -5199,7 +5200,7 @@
           <a:p>
             <a:fld id="{BC849E9A-41F7-4779-A581-48A7C374A227}" type="slidenum">
               <a:rPr lang="en-US" smtClean="0"/>
-              <a:t>10</a:t>
+              <a:t>11</a:t>
             </a:fld>
             <a:endParaRPr lang="en-US" dirty="0"/>
           </a:p>
@@ -5306,7 +5307,7 @@
           <a:p>
             <a:fld id="{BC849E9A-41F7-4779-A581-48A7C374A227}" type="slidenum">
               <a:rPr lang="en-US" smtClean="0"/>
-              <a:t>11</a:t>
+              <a:t>12</a:t>
             </a:fld>
             <a:endParaRPr lang="en-US" dirty="0"/>
           </a:p>
@@ -5393,7 +5394,7 @@
           <a:p>
             <a:fld id="{BC849E9A-41F7-4779-A581-48A7C374A227}" type="slidenum">
               <a:rPr lang="en-US" smtClean="0"/>
-              <a:t>12</a:t>
+              <a:t>13</a:t>
             </a:fld>
             <a:endParaRPr lang="en-US" dirty="0"/>
           </a:p>
@@ -5480,7 +5481,7 @@
           <a:p>
             <a:fld id="{BC849E9A-41F7-4779-A581-48A7C374A227}" type="slidenum">
               <a:rPr lang="en-US" smtClean="0"/>
-              <a:t>13</a:t>
+              <a:t>14</a:t>
             </a:fld>
             <a:endParaRPr lang="en-US" dirty="0"/>
           </a:p>
@@ -5570,7 +5571,7 @@
           <a:p>
             <a:fld id="{BC849E9A-41F7-4779-A581-48A7C374A227}" type="slidenum">
               <a:rPr lang="en-US" smtClean="0"/>
-              <a:t>14</a:t>
+              <a:t>15</a:t>
             </a:fld>
             <a:endParaRPr lang="en-US" dirty="0"/>
           </a:p>
@@ -5672,7 +5673,7 @@
           <a:p>
             <a:fld id="{BC849E9A-41F7-4779-A581-48A7C374A227}" type="slidenum">
               <a:rPr lang="en-US" smtClean="0"/>
-              <a:t>15</a:t>
+              <a:t>16</a:t>
             </a:fld>
             <a:endParaRPr lang="en-US" dirty="0"/>
           </a:p>
@@ -5838,7 +5839,7 @@
           <a:p>
             <a:fld id="{461436DF-F24E-48E3-BE9F-68AFE2C6589C}" type="datetime1">
               <a:rPr lang="en-US" smtClean="0"/>
-              <a:t>11/7/2021</a:t>
+              <a:t>11/9/2021</a:t>
             </a:fld>
             <a:endParaRPr lang="en-US" dirty="0"/>
           </a:p>
@@ -6040,7 +6041,7 @@
           <a:p>
             <a:fld id="{CD9681C5-637A-43AB-A7C4-E7DFC89EBD58}" type="datetime1">
               <a:rPr lang="en-US" smtClean="0"/>
-              <a:t>11/7/2021</a:t>
+              <a:t>11/9/2021</a:t>
             </a:fld>
             <a:endParaRPr lang="en-US" dirty="0"/>
           </a:p>
@@ -6252,7 +6253,7 @@
           <a:p>
             <a:fld id="{4742C380-EB37-4688-ACA2-A268C2AE5967}" type="datetime1">
               <a:rPr lang="en-US" smtClean="0"/>
-              <a:t>11/7/2021</a:t>
+              <a:t>11/9/2021</a:t>
             </a:fld>
             <a:endParaRPr lang="en-US" dirty="0"/>
           </a:p>
@@ -6476,7 +6477,7 @@
           <a:p>
             <a:fld id="{DECF21A4-E71B-4D3A-AF45-E989C23A7BB1}" type="datetimeFigureOut">
               <a:rPr lang="en-US" smtClean="0"/>
-              <a:t>11/7/2021</a:t>
+              <a:t>11/9/2021</a:t>
             </a:fld>
             <a:endParaRPr lang="en-US" dirty="0"/>
           </a:p>
@@ -6674,7 +6675,7 @@
           <a:p>
             <a:fld id="{DECF21A4-E71B-4D3A-AF45-E989C23A7BB1}" type="datetimeFigureOut">
               <a:rPr lang="en-US" smtClean="0"/>
-              <a:t>11/7/2021</a:t>
+              <a:t>11/9/2021</a:t>
             </a:fld>
             <a:endParaRPr lang="en-US" dirty="0"/>
           </a:p>
@@ -6949,7 +6950,7 @@
           <a:p>
             <a:fld id="{DECF21A4-E71B-4D3A-AF45-E989C23A7BB1}" type="datetimeFigureOut">
               <a:rPr lang="en-US" smtClean="0"/>
-              <a:t>11/7/2021</a:t>
+              <a:t>11/9/2021</a:t>
             </a:fld>
             <a:endParaRPr lang="en-US" dirty="0"/>
           </a:p>
@@ -7214,7 +7215,7 @@
           <a:p>
             <a:fld id="{DECF21A4-E71B-4D3A-AF45-E989C23A7BB1}" type="datetimeFigureOut">
               <a:rPr lang="en-US" smtClean="0"/>
-              <a:t>11/7/2021</a:t>
+              <a:t>11/9/2021</a:t>
             </a:fld>
             <a:endParaRPr lang="en-US" dirty="0"/>
           </a:p>
@@ -7626,7 +7627,7 @@
           <a:p>
             <a:fld id="{DECF21A4-E71B-4D3A-AF45-E989C23A7BB1}" type="datetimeFigureOut">
               <a:rPr lang="en-US" smtClean="0"/>
-              <a:t>11/7/2021</a:t>
+              <a:t>11/9/2021</a:t>
             </a:fld>
             <a:endParaRPr lang="en-US" dirty="0"/>
           </a:p>
@@ -7767,7 +7768,7 @@
           <a:p>
             <a:fld id="{DECF21A4-E71B-4D3A-AF45-E989C23A7BB1}" type="datetimeFigureOut">
               <a:rPr lang="en-US" smtClean="0"/>
-              <a:t>11/7/2021</a:t>
+              <a:t>11/9/2021</a:t>
             </a:fld>
             <a:endParaRPr lang="en-US" dirty="0"/>
           </a:p>
@@ -7880,7 +7881,7 @@
           <a:p>
             <a:fld id="{DECF21A4-E71B-4D3A-AF45-E989C23A7BB1}" type="datetimeFigureOut">
               <a:rPr lang="en-US" smtClean="0"/>
-              <a:t>11/7/2021</a:t>
+              <a:t>11/9/2021</a:t>
             </a:fld>
             <a:endParaRPr lang="en-US" dirty="0"/>
           </a:p>
@@ -8191,7 +8192,7 @@
           <a:p>
             <a:fld id="{DECF21A4-E71B-4D3A-AF45-E989C23A7BB1}" type="datetimeFigureOut">
               <a:rPr lang="en-US" smtClean="0"/>
-              <a:t>11/7/2021</a:t>
+              <a:t>11/9/2021</a:t>
             </a:fld>
             <a:endParaRPr lang="en-US" dirty="0"/>
           </a:p>
@@ -8389,7 +8390,7 @@
           <a:p>
             <a:fld id="{601661FD-B672-4D8F-8356-4A12CA89AA63}" type="datetime1">
               <a:rPr lang="en-US" smtClean="0"/>
-              <a:t>11/7/2021</a:t>
+              <a:t>11/9/2021</a:t>
             </a:fld>
             <a:endParaRPr lang="en-US" dirty="0"/>
           </a:p>
@@ -8685,7 +8686,7 @@
           <a:p>
             <a:fld id="{DECF21A4-E71B-4D3A-AF45-E989C23A7BB1}" type="datetimeFigureOut">
               <a:rPr lang="en-US" smtClean="0"/>
-              <a:t>11/7/2021</a:t>
+              <a:t>11/9/2021</a:t>
             </a:fld>
             <a:endParaRPr lang="en-US" dirty="0"/>
           </a:p>
@@ -8883,7 +8884,7 @@
           <a:p>
             <a:fld id="{DECF21A4-E71B-4D3A-AF45-E989C23A7BB1}" type="datetimeFigureOut">
               <a:rPr lang="en-US" smtClean="0"/>
-              <a:t>11/7/2021</a:t>
+              <a:t>11/9/2021</a:t>
             </a:fld>
             <a:endParaRPr lang="en-US" dirty="0"/>
           </a:p>
@@ -9091,7 +9092,7 @@
           <a:p>
             <a:fld id="{DECF21A4-E71B-4D3A-AF45-E989C23A7BB1}" type="datetimeFigureOut">
               <a:rPr lang="en-US" smtClean="0"/>
-              <a:t>11/7/2021</a:t>
+              <a:t>11/9/2021</a:t>
             </a:fld>
             <a:endParaRPr lang="en-US" dirty="0"/>
           </a:p>
@@ -9366,7 +9367,7 @@
           <a:p>
             <a:fld id="{83037F5D-6B5E-445B-A7D6-D5272A907639}" type="datetime1">
               <a:rPr lang="en-US" smtClean="0"/>
-              <a:t>11/7/2021</a:t>
+              <a:t>11/9/2021</a:t>
             </a:fld>
             <a:endParaRPr lang="en-US" dirty="0"/>
           </a:p>
@@ -9635,7 +9636,7 @@
           <a:p>
             <a:fld id="{38AB59E4-EFCB-416B-8597-2977CD513C8F}" type="datetime1">
               <a:rPr lang="en-US" smtClean="0"/>
-              <a:t>11/7/2021</a:t>
+              <a:t>11/9/2021</a:t>
             </a:fld>
             <a:endParaRPr lang="en-US" dirty="0"/>
           </a:p>
@@ -10051,7 +10052,7 @@
           <a:p>
             <a:fld id="{744DE904-C2A5-4777-8FC5-B8D2FECC7571}" type="datetime1">
               <a:rPr lang="en-US" smtClean="0"/>
-              <a:t>11/7/2021</a:t>
+              <a:t>11/9/2021</a:t>
             </a:fld>
             <a:endParaRPr lang="en-US" dirty="0"/>
           </a:p>
@@ -10196,7 +10197,7 @@
           <a:p>
             <a:fld id="{56D6020D-AEF5-4548-AE67-C5782FBCD88A}" type="datetime1">
               <a:rPr lang="en-US" smtClean="0"/>
-              <a:t>11/7/2021</a:t>
+              <a:t>11/9/2021</a:t>
             </a:fld>
             <a:endParaRPr lang="en-US" dirty="0"/>
           </a:p>
@@ -10313,7 +10314,7 @@
           <a:p>
             <a:fld id="{CC1B33E5-E33B-4FE4-9AAB-74E67996C9CD}" type="datetime1">
               <a:rPr lang="en-US" smtClean="0"/>
-              <a:t>11/7/2021</a:t>
+              <a:t>11/9/2021</a:t>
             </a:fld>
             <a:endParaRPr lang="en-US" dirty="0"/>
           </a:p>
@@ -10628,7 +10629,7 @@
           <a:p>
             <a:fld id="{F38E6434-5ED1-4478-B475-B5D0455674B4}" type="datetime1">
               <a:rPr lang="en-US" smtClean="0"/>
-              <a:t>11/7/2021</a:t>
+              <a:t>11/9/2021</a:t>
             </a:fld>
             <a:endParaRPr lang="en-US" dirty="0"/>
           </a:p>
@@ -10924,7 +10925,7 @@
           <a:p>
             <a:fld id="{C60241AD-501F-4E01-AB37-27CC7835DE35}" type="datetime1">
               <a:rPr lang="en-US" smtClean="0"/>
-              <a:t>11/7/2021</a:t>
+              <a:t>11/9/2021</a:t>
             </a:fld>
             <a:endParaRPr lang="en-US" dirty="0"/>
           </a:p>
@@ -11169,7 +11170,7 @@
           <a:p>
             <a:fld id="{E8A74AA5-2820-462D-B05E-9F8E9E238163}" type="datetime1">
               <a:rPr lang="en-US" smtClean="0"/>
-              <a:t>11/7/2021</a:t>
+              <a:t>11/9/2021</a:t>
             </a:fld>
             <a:endParaRPr lang="en-US" dirty="0"/>
           </a:p>
@@ -11742,7 +11743,7 @@
           <a:p>
             <a:fld id="{DECF21A4-E71B-4D3A-AF45-E989C23A7BB1}" type="datetimeFigureOut">
               <a:rPr lang="en-US" smtClean="0"/>
-              <a:t>11/7/2021</a:t>
+              <a:t>11/9/2021</a:t>
             </a:fld>
             <a:endParaRPr lang="en-US" dirty="0"/>
           </a:p>
@@ -12754,6 +12755,509 @@
           <p:cNvPr id="10" name="Rectangle 9">
             <a:extLst>
               <a:ext uri="{FF2B5EF4-FFF2-40B4-BE49-F238E27FC236}">
+                <a16:creationId xmlns:a16="http://schemas.microsoft.com/office/drawing/2014/main" id="{3AD318CC-E2A8-4E27-9548-A047A78999B1}"/>
+              </a:ext>
+              <a:ext uri="{C183D7F6-B498-43B3-948B-1728B52AA6E4}">
+                <adec:decorative xmlns:adec="http://schemas.microsoft.com/office/drawing/2017/decorative" val="1"/>
+              </a:ext>
+            </a:extLst>
+          </p:cNvPr>
+          <p:cNvSpPr>
+            <a:spLocks noGrp="1" noRot="1" noChangeAspect="1" noMove="1" noResize="1" noEditPoints="1" noAdjustHandles="1" noChangeArrowheads="1" noChangeShapeType="1" noTextEdit="1"/>
+          </p:cNvSpPr>
+          <p:nvPr>
+            <p:extLst>
+              <p:ext uri="{386F3935-93C4-4BCD-93E2-E3B085C9AB24}">
+                <p16:designElem xmlns:p16="http://schemas.microsoft.com/office/powerpoint/2015/main" val="1"/>
+              </p:ext>
+            </p:extLst>
+          </p:nvPr>
+        </p:nvSpPr>
+        <p:spPr>
+          <a:xfrm>
+            <a:off x="0" y="0"/>
+            <a:ext cx="12191999" cy="6857365"/>
+          </a:xfrm>
+          <a:prstGeom prst="rect">
+            <a:avLst/>
+          </a:prstGeom>
+          <a:ln>
+            <a:noFill/>
+          </a:ln>
+        </p:spPr>
+        <p:style>
+          <a:lnRef idx="2">
+            <a:schemeClr val="accent1">
+              <a:shade val="50000"/>
+            </a:schemeClr>
+          </a:lnRef>
+          <a:fillRef idx="1">
+            <a:schemeClr val="accent1"/>
+          </a:fillRef>
+          <a:effectRef idx="0">
+            <a:schemeClr val="accent1"/>
+          </a:effectRef>
+          <a:fontRef idx="minor">
+            <a:schemeClr val="lt1"/>
+          </a:fontRef>
+        </p:style>
+        <p:txBody>
+          <a:bodyPr rtlCol="0" anchor="ctr"/>
+          <a:lstStyle/>
+          <a:p>
+            <a:pPr algn="ctr"/>
+            <a:endParaRPr lang="en-US"/>
+          </a:p>
+        </p:txBody>
+      </p:sp>
+      <p:sp>
+        <p:nvSpPr>
+          <p:cNvPr id="2" name="Title 1">
+            <a:extLst>
+              <a:ext uri="{FF2B5EF4-FFF2-40B4-BE49-F238E27FC236}">
+                <a16:creationId xmlns:a16="http://schemas.microsoft.com/office/drawing/2014/main" id="{7C887591-9A72-4854-AA2B-8AD8C687F080}"/>
+              </a:ext>
+            </a:extLst>
+          </p:cNvPr>
+          <p:cNvSpPr>
+            <a:spLocks noGrp="1"/>
+          </p:cNvSpPr>
+          <p:nvPr>
+            <p:ph type="title"/>
+          </p:nvPr>
+        </p:nvSpPr>
+        <p:spPr>
+          <a:xfrm>
+            <a:off x="645065" y="1463040"/>
+            <a:ext cx="3796306" cy="2690949"/>
+          </a:xfrm>
+        </p:spPr>
+        <p:txBody>
+          <a:bodyPr anchor="t">
+            <a:normAutofit/>
+          </a:bodyPr>
+          <a:lstStyle/>
+          <a:p>
+            <a:r>
+              <a:rPr lang="en-US" sz="4800"/>
+              <a:t>Multiple Regression</a:t>
+            </a:r>
+          </a:p>
+        </p:txBody>
+      </p:sp>
+      <p:grpSp>
+        <p:nvGrpSpPr>
+          <p:cNvPr id="12" name="Group 11">
+            <a:extLst>
+              <a:ext uri="{FF2B5EF4-FFF2-40B4-BE49-F238E27FC236}">
+                <a16:creationId xmlns:a16="http://schemas.microsoft.com/office/drawing/2014/main" id="{B14B560F-9DD7-4302-A60B-EBD3EF59B073}"/>
+              </a:ext>
+              <a:ext uri="{C183D7F6-B498-43B3-948B-1728B52AA6E4}">
+                <adec:decorative xmlns:adec="http://schemas.microsoft.com/office/drawing/2017/decorative" val="1"/>
+              </a:ext>
+            </a:extLst>
+          </p:cNvPr>
+          <p:cNvGrpSpPr>
+            <a:grpSpLocks noGrp="1" noUngrp="1" noRot="1" noChangeAspect="1" noMove="1" noResize="1"/>
+          </p:cNvGrpSpPr>
+          <p:nvPr>
+            <p:extLst>
+              <p:ext uri="{386F3935-93C4-4BCD-93E2-E3B085C9AB24}">
+                <p16:designElem xmlns:p16="http://schemas.microsoft.com/office/powerpoint/2015/main" val="1"/>
+              </p:ext>
+            </p:extLst>
+          </p:nvPr>
+        </p:nvGrpSpPr>
+        <p:grpSpPr>
+          <a:xfrm>
+            <a:off x="209667" y="4415246"/>
+            <a:ext cx="11982332" cy="2087795"/>
+            <a:chOff x="143163" y="5763486"/>
+            <a:chExt cx="11982332" cy="739555"/>
+          </a:xfrm>
+        </p:grpSpPr>
+        <p:sp>
+          <p:nvSpPr>
+            <p:cNvPr id="13" name="Rectangle 12">
+              <a:extLst>
+                <a:ext uri="{FF2B5EF4-FFF2-40B4-BE49-F238E27FC236}">
+                  <a16:creationId xmlns:a16="http://schemas.microsoft.com/office/drawing/2014/main" id="{3A9A4357-BD1D-4622-A4FE-766E6AB8DE84}"/>
+                </a:ext>
+                <a:ext uri="{C183D7F6-B498-43B3-948B-1728B52AA6E4}">
+                  <adec:decorative xmlns:adec="http://schemas.microsoft.com/office/drawing/2017/decorative" val="1"/>
+                </a:ext>
+              </a:extLst>
+            </p:cNvPr>
+            <p:cNvSpPr/>
+            <p:nvPr>
+              <p:extLst>
+                <p:ext uri="{386F3935-93C4-4BCD-93E2-E3B085C9AB24}">
+                  <p16:designElem xmlns:p16="http://schemas.microsoft.com/office/powerpoint/2015/main" val="1"/>
+                </p:ext>
+              </p:extLst>
+            </p:nvPr>
+          </p:nvSpPr>
+          <p:spPr>
+            <a:xfrm flipH="1" flipV="1">
+              <a:off x="357444" y="5763486"/>
+              <a:ext cx="11768051" cy="739555"/>
+            </a:xfrm>
+            <a:prstGeom prst="rect">
+              <a:avLst/>
+            </a:prstGeom>
+            <a:solidFill>
+              <a:schemeClr val="accent4"/>
+            </a:solidFill>
+            <a:ln>
+              <a:noFill/>
+            </a:ln>
+          </p:spPr>
+          <p:style>
+            <a:lnRef idx="2">
+              <a:schemeClr val="accent1">
+                <a:shade val="50000"/>
+              </a:schemeClr>
+            </a:lnRef>
+            <a:fillRef idx="1">
+              <a:schemeClr val="accent1"/>
+            </a:fillRef>
+            <a:effectRef idx="0">
+              <a:schemeClr val="accent1"/>
+            </a:effectRef>
+            <a:fontRef idx="minor">
+              <a:schemeClr val="lt1"/>
+            </a:fontRef>
+          </p:style>
+          <p:txBody>
+            <a:bodyPr rtlCol="0" anchor="ctr"/>
+            <a:lstStyle/>
+            <a:p>
+              <a:pPr algn="ctr"/>
+              <a:endParaRPr lang="en-US"/>
+            </a:p>
+          </p:txBody>
+        </p:sp>
+        <p:cxnSp>
+          <p:nvCxnSpPr>
+            <p:cNvPr id="39" name="Straight Connector 13">
+              <a:extLst>
+                <a:ext uri="{FF2B5EF4-FFF2-40B4-BE49-F238E27FC236}">
+                  <a16:creationId xmlns:a16="http://schemas.microsoft.com/office/drawing/2014/main" id="{C21D6966-343E-49AC-A026-D2497E0C3CA1}"/>
+                </a:ext>
+                <a:ext uri="{C183D7F6-B498-43B3-948B-1728B52AA6E4}">
+                  <adec:decorative xmlns:adec="http://schemas.microsoft.com/office/drawing/2017/decorative" val="1"/>
+                </a:ext>
+              </a:extLst>
+            </p:cNvPr>
+            <p:cNvCxnSpPr>
+              <a:cxnSpLocks/>
+            </p:cNvCxnSpPr>
+            <p:nvPr>
+              <p:extLst>
+                <p:ext uri="{386F3935-93C4-4BCD-93E2-E3B085C9AB24}">
+                  <p16:designElem xmlns:p16="http://schemas.microsoft.com/office/powerpoint/2015/main" val="1"/>
+                </p:ext>
+              </p:extLst>
+            </p:nvPr>
+          </p:nvCxnSpPr>
+          <p:spPr>
+            <a:xfrm flipH="1">
+              <a:off x="143163" y="5763486"/>
+              <a:ext cx="1" cy="739555"/>
+            </a:xfrm>
+            <a:prstGeom prst="line">
+              <a:avLst/>
+            </a:prstGeom>
+            <a:ln w="177800">
+              <a:solidFill>
+                <a:schemeClr val="accent4"/>
+              </a:solidFill>
+            </a:ln>
+          </p:spPr>
+          <p:style>
+            <a:lnRef idx="1">
+              <a:schemeClr val="accent1"/>
+            </a:lnRef>
+            <a:fillRef idx="0">
+              <a:schemeClr val="accent1"/>
+            </a:fillRef>
+            <a:effectRef idx="0">
+              <a:schemeClr val="accent1"/>
+            </a:effectRef>
+            <a:fontRef idx="minor">
+              <a:schemeClr val="tx1"/>
+            </a:fontRef>
+          </p:style>
+        </p:cxnSp>
+      </p:grpSp>
+      <p:sp>
+        <p:nvSpPr>
+          <p:cNvPr id="16" name="Rectangle 15">
+            <a:extLst>
+              <a:ext uri="{FF2B5EF4-FFF2-40B4-BE49-F238E27FC236}">
+                <a16:creationId xmlns:a16="http://schemas.microsoft.com/office/drawing/2014/main" id="{2C1BBA94-3F40-40AA-8BB9-E69E25E537C1}"/>
+              </a:ext>
+              <a:ext uri="{C183D7F6-B498-43B3-948B-1728B52AA6E4}">
+                <adec:decorative xmlns:adec="http://schemas.microsoft.com/office/drawing/2017/decorative" val="1"/>
+              </a:ext>
+            </a:extLst>
+          </p:cNvPr>
+          <p:cNvSpPr>
+            <a:spLocks noGrp="1" noRot="1" noChangeAspect="1" noMove="1" noResize="1" noEditPoints="1" noAdjustHandles="1" noChangeArrowheads="1" noChangeShapeType="1" noTextEdit="1"/>
+          </p:cNvSpPr>
+          <p:nvPr>
+            <p:extLst>
+              <p:ext uri="{386F3935-93C4-4BCD-93E2-E3B085C9AB24}">
+                <p16:designElem xmlns:p16="http://schemas.microsoft.com/office/powerpoint/2015/main" val="1"/>
+              </p:ext>
+            </p:extLst>
+          </p:nvPr>
+        </p:nvSpPr>
+        <p:spPr>
+          <a:xfrm>
+            <a:off x="5133706" y="587829"/>
+            <a:ext cx="6505300" cy="5682342"/>
+          </a:xfrm>
+          <a:prstGeom prst="rect">
+            <a:avLst/>
+          </a:prstGeom>
+          <a:solidFill>
+            <a:schemeClr val="bg1"/>
+          </a:solidFill>
+          <a:ln>
+            <a:noFill/>
+          </a:ln>
+          <a:effectLst>
+            <a:outerShdw blurRad="139700" dist="127000" dir="5400000" algn="t" rotWithShape="0">
+              <a:prstClr val="black">
+                <a:alpha val="15000"/>
+              </a:prstClr>
+            </a:outerShdw>
+          </a:effectLst>
+        </p:spPr>
+        <p:style>
+          <a:lnRef idx="2">
+            <a:schemeClr val="accent1">
+              <a:shade val="50000"/>
+            </a:schemeClr>
+          </a:lnRef>
+          <a:fillRef idx="1">
+            <a:schemeClr val="accent1"/>
+          </a:fillRef>
+          <a:effectRef idx="0">
+            <a:schemeClr val="accent1"/>
+          </a:effectRef>
+          <a:fontRef idx="minor">
+            <a:schemeClr val="lt1"/>
+          </a:fontRef>
+        </p:style>
+        <p:txBody>
+          <a:bodyPr rtlCol="0" anchor="ctr"/>
+          <a:lstStyle/>
+          <a:p>
+            <a:pPr algn="ctr"/>
+            <a:endParaRPr lang="en-US"/>
+          </a:p>
+        </p:txBody>
+      </p:sp>
+      <p:sp>
+        <p:nvSpPr>
+          <p:cNvPr id="40" name="Content Placeholder 2">
+            <a:extLst>
+              <a:ext uri="{FF2B5EF4-FFF2-40B4-BE49-F238E27FC236}">
+                <a16:creationId xmlns:a16="http://schemas.microsoft.com/office/drawing/2014/main" id="{E612B995-3E62-42AD-A75D-5541C4EE1278}"/>
+              </a:ext>
+            </a:extLst>
+          </p:cNvPr>
+          <p:cNvSpPr>
+            <a:spLocks noGrp="1"/>
+          </p:cNvSpPr>
+          <p:nvPr>
+            <p:ph idx="1"/>
+          </p:nvPr>
+        </p:nvSpPr>
+        <p:spPr>
+          <a:xfrm>
+            <a:off x="5656218" y="1463039"/>
+            <a:ext cx="5542387" cy="4300447"/>
+          </a:xfrm>
+        </p:spPr>
+        <p:txBody>
+          <a:bodyPr anchor="t">
+            <a:normAutofit/>
+          </a:bodyPr>
+          <a:lstStyle/>
+          <a:p>
+            <a:r>
+              <a:rPr lang="en-US" sz="2200"/>
+              <a:t>The dependent variable (the thing we try to “predict”) must be</a:t>
+            </a:r>
+          </a:p>
+          <a:p>
+            <a:pPr lvl="1"/>
+            <a:r>
+              <a:rPr lang="en-US" sz="2200"/>
+              <a:t>Interval or Ratio (this class covers)</a:t>
+            </a:r>
+          </a:p>
+          <a:p>
+            <a:pPr lvl="1"/>
+            <a:r>
+              <a:rPr lang="en-US" sz="2200"/>
+              <a:t>Technically, Ordinal and Ordinal (e.g., logistic regression)</a:t>
+            </a:r>
+          </a:p>
+          <a:p>
+            <a:r>
+              <a:rPr lang="en-US" sz="2200"/>
+              <a:t>The independent variables must be </a:t>
+            </a:r>
+          </a:p>
+          <a:p>
+            <a:pPr lvl="1"/>
+            <a:r>
+              <a:rPr lang="en-US" sz="2200"/>
+              <a:t>Binary Variables (technically more!!!)</a:t>
+            </a:r>
+          </a:p>
+          <a:p>
+            <a:pPr lvl="1"/>
+            <a:r>
+              <a:rPr lang="en-US" sz="2200"/>
+              <a:t>Interval or Ratio</a:t>
+            </a:r>
+          </a:p>
+        </p:txBody>
+      </p:sp>
+      <p:sp>
+        <p:nvSpPr>
+          <p:cNvPr id="4" name="Footer Placeholder 3">
+            <a:extLst>
+              <a:ext uri="{FF2B5EF4-FFF2-40B4-BE49-F238E27FC236}">
+                <a16:creationId xmlns:a16="http://schemas.microsoft.com/office/drawing/2014/main" id="{01DC7843-BB94-42AB-B665-6417B43DE111}"/>
+              </a:ext>
+            </a:extLst>
+          </p:cNvPr>
+          <p:cNvSpPr>
+            <a:spLocks noGrp="1"/>
+          </p:cNvSpPr>
+          <p:nvPr>
+            <p:ph type="ftr" sz="quarter" idx="11"/>
+          </p:nvPr>
+        </p:nvSpPr>
+        <p:spPr>
+          <a:xfrm>
+            <a:off x="4038600" y="6492240"/>
+            <a:ext cx="4114800" cy="365125"/>
+          </a:xfrm>
+        </p:spPr>
+        <p:txBody>
+          <a:bodyPr>
+            <a:normAutofit/>
+          </a:bodyPr>
+          <a:lstStyle/>
+          <a:p>
+            <a:pPr>
+              <a:spcAft>
+                <a:spcPts val="600"/>
+              </a:spcAft>
+            </a:pPr>
+            <a:r>
+              <a:rPr lang="en-US"/>
+              <a:t>Mike Nguyen</a:t>
+            </a:r>
+          </a:p>
+        </p:txBody>
+      </p:sp>
+      <p:sp>
+        <p:nvSpPr>
+          <p:cNvPr id="5" name="Slide Number Placeholder 4">
+            <a:extLst>
+              <a:ext uri="{FF2B5EF4-FFF2-40B4-BE49-F238E27FC236}">
+                <a16:creationId xmlns:a16="http://schemas.microsoft.com/office/drawing/2014/main" id="{66964E36-7475-4700-BAE9-79A897F8E3DA}"/>
+              </a:ext>
+            </a:extLst>
+          </p:cNvPr>
+          <p:cNvSpPr>
+            <a:spLocks noGrp="1"/>
+          </p:cNvSpPr>
+          <p:nvPr>
+            <p:ph type="sldNum" sz="quarter" idx="12"/>
+          </p:nvPr>
+        </p:nvSpPr>
+        <p:spPr>
+          <a:xfrm>
+            <a:off x="8610600" y="6492240"/>
+            <a:ext cx="2743200" cy="365125"/>
+          </a:xfrm>
+        </p:spPr>
+        <p:txBody>
+          <a:bodyPr>
+            <a:normAutofit/>
+          </a:bodyPr>
+          <a:lstStyle/>
+          <a:p>
+            <a:pPr>
+              <a:spcAft>
+                <a:spcPts val="600"/>
+              </a:spcAft>
+            </a:pPr>
+            <a:fld id="{A6AF1B4E-90EC-4A51-B6E5-B702C054ECB0}" type="slidenum">
+              <a:rPr lang="en-US" smtClean="0"/>
+              <a:pPr>
+                <a:spcAft>
+                  <a:spcPts val="600"/>
+                </a:spcAft>
+              </a:pPr>
+              <a:t>10</a:t>
+            </a:fld>
+            <a:endParaRPr lang="en-US"/>
+          </a:p>
+        </p:txBody>
+      </p:sp>
+    </p:spTree>
+    <p:extLst>
+      <p:ext uri="{BB962C8B-B14F-4D97-AF65-F5344CB8AC3E}">
+        <p14:creationId xmlns:p14="http://schemas.microsoft.com/office/powerpoint/2010/main" val="1138161956"/>
+      </p:ext>
+    </p:extLst>
+  </p:cSld>
+  <p:clrMapOvr>
+    <a:masterClrMapping/>
+  </p:clrMapOvr>
+</p:sld>
+</file>
+
+<file path=ppt/slides/slide11.xml><?xml version="1.0" encoding="utf-8"?>
+<p:sld xmlns:a="http://schemas.openxmlformats.org/drawingml/2006/main" xmlns:r="http://schemas.openxmlformats.org/officeDocument/2006/relationships" xmlns:p="http://schemas.openxmlformats.org/presentationml/2006/main">
+  <p:cSld>
+    <p:bg>
+      <p:bgPr>
+        <a:solidFill>
+          <a:schemeClr val="bg1"/>
+        </a:solidFill>
+        <a:effectLst/>
+      </p:bgPr>
+    </p:bg>
+    <p:spTree>
+      <p:nvGrpSpPr>
+        <p:cNvPr id="1" name=""/>
+        <p:cNvGrpSpPr/>
+        <p:nvPr/>
+      </p:nvGrpSpPr>
+      <p:grpSpPr>
+        <a:xfrm>
+          <a:off x="0" y="0"/>
+          <a:ext cx="0" cy="0"/>
+          <a:chOff x="0" y="0"/>
+          <a:chExt cx="0" cy="0"/>
+        </a:xfrm>
+      </p:grpSpPr>
+      <p:sp useBgFill="1">
+        <p:nvSpPr>
+          <p:cNvPr id="10" name="Rectangle 9">
+            <a:extLst>
+              <a:ext uri="{FF2B5EF4-FFF2-40B4-BE49-F238E27FC236}">
                 <a16:creationId xmlns:a16="http://schemas.microsoft.com/office/drawing/2014/main" id="{100EDD19-6802-4EC3-95CE-CFFAB042CFD6}"/>
               </a:ext>
               <a:ext uri="{C183D7F6-B498-43B3-948B-1728B52AA6E4}">
@@ -13709,7 +14213,7 @@
                   <a:spcPts val="600"/>
                 </a:spcAft>
               </a:pPr>
-              <a:t>10</a:t>
+              <a:t>11</a:t>
             </a:fld>
             <a:endParaRPr lang="en-US"/>
           </a:p>
@@ -13728,7 +14232,7 @@
 </p:sld>
 </file>
 
-<file path=ppt/slides/slide11.xml><?xml version="1.0" encoding="utf-8"?>
+<file path=ppt/slides/slide12.xml><?xml version="1.0" encoding="utf-8"?>
 <p:sld xmlns:a="http://schemas.openxmlformats.org/drawingml/2006/main" xmlns:r="http://schemas.openxmlformats.org/officeDocument/2006/relationships" xmlns:p="http://schemas.openxmlformats.org/presentationml/2006/main">
   <p:cSld>
     <p:bg>
@@ -14664,7 +15168,7 @@
                   <a:spcPts val="600"/>
                 </a:spcAft>
               </a:pPr>
-              <a:t>11</a:t>
+              <a:t>12</a:t>
             </a:fld>
             <a:endParaRPr lang="en-US"/>
           </a:p>
@@ -14683,7 +15187,7 @@
 </p:sld>
 </file>
 
-<file path=ppt/slides/slide12.xml><?xml version="1.0" encoding="utf-8"?>
+<file path=ppt/slides/slide13.xml><?xml version="1.0" encoding="utf-8"?>
 <p:sld xmlns:a="http://schemas.openxmlformats.org/drawingml/2006/main" xmlns:r="http://schemas.openxmlformats.org/officeDocument/2006/relationships" xmlns:p="http://schemas.openxmlformats.org/presentationml/2006/main">
   <p:cSld>
     <p:bg>
@@ -15595,7 +16099,7 @@
                   <a:spcPts val="600"/>
                 </a:spcAft>
               </a:pPr>
-              <a:t>12</a:t>
+              <a:t>13</a:t>
             </a:fld>
             <a:endParaRPr lang="en-US"/>
           </a:p>
@@ -15605,1102 +16109,6 @@
     <p:extLst>
       <p:ext uri="{BB962C8B-B14F-4D97-AF65-F5344CB8AC3E}">
         <p14:creationId xmlns:p14="http://schemas.microsoft.com/office/powerpoint/2010/main" val="3898857186"/>
-      </p:ext>
-    </p:extLst>
-  </p:cSld>
-  <p:clrMapOvr>
-    <a:masterClrMapping/>
-  </p:clrMapOvr>
-  <p:timing>
-    <p:tnLst>
-      <p:par>
-        <p:cTn id="1" dur="indefinite" restart="never" nodeType="tmRoot">
-          <p:childTnLst>
-            <p:seq concurrent="1" nextAc="seek">
-              <p:cTn id="2" dur="indefinite" nodeType="mainSeq">
-                <p:childTnLst>
-                  <p:par>
-                    <p:cTn id="3" fill="hold">
-                      <p:stCondLst>
-                        <p:cond delay="indefinite"/>
-                      </p:stCondLst>
-                      <p:childTnLst>
-                        <p:par>
-                          <p:cTn id="4" fill="hold">
-                            <p:stCondLst>
-                              <p:cond delay="0"/>
-                            </p:stCondLst>
-                            <p:childTnLst>
-                              <p:par>
-                                <p:cTn id="5" presetID="1" presetClass="entr" presetSubtype="0" fill="hold" nodeType="clickEffect">
-                                  <p:stCondLst>
-                                    <p:cond delay="0"/>
-                                  </p:stCondLst>
-                                  <p:childTnLst>
-                                    <p:set>
-                                      <p:cBhvr>
-                                        <p:cTn id="6" dur="1" fill="hold">
-                                          <p:stCondLst>
-                                            <p:cond delay="0"/>
-                                          </p:stCondLst>
-                                        </p:cTn>
-                                        <p:tgtEl>
-                                          <p:spTgt spid="3">
-                                            <p:txEl>
-                                              <p:pRg st="0" end="0"/>
-                                            </p:txEl>
-                                          </p:spTgt>
-                                        </p:tgtEl>
-                                        <p:attrNameLst>
-                                          <p:attrName>style.visibility</p:attrName>
-                                        </p:attrNameLst>
-                                      </p:cBhvr>
-                                      <p:to>
-                                        <p:strVal val="visible"/>
-                                      </p:to>
-                                    </p:set>
-                                  </p:childTnLst>
-                                </p:cTn>
-                              </p:par>
-                              <p:par>
-                                <p:cTn id="7" presetID="1" presetClass="entr" presetSubtype="0" fill="hold" nodeType="withEffect">
-                                  <p:stCondLst>
-                                    <p:cond delay="0"/>
-                                  </p:stCondLst>
-                                  <p:childTnLst>
-                                    <p:set>
-                                      <p:cBhvr>
-                                        <p:cTn id="8" dur="1" fill="hold">
-                                          <p:stCondLst>
-                                            <p:cond delay="0"/>
-                                          </p:stCondLst>
-                                        </p:cTn>
-                                        <p:tgtEl>
-                                          <p:spTgt spid="3">
-                                            <p:txEl>
-                                              <p:pRg st="2" end="2"/>
-                                            </p:txEl>
-                                          </p:spTgt>
-                                        </p:tgtEl>
-                                        <p:attrNameLst>
-                                          <p:attrName>style.visibility</p:attrName>
-                                        </p:attrNameLst>
-                                      </p:cBhvr>
-                                      <p:to>
-                                        <p:strVal val="visible"/>
-                                      </p:to>
-                                    </p:set>
-                                  </p:childTnLst>
-                                </p:cTn>
-                              </p:par>
-                            </p:childTnLst>
-                          </p:cTn>
-                        </p:par>
-                      </p:childTnLst>
-                    </p:cTn>
-                  </p:par>
-                  <p:par>
-                    <p:cTn id="9" fill="hold">
-                      <p:stCondLst>
-                        <p:cond delay="indefinite"/>
-                      </p:stCondLst>
-                      <p:childTnLst>
-                        <p:par>
-                          <p:cTn id="10" fill="hold">
-                            <p:stCondLst>
-                              <p:cond delay="0"/>
-                            </p:stCondLst>
-                            <p:childTnLst>
-                              <p:par>
-                                <p:cTn id="11" presetID="1" presetClass="entr" presetSubtype="0" fill="hold" nodeType="clickEffect">
-                                  <p:stCondLst>
-                                    <p:cond delay="0"/>
-                                  </p:stCondLst>
-                                  <p:childTnLst>
-                                    <p:set>
-                                      <p:cBhvr>
-                                        <p:cTn id="12" dur="1" fill="hold">
-                                          <p:stCondLst>
-                                            <p:cond delay="0"/>
-                                          </p:stCondLst>
-                                        </p:cTn>
-                                        <p:tgtEl>
-                                          <p:spTgt spid="3">
-                                            <p:txEl>
-                                              <p:pRg st="4" end="4"/>
-                                            </p:txEl>
-                                          </p:spTgt>
-                                        </p:tgtEl>
-                                        <p:attrNameLst>
-                                          <p:attrName>style.visibility</p:attrName>
-                                        </p:attrNameLst>
-                                      </p:cBhvr>
-                                      <p:to>
-                                        <p:strVal val="visible"/>
-                                      </p:to>
-                                    </p:set>
-                                  </p:childTnLst>
-                                </p:cTn>
-                              </p:par>
-                            </p:childTnLst>
-                          </p:cTn>
-                        </p:par>
-                      </p:childTnLst>
-                    </p:cTn>
-                  </p:par>
-                </p:childTnLst>
-              </p:cTn>
-              <p:prevCondLst>
-                <p:cond evt="onPrev" delay="0">
-                  <p:tgtEl>
-                    <p:sldTgt/>
-                  </p:tgtEl>
-                </p:cond>
-              </p:prevCondLst>
-              <p:nextCondLst>
-                <p:cond evt="onNext" delay="0">
-                  <p:tgtEl>
-                    <p:sldTgt/>
-                  </p:tgtEl>
-                </p:cond>
-              </p:nextCondLst>
-            </p:seq>
-          </p:childTnLst>
-        </p:cTn>
-      </p:par>
-    </p:tnLst>
-  </p:timing>
-</p:sld>
-</file>
-
-<file path=ppt/slides/slide13.xml><?xml version="1.0" encoding="utf-8"?>
-<p:sld xmlns:a="http://schemas.openxmlformats.org/drawingml/2006/main" xmlns:r="http://schemas.openxmlformats.org/officeDocument/2006/relationships" xmlns:p="http://schemas.openxmlformats.org/presentationml/2006/main">
-  <p:cSld>
-    <p:bg>
-      <p:bgPr>
-        <a:solidFill>
-          <a:schemeClr val="bg1"/>
-        </a:solidFill>
-        <a:effectLst/>
-      </p:bgPr>
-    </p:bg>
-    <p:spTree>
-      <p:nvGrpSpPr>
-        <p:cNvPr id="1" name=""/>
-        <p:cNvGrpSpPr/>
-        <p:nvPr/>
-      </p:nvGrpSpPr>
-      <p:grpSpPr>
-        <a:xfrm>
-          <a:off x="0" y="0"/>
-          <a:ext cx="0" cy="0"/>
-          <a:chOff x="0" y="0"/>
-          <a:chExt cx="0" cy="0"/>
-        </a:xfrm>
-      </p:grpSpPr>
-      <p:sp useBgFill="1">
-        <p:nvSpPr>
-          <p:cNvPr id="10" name="Rectangle 9">
-            <a:extLst>
-              <a:ext uri="{FF2B5EF4-FFF2-40B4-BE49-F238E27FC236}">
-                <a16:creationId xmlns:a16="http://schemas.microsoft.com/office/drawing/2014/main" id="{100EDD19-6802-4EC3-95CE-CFFAB042CFD6}"/>
-              </a:ext>
-              <a:ext uri="{C183D7F6-B498-43B3-948B-1728B52AA6E4}">
-                <adec:decorative xmlns:adec="http://schemas.microsoft.com/office/drawing/2017/decorative" val="1"/>
-              </a:ext>
-            </a:extLst>
-          </p:cNvPr>
-          <p:cNvSpPr>
-            <a:spLocks noGrp="1" noRot="1" noChangeAspect="1" noMove="1" noResize="1" noEditPoints="1" noAdjustHandles="1" noChangeArrowheads="1" noChangeShapeType="1" noTextEdit="1"/>
-          </p:cNvSpPr>
-          <p:nvPr>
-            <p:extLst>
-              <p:ext uri="{386F3935-93C4-4BCD-93E2-E3B085C9AB24}">
-                <p16:designElem xmlns:p16="http://schemas.microsoft.com/office/powerpoint/2015/main" val="1"/>
-              </p:ext>
-            </p:extLst>
-          </p:nvPr>
-        </p:nvSpPr>
-        <p:spPr>
-          <a:xfrm>
-            <a:off x="0" y="0"/>
-            <a:ext cx="12188952" cy="6858000"/>
-          </a:xfrm>
-          <a:prstGeom prst="rect">
-            <a:avLst/>
-          </a:prstGeom>
-          <a:ln>
-            <a:noFill/>
-          </a:ln>
-        </p:spPr>
-        <p:style>
-          <a:lnRef idx="2">
-            <a:schemeClr val="accent1">
-              <a:shade val="50000"/>
-            </a:schemeClr>
-          </a:lnRef>
-          <a:fillRef idx="1">
-            <a:schemeClr val="accent1"/>
-          </a:fillRef>
-          <a:effectRef idx="0">
-            <a:schemeClr val="accent1"/>
-          </a:effectRef>
-          <a:fontRef idx="minor">
-            <a:schemeClr val="lt1"/>
-          </a:fontRef>
-        </p:style>
-        <p:txBody>
-          <a:bodyPr rtlCol="0" anchor="ctr"/>
-          <a:lstStyle/>
-          <a:p>
-            <a:pPr algn="ctr"/>
-            <a:endParaRPr lang="en-US"/>
-          </a:p>
-        </p:txBody>
-      </p:sp>
-      <p:sp>
-        <p:nvSpPr>
-          <p:cNvPr id="2" name="Title 1">
-            <a:extLst>
-              <a:ext uri="{FF2B5EF4-FFF2-40B4-BE49-F238E27FC236}">
-                <a16:creationId xmlns:a16="http://schemas.microsoft.com/office/drawing/2014/main" id="{7C887591-9A72-4854-AA2B-8AD8C687F080}"/>
-              </a:ext>
-            </a:extLst>
-          </p:cNvPr>
-          <p:cNvSpPr>
-            <a:spLocks noGrp="1"/>
-          </p:cNvSpPr>
-          <p:nvPr>
-            <p:ph type="title"/>
-          </p:nvPr>
-        </p:nvSpPr>
-        <p:spPr>
-          <a:xfrm>
-            <a:off x="838200" y="365125"/>
-            <a:ext cx="10515600" cy="1325563"/>
-          </a:xfrm>
-        </p:spPr>
-        <p:txBody>
-          <a:bodyPr>
-            <a:normAutofit/>
-          </a:bodyPr>
-          <a:lstStyle/>
-          <a:p>
-            <a:r>
-              <a:rPr lang="en-US" sz="5400"/>
-              <a:t>Multiple Regression</a:t>
-            </a:r>
-          </a:p>
-        </p:txBody>
-      </p:sp>
-      <p:sp>
-        <p:nvSpPr>
-          <p:cNvPr id="12" name="sketch line">
-            <a:extLst>
-              <a:ext uri="{FF2B5EF4-FFF2-40B4-BE49-F238E27FC236}">
-                <a16:creationId xmlns:a16="http://schemas.microsoft.com/office/drawing/2014/main" id="{DB17E863-922E-4C26-BD64-E8FD41D28661}"/>
-              </a:ext>
-              <a:ext uri="{C183D7F6-B498-43B3-948B-1728B52AA6E4}">
-                <adec:decorative xmlns:adec="http://schemas.microsoft.com/office/drawing/2017/decorative" val="1"/>
-              </a:ext>
-            </a:extLst>
-          </p:cNvPr>
-          <p:cNvSpPr>
-            <a:spLocks noGrp="1" noRot="1" noChangeAspect="1" noMove="1" noResize="1" noEditPoints="1" noAdjustHandles="1" noChangeArrowheads="1" noChangeShapeType="1" noTextEdit="1"/>
-          </p:cNvSpPr>
-          <p:nvPr>
-            <p:extLst>
-              <p:ext uri="{386F3935-93C4-4BCD-93E2-E3B085C9AB24}">
-                <p16:designElem xmlns:p16="http://schemas.microsoft.com/office/powerpoint/2015/main" val="1"/>
-              </p:ext>
-            </p:extLst>
-          </p:nvPr>
-        </p:nvSpPr>
-        <p:spPr>
-          <a:xfrm>
-            <a:off x="669036" y="1677373"/>
-            <a:ext cx="10853928" cy="18288"/>
-          </a:xfrm>
-          <a:custGeom>
-            <a:avLst/>
-            <a:gdLst>
-              <a:gd name="connsiteX0" fmla="*/ 0 w 10853928"/>
-              <a:gd name="connsiteY0" fmla="*/ 0 h 18288"/>
-              <a:gd name="connsiteX1" fmla="*/ 461292 w 10853928"/>
-              <a:gd name="connsiteY1" fmla="*/ 0 h 18288"/>
-              <a:gd name="connsiteX2" fmla="*/ 1139662 w 10853928"/>
-              <a:gd name="connsiteY2" fmla="*/ 0 h 18288"/>
-              <a:gd name="connsiteX3" fmla="*/ 1926572 w 10853928"/>
-              <a:gd name="connsiteY3" fmla="*/ 0 h 18288"/>
-              <a:gd name="connsiteX4" fmla="*/ 2279325 w 10853928"/>
-              <a:gd name="connsiteY4" fmla="*/ 0 h 18288"/>
-              <a:gd name="connsiteX5" fmla="*/ 2632078 w 10853928"/>
-              <a:gd name="connsiteY5" fmla="*/ 0 h 18288"/>
-              <a:gd name="connsiteX6" fmla="*/ 3527527 w 10853928"/>
-              <a:gd name="connsiteY6" fmla="*/ 0 h 18288"/>
-              <a:gd name="connsiteX7" fmla="*/ 4205897 w 10853928"/>
-              <a:gd name="connsiteY7" fmla="*/ 0 h 18288"/>
-              <a:gd name="connsiteX8" fmla="*/ 4558650 w 10853928"/>
-              <a:gd name="connsiteY8" fmla="*/ 0 h 18288"/>
-              <a:gd name="connsiteX9" fmla="*/ 5237020 w 10853928"/>
-              <a:gd name="connsiteY9" fmla="*/ 0 h 18288"/>
-              <a:gd name="connsiteX10" fmla="*/ 6132469 w 10853928"/>
-              <a:gd name="connsiteY10" fmla="*/ 0 h 18288"/>
-              <a:gd name="connsiteX11" fmla="*/ 6702301 w 10853928"/>
-              <a:gd name="connsiteY11" fmla="*/ 0 h 18288"/>
-              <a:gd name="connsiteX12" fmla="*/ 7272132 w 10853928"/>
-              <a:gd name="connsiteY12" fmla="*/ 0 h 18288"/>
-              <a:gd name="connsiteX13" fmla="*/ 7950502 w 10853928"/>
-              <a:gd name="connsiteY13" fmla="*/ 0 h 18288"/>
-              <a:gd name="connsiteX14" fmla="*/ 8737412 w 10853928"/>
-              <a:gd name="connsiteY14" fmla="*/ 0 h 18288"/>
-              <a:gd name="connsiteX15" fmla="*/ 9524322 w 10853928"/>
-              <a:gd name="connsiteY15" fmla="*/ 0 h 18288"/>
-              <a:gd name="connsiteX16" fmla="*/ 10853928 w 10853928"/>
-              <a:gd name="connsiteY16" fmla="*/ 0 h 18288"/>
-              <a:gd name="connsiteX17" fmla="*/ 10853928 w 10853928"/>
-              <a:gd name="connsiteY17" fmla="*/ 18288 h 18288"/>
-              <a:gd name="connsiteX18" fmla="*/ 10392636 w 10853928"/>
-              <a:gd name="connsiteY18" fmla="*/ 18288 h 18288"/>
-              <a:gd name="connsiteX19" fmla="*/ 9497187 w 10853928"/>
-              <a:gd name="connsiteY19" fmla="*/ 18288 h 18288"/>
-              <a:gd name="connsiteX20" fmla="*/ 8818817 w 10853928"/>
-              <a:gd name="connsiteY20" fmla="*/ 18288 h 18288"/>
-              <a:gd name="connsiteX21" fmla="*/ 8466064 w 10853928"/>
-              <a:gd name="connsiteY21" fmla="*/ 18288 h 18288"/>
-              <a:gd name="connsiteX22" fmla="*/ 7787693 w 10853928"/>
-              <a:gd name="connsiteY22" fmla="*/ 18288 h 18288"/>
-              <a:gd name="connsiteX23" fmla="*/ 7217862 w 10853928"/>
-              <a:gd name="connsiteY23" fmla="*/ 18288 h 18288"/>
-              <a:gd name="connsiteX24" fmla="*/ 6648031 w 10853928"/>
-              <a:gd name="connsiteY24" fmla="*/ 18288 h 18288"/>
-              <a:gd name="connsiteX25" fmla="*/ 6078200 w 10853928"/>
-              <a:gd name="connsiteY25" fmla="*/ 18288 h 18288"/>
-              <a:gd name="connsiteX26" fmla="*/ 5508368 w 10853928"/>
-              <a:gd name="connsiteY26" fmla="*/ 18288 h 18288"/>
-              <a:gd name="connsiteX27" fmla="*/ 4721459 w 10853928"/>
-              <a:gd name="connsiteY27" fmla="*/ 18288 h 18288"/>
-              <a:gd name="connsiteX28" fmla="*/ 4043088 w 10853928"/>
-              <a:gd name="connsiteY28" fmla="*/ 18288 h 18288"/>
-              <a:gd name="connsiteX29" fmla="*/ 3690336 w 10853928"/>
-              <a:gd name="connsiteY29" fmla="*/ 18288 h 18288"/>
-              <a:gd name="connsiteX30" fmla="*/ 3120504 w 10853928"/>
-              <a:gd name="connsiteY30" fmla="*/ 18288 h 18288"/>
-              <a:gd name="connsiteX31" fmla="*/ 2333595 w 10853928"/>
-              <a:gd name="connsiteY31" fmla="*/ 18288 h 18288"/>
-              <a:gd name="connsiteX32" fmla="*/ 1872303 w 10853928"/>
-              <a:gd name="connsiteY32" fmla="*/ 18288 h 18288"/>
-              <a:gd name="connsiteX33" fmla="*/ 976854 w 10853928"/>
-              <a:gd name="connsiteY33" fmla="*/ 18288 h 18288"/>
-              <a:gd name="connsiteX34" fmla="*/ 0 w 10853928"/>
-              <a:gd name="connsiteY34" fmla="*/ 18288 h 18288"/>
-              <a:gd name="connsiteX35" fmla="*/ 0 w 10853928"/>
-              <a:gd name="connsiteY35" fmla="*/ 0 h 18288"/>
-            </a:gdLst>
-            <a:ahLst/>
-            <a:cxnLst>
-              <a:cxn ang="0">
-                <a:pos x="connsiteX0" y="connsiteY0"/>
-              </a:cxn>
-              <a:cxn ang="0">
-                <a:pos x="connsiteX1" y="connsiteY1"/>
-              </a:cxn>
-              <a:cxn ang="0">
-                <a:pos x="connsiteX2" y="connsiteY2"/>
-              </a:cxn>
-              <a:cxn ang="0">
-                <a:pos x="connsiteX3" y="connsiteY3"/>
-              </a:cxn>
-              <a:cxn ang="0">
-                <a:pos x="connsiteX4" y="connsiteY4"/>
-              </a:cxn>
-              <a:cxn ang="0">
-                <a:pos x="connsiteX5" y="connsiteY5"/>
-              </a:cxn>
-              <a:cxn ang="0">
-                <a:pos x="connsiteX6" y="connsiteY6"/>
-              </a:cxn>
-              <a:cxn ang="0">
-                <a:pos x="connsiteX7" y="connsiteY7"/>
-              </a:cxn>
-              <a:cxn ang="0">
-                <a:pos x="connsiteX8" y="connsiteY8"/>
-              </a:cxn>
-              <a:cxn ang="0">
-                <a:pos x="connsiteX9" y="connsiteY9"/>
-              </a:cxn>
-              <a:cxn ang="0">
-                <a:pos x="connsiteX10" y="connsiteY10"/>
-              </a:cxn>
-              <a:cxn ang="0">
-                <a:pos x="connsiteX11" y="connsiteY11"/>
-              </a:cxn>
-              <a:cxn ang="0">
-                <a:pos x="connsiteX12" y="connsiteY12"/>
-              </a:cxn>
-              <a:cxn ang="0">
-                <a:pos x="connsiteX13" y="connsiteY13"/>
-              </a:cxn>
-              <a:cxn ang="0">
-                <a:pos x="connsiteX14" y="connsiteY14"/>
-              </a:cxn>
-              <a:cxn ang="0">
-                <a:pos x="connsiteX15" y="connsiteY15"/>
-              </a:cxn>
-              <a:cxn ang="0">
-                <a:pos x="connsiteX16" y="connsiteY16"/>
-              </a:cxn>
-              <a:cxn ang="0">
-                <a:pos x="connsiteX17" y="connsiteY17"/>
-              </a:cxn>
-              <a:cxn ang="0">
-                <a:pos x="connsiteX18" y="connsiteY18"/>
-              </a:cxn>
-              <a:cxn ang="0">
-                <a:pos x="connsiteX19" y="connsiteY19"/>
-              </a:cxn>
-              <a:cxn ang="0">
-                <a:pos x="connsiteX20" y="connsiteY20"/>
-              </a:cxn>
-              <a:cxn ang="0">
-                <a:pos x="connsiteX21" y="connsiteY21"/>
-              </a:cxn>
-              <a:cxn ang="0">
-                <a:pos x="connsiteX22" y="connsiteY22"/>
-              </a:cxn>
-              <a:cxn ang="0">
-                <a:pos x="connsiteX23" y="connsiteY23"/>
-              </a:cxn>
-              <a:cxn ang="0">
-                <a:pos x="connsiteX24" y="connsiteY24"/>
-              </a:cxn>
-              <a:cxn ang="0">
-                <a:pos x="connsiteX25" y="connsiteY25"/>
-              </a:cxn>
-              <a:cxn ang="0">
-                <a:pos x="connsiteX26" y="connsiteY26"/>
-              </a:cxn>
-              <a:cxn ang="0">
-                <a:pos x="connsiteX27" y="connsiteY27"/>
-              </a:cxn>
-              <a:cxn ang="0">
-                <a:pos x="connsiteX28" y="connsiteY28"/>
-              </a:cxn>
-              <a:cxn ang="0">
-                <a:pos x="connsiteX29" y="connsiteY29"/>
-              </a:cxn>
-              <a:cxn ang="0">
-                <a:pos x="connsiteX30" y="connsiteY30"/>
-              </a:cxn>
-              <a:cxn ang="0">
-                <a:pos x="connsiteX31" y="connsiteY31"/>
-              </a:cxn>
-              <a:cxn ang="0">
-                <a:pos x="connsiteX32" y="connsiteY32"/>
-              </a:cxn>
-              <a:cxn ang="0">
-                <a:pos x="connsiteX33" y="connsiteY33"/>
-              </a:cxn>
-              <a:cxn ang="0">
-                <a:pos x="connsiteX34" y="connsiteY34"/>
-              </a:cxn>
-              <a:cxn ang="0">
-                <a:pos x="connsiteX35" y="connsiteY35"/>
-              </a:cxn>
-            </a:cxnLst>
-            <a:rect l="l" t="t" r="r" b="b"/>
-            <a:pathLst>
-              <a:path w="10853928" h="18288" fill="none" extrusionOk="0">
-                <a:moveTo>
-                  <a:pt x="0" y="0"/>
-                </a:moveTo>
-                <a:cubicBezTo>
-                  <a:pt x="146993" y="-19076"/>
-                  <a:pt x="347684" y="-4790"/>
-                  <a:pt x="461292" y="0"/>
-                </a:cubicBezTo>
-                <a:cubicBezTo>
-                  <a:pt x="574900" y="4790"/>
-                  <a:pt x="808367" y="19821"/>
-                  <a:pt x="1139662" y="0"/>
-                </a:cubicBezTo>
-                <a:cubicBezTo>
-                  <a:pt x="1470957" y="-19821"/>
-                  <a:pt x="1627405" y="5721"/>
-                  <a:pt x="1926572" y="0"/>
-                </a:cubicBezTo>
-                <a:cubicBezTo>
-                  <a:pt x="2225739" y="-5721"/>
-                  <a:pt x="2137730" y="-3235"/>
-                  <a:pt x="2279325" y="0"/>
-                </a:cubicBezTo>
-                <a:cubicBezTo>
-                  <a:pt x="2420920" y="3235"/>
-                  <a:pt x="2456518" y="9685"/>
-                  <a:pt x="2632078" y="0"/>
-                </a:cubicBezTo>
-                <a:cubicBezTo>
-                  <a:pt x="2807638" y="-9685"/>
-                  <a:pt x="3211516" y="-43007"/>
-                  <a:pt x="3527527" y="0"/>
-                </a:cubicBezTo>
-                <a:cubicBezTo>
-                  <a:pt x="3843538" y="43007"/>
-                  <a:pt x="4058833" y="22042"/>
-                  <a:pt x="4205897" y="0"/>
-                </a:cubicBezTo>
-                <a:cubicBezTo>
-                  <a:pt x="4352961" y="-22042"/>
-                  <a:pt x="4474805" y="-11846"/>
-                  <a:pt x="4558650" y="0"/>
-                </a:cubicBezTo>
-                <a:cubicBezTo>
-                  <a:pt x="4642495" y="11846"/>
-                  <a:pt x="5041928" y="-6069"/>
-                  <a:pt x="5237020" y="0"/>
-                </a:cubicBezTo>
-                <a:cubicBezTo>
-                  <a:pt x="5432112" y="6069"/>
-                  <a:pt x="5943266" y="-17479"/>
-                  <a:pt x="6132469" y="0"/>
-                </a:cubicBezTo>
-                <a:cubicBezTo>
-                  <a:pt x="6321672" y="17479"/>
-                  <a:pt x="6483872" y="26234"/>
-                  <a:pt x="6702301" y="0"/>
-                </a:cubicBezTo>
-                <a:cubicBezTo>
-                  <a:pt x="6920730" y="-26234"/>
-                  <a:pt x="6991194" y="-15156"/>
-                  <a:pt x="7272132" y="0"/>
-                </a:cubicBezTo>
-                <a:cubicBezTo>
-                  <a:pt x="7553070" y="15156"/>
-                  <a:pt x="7684444" y="-32961"/>
-                  <a:pt x="7950502" y="0"/>
-                </a:cubicBezTo>
-                <a:cubicBezTo>
-                  <a:pt x="8216560" y="32961"/>
-                  <a:pt x="8493290" y="-10491"/>
-                  <a:pt x="8737412" y="0"/>
-                </a:cubicBezTo>
-                <a:cubicBezTo>
-                  <a:pt x="8981534" y="10491"/>
-                  <a:pt x="9191586" y="-13899"/>
-                  <a:pt x="9524322" y="0"/>
-                </a:cubicBezTo>
-                <a:cubicBezTo>
-                  <a:pt x="9857058" y="13899"/>
-                  <a:pt x="10297509" y="7485"/>
-                  <a:pt x="10853928" y="0"/>
-                </a:cubicBezTo>
-                <a:cubicBezTo>
-                  <a:pt x="10854574" y="4451"/>
-                  <a:pt x="10854418" y="9226"/>
-                  <a:pt x="10853928" y="18288"/>
-                </a:cubicBezTo>
-                <a:cubicBezTo>
-                  <a:pt x="10691638" y="28522"/>
-                  <a:pt x="10574319" y="29578"/>
-                  <a:pt x="10392636" y="18288"/>
-                </a:cubicBezTo>
-                <a:cubicBezTo>
-                  <a:pt x="10210953" y="6998"/>
-                  <a:pt x="9836277" y="-16742"/>
-                  <a:pt x="9497187" y="18288"/>
-                </a:cubicBezTo>
-                <a:cubicBezTo>
-                  <a:pt x="9158097" y="53318"/>
-                  <a:pt x="9119479" y="30714"/>
-                  <a:pt x="8818817" y="18288"/>
-                </a:cubicBezTo>
-                <a:cubicBezTo>
-                  <a:pt x="8518155" y="5863"/>
-                  <a:pt x="8640037" y="6483"/>
-                  <a:pt x="8466064" y="18288"/>
-                </a:cubicBezTo>
-                <a:cubicBezTo>
-                  <a:pt x="8292091" y="30093"/>
-                  <a:pt x="7997656" y="18914"/>
-                  <a:pt x="7787693" y="18288"/>
-                </a:cubicBezTo>
-                <a:cubicBezTo>
-                  <a:pt x="7577730" y="17662"/>
-                  <a:pt x="7412468" y="21416"/>
-                  <a:pt x="7217862" y="18288"/>
-                </a:cubicBezTo>
-                <a:cubicBezTo>
-                  <a:pt x="7023256" y="15160"/>
-                  <a:pt x="6898018" y="14824"/>
-                  <a:pt x="6648031" y="18288"/>
-                </a:cubicBezTo>
-                <a:cubicBezTo>
-                  <a:pt x="6398044" y="21752"/>
-                  <a:pt x="6254402" y="38625"/>
-                  <a:pt x="6078200" y="18288"/>
-                </a:cubicBezTo>
-                <a:cubicBezTo>
-                  <a:pt x="5901998" y="-2049"/>
-                  <a:pt x="5622886" y="3213"/>
-                  <a:pt x="5508368" y="18288"/>
-                </a:cubicBezTo>
-                <a:cubicBezTo>
-                  <a:pt x="5393850" y="33363"/>
-                  <a:pt x="5036260" y="26830"/>
-                  <a:pt x="4721459" y="18288"/>
-                </a:cubicBezTo>
-                <a:cubicBezTo>
-                  <a:pt x="4406658" y="9746"/>
-                  <a:pt x="4239221" y="41551"/>
-                  <a:pt x="4043088" y="18288"/>
-                </a:cubicBezTo>
-                <a:cubicBezTo>
-                  <a:pt x="3846955" y="-4975"/>
-                  <a:pt x="3818802" y="34658"/>
-                  <a:pt x="3690336" y="18288"/>
-                </a:cubicBezTo>
-                <a:cubicBezTo>
-                  <a:pt x="3561870" y="1918"/>
-                  <a:pt x="3265491" y="42194"/>
-                  <a:pt x="3120504" y="18288"/>
-                </a:cubicBezTo>
-                <a:cubicBezTo>
-                  <a:pt x="2975517" y="-5618"/>
-                  <a:pt x="2720254" y="36673"/>
-                  <a:pt x="2333595" y="18288"/>
-                </a:cubicBezTo>
-                <a:cubicBezTo>
-                  <a:pt x="1946936" y="-97"/>
-                  <a:pt x="2097241" y="5776"/>
-                  <a:pt x="1872303" y="18288"/>
-                </a:cubicBezTo>
-                <a:cubicBezTo>
-                  <a:pt x="1647365" y="30800"/>
-                  <a:pt x="1282708" y="45380"/>
-                  <a:pt x="976854" y="18288"/>
-                </a:cubicBezTo>
-                <a:cubicBezTo>
-                  <a:pt x="671000" y="-8804"/>
-                  <a:pt x="408401" y="-12775"/>
-                  <a:pt x="0" y="18288"/>
-                </a:cubicBezTo>
-                <a:cubicBezTo>
-                  <a:pt x="-213" y="9468"/>
-                  <a:pt x="187" y="4459"/>
-                  <a:pt x="0" y="0"/>
-                </a:cubicBezTo>
-                <a:close/>
-              </a:path>
-              <a:path w="10853928" h="18288" stroke="0" extrusionOk="0">
-                <a:moveTo>
-                  <a:pt x="0" y="0"/>
-                </a:moveTo>
-                <a:cubicBezTo>
-                  <a:pt x="267322" y="15284"/>
-                  <a:pt x="415388" y="-21048"/>
-                  <a:pt x="569831" y="0"/>
-                </a:cubicBezTo>
-                <a:cubicBezTo>
-                  <a:pt x="724274" y="21048"/>
-                  <a:pt x="769333" y="-2353"/>
-                  <a:pt x="922584" y="0"/>
-                </a:cubicBezTo>
-                <a:cubicBezTo>
-                  <a:pt x="1075835" y="2353"/>
-                  <a:pt x="1399490" y="-145"/>
-                  <a:pt x="1818033" y="0"/>
-                </a:cubicBezTo>
-                <a:cubicBezTo>
-                  <a:pt x="2236576" y="145"/>
-                  <a:pt x="2145330" y="5482"/>
-                  <a:pt x="2387864" y="0"/>
-                </a:cubicBezTo>
-                <a:cubicBezTo>
-                  <a:pt x="2630398" y="-5482"/>
-                  <a:pt x="2793207" y="18487"/>
-                  <a:pt x="2957695" y="0"/>
-                </a:cubicBezTo>
-                <a:cubicBezTo>
-                  <a:pt x="3122183" y="-18487"/>
-                  <a:pt x="3579141" y="19003"/>
-                  <a:pt x="3853144" y="0"/>
-                </a:cubicBezTo>
-                <a:cubicBezTo>
-                  <a:pt x="4127147" y="-19003"/>
-                  <a:pt x="4209857" y="12211"/>
-                  <a:pt x="4314436" y="0"/>
-                </a:cubicBezTo>
-                <a:cubicBezTo>
-                  <a:pt x="4419015" y="-12211"/>
-                  <a:pt x="4762459" y="-17220"/>
-                  <a:pt x="5209885" y="0"/>
-                </a:cubicBezTo>
-                <a:cubicBezTo>
-                  <a:pt x="5657311" y="17220"/>
-                  <a:pt x="5692663" y="-3290"/>
-                  <a:pt x="6105335" y="0"/>
-                </a:cubicBezTo>
-                <a:cubicBezTo>
-                  <a:pt x="6518007" y="3290"/>
-                  <a:pt x="6455516" y="-5124"/>
-                  <a:pt x="6783705" y="0"/>
-                </a:cubicBezTo>
-                <a:cubicBezTo>
-                  <a:pt x="7111894" y="5124"/>
-                  <a:pt x="7441941" y="-17829"/>
-                  <a:pt x="7679154" y="0"/>
-                </a:cubicBezTo>
-                <a:cubicBezTo>
-                  <a:pt x="7916367" y="17829"/>
-                  <a:pt x="8102967" y="-24363"/>
-                  <a:pt x="8248985" y="0"/>
-                </a:cubicBezTo>
-                <a:cubicBezTo>
-                  <a:pt x="8395003" y="24363"/>
-                  <a:pt x="8552393" y="25505"/>
-                  <a:pt x="8818817" y="0"/>
-                </a:cubicBezTo>
-                <a:cubicBezTo>
-                  <a:pt x="9085241" y="-25505"/>
-                  <a:pt x="9411308" y="38000"/>
-                  <a:pt x="9605726" y="0"/>
-                </a:cubicBezTo>
-                <a:cubicBezTo>
-                  <a:pt x="9800144" y="-38000"/>
-                  <a:pt x="10006468" y="-25741"/>
-                  <a:pt x="10175558" y="0"/>
-                </a:cubicBezTo>
-                <a:cubicBezTo>
-                  <a:pt x="10344648" y="25741"/>
-                  <a:pt x="10696282" y="695"/>
-                  <a:pt x="10853928" y="0"/>
-                </a:cubicBezTo>
-                <a:cubicBezTo>
-                  <a:pt x="10853521" y="8690"/>
-                  <a:pt x="10853774" y="14141"/>
-                  <a:pt x="10853928" y="18288"/>
-                </a:cubicBezTo>
-                <a:cubicBezTo>
-                  <a:pt x="10608124" y="24255"/>
-                  <a:pt x="10343415" y="22307"/>
-                  <a:pt x="10067018" y="18288"/>
-                </a:cubicBezTo>
-                <a:cubicBezTo>
-                  <a:pt x="9790621" y="14270"/>
-                  <a:pt x="9843266" y="3564"/>
-                  <a:pt x="9714266" y="18288"/>
-                </a:cubicBezTo>
-                <a:cubicBezTo>
-                  <a:pt x="9585266" y="33012"/>
-                  <a:pt x="9379484" y="1875"/>
-                  <a:pt x="9252974" y="18288"/>
-                </a:cubicBezTo>
-                <a:cubicBezTo>
-                  <a:pt x="9126464" y="34701"/>
-                  <a:pt x="8580678" y="-4904"/>
-                  <a:pt x="8357525" y="18288"/>
-                </a:cubicBezTo>
-                <a:cubicBezTo>
-                  <a:pt x="8134372" y="41480"/>
-                  <a:pt x="7903199" y="26458"/>
-                  <a:pt x="7679154" y="18288"/>
-                </a:cubicBezTo>
-                <a:cubicBezTo>
-                  <a:pt x="7455109" y="10118"/>
-                  <a:pt x="7435944" y="27109"/>
-                  <a:pt x="7217862" y="18288"/>
-                </a:cubicBezTo>
-                <a:cubicBezTo>
-                  <a:pt x="6999780" y="9467"/>
-                  <a:pt x="6680409" y="18985"/>
-                  <a:pt x="6539492" y="18288"/>
-                </a:cubicBezTo>
-                <a:cubicBezTo>
-                  <a:pt x="6398575" y="17592"/>
-                  <a:pt x="6312077" y="33018"/>
-                  <a:pt x="6186739" y="18288"/>
-                </a:cubicBezTo>
-                <a:cubicBezTo>
-                  <a:pt x="6061401" y="3558"/>
-                  <a:pt x="5947033" y="12075"/>
-                  <a:pt x="5833986" y="18288"/>
-                </a:cubicBezTo>
-                <a:cubicBezTo>
-                  <a:pt x="5720939" y="24501"/>
-                  <a:pt x="5482226" y="8586"/>
-                  <a:pt x="5155616" y="18288"/>
-                </a:cubicBezTo>
-                <a:cubicBezTo>
-                  <a:pt x="4829006" y="27991"/>
-                  <a:pt x="4841274" y="29316"/>
-                  <a:pt x="4694324" y="18288"/>
-                </a:cubicBezTo>
-                <a:cubicBezTo>
-                  <a:pt x="4547374" y="7260"/>
-                  <a:pt x="4077675" y="7013"/>
-                  <a:pt x="3907414" y="18288"/>
-                </a:cubicBezTo>
-                <a:cubicBezTo>
-                  <a:pt x="3737153" y="29564"/>
-                  <a:pt x="3538393" y="21630"/>
-                  <a:pt x="3446122" y="18288"/>
-                </a:cubicBezTo>
-                <a:cubicBezTo>
-                  <a:pt x="3353851" y="14946"/>
-                  <a:pt x="2990320" y="-8091"/>
-                  <a:pt x="2659212" y="18288"/>
-                </a:cubicBezTo>
-                <a:cubicBezTo>
-                  <a:pt x="2328104" y="44667"/>
-                  <a:pt x="2427653" y="9607"/>
-                  <a:pt x="2306460" y="18288"/>
-                </a:cubicBezTo>
-                <a:cubicBezTo>
-                  <a:pt x="2185267" y="26969"/>
-                  <a:pt x="1719763" y="3717"/>
-                  <a:pt x="1519550" y="18288"/>
-                </a:cubicBezTo>
-                <a:cubicBezTo>
-                  <a:pt x="1319337" y="32860"/>
-                  <a:pt x="1167371" y="17040"/>
-                  <a:pt x="1058258" y="18288"/>
-                </a:cubicBezTo>
-                <a:cubicBezTo>
-                  <a:pt x="949145" y="19536"/>
-                  <a:pt x="780234" y="31447"/>
-                  <a:pt x="705505" y="18288"/>
-                </a:cubicBezTo>
-                <a:cubicBezTo>
-                  <a:pt x="630776" y="5129"/>
-                  <a:pt x="215796" y="30056"/>
-                  <a:pt x="0" y="18288"/>
-                </a:cubicBezTo>
-                <a:cubicBezTo>
-                  <a:pt x="-53" y="11301"/>
-                  <a:pt x="-649" y="7756"/>
-                  <a:pt x="0" y="0"/>
-                </a:cubicBezTo>
-                <a:close/>
-              </a:path>
-            </a:pathLst>
-          </a:custGeom>
-          <a:solidFill>
-            <a:schemeClr val="accent2"/>
-          </a:solidFill>
-          <a:ln w="41275" cap="rnd">
-            <a:solidFill>
-              <a:schemeClr val="accent2"/>
-            </a:solidFill>
-            <a:round/>
-            <a:extLst>
-              <a:ext uri="{C807C97D-BFC1-408E-A445-0C87EB9F89A2}">
-                <ask:lineSketchStyleProps xmlns:ask="http://schemas.microsoft.com/office/drawing/2018/sketchyshapes" sd="1219033472">
-                  <a:prstGeom prst="rect">
-                    <a:avLst/>
-                  </a:prstGeom>
-                  <ask:type>
-                    <ask:lineSketchFreehand/>
-                  </ask:type>
-                </ask:lineSketchStyleProps>
-              </a:ext>
-            </a:extLst>
-          </a:ln>
-        </p:spPr>
-        <p:style>
-          <a:lnRef idx="2">
-            <a:schemeClr val="accent1">
-              <a:shade val="50000"/>
-            </a:schemeClr>
-          </a:lnRef>
-          <a:fillRef idx="1">
-            <a:schemeClr val="accent1"/>
-          </a:fillRef>
-          <a:effectRef idx="0">
-            <a:schemeClr val="accent1"/>
-          </a:effectRef>
-          <a:fontRef idx="minor">
-            <a:schemeClr val="lt1"/>
-          </a:fontRef>
-        </p:style>
-        <p:txBody>
-          <a:bodyPr rtlCol="0" anchor="ctr"/>
-          <a:lstStyle/>
-          <a:p>
-            <a:pPr algn="ctr"/>
-            <a:endParaRPr lang="en-US"/>
-          </a:p>
-        </p:txBody>
-      </p:sp>
-      <p:sp>
-        <p:nvSpPr>
-          <p:cNvPr id="3" name="Content Placeholder 2">
-            <a:extLst>
-              <a:ext uri="{FF2B5EF4-FFF2-40B4-BE49-F238E27FC236}">
-                <a16:creationId xmlns:a16="http://schemas.microsoft.com/office/drawing/2014/main" id="{E612B995-3E62-42AD-A75D-5541C4EE1278}"/>
-              </a:ext>
-            </a:extLst>
-          </p:cNvPr>
-          <p:cNvSpPr>
-            <a:spLocks noGrp="1"/>
-          </p:cNvSpPr>
-          <p:nvPr>
-            <p:ph idx="1"/>
-          </p:nvPr>
-        </p:nvSpPr>
-        <p:spPr>
-          <a:xfrm>
-            <a:off x="838200" y="1929384"/>
-            <a:ext cx="10515600" cy="4251960"/>
-          </a:xfrm>
-        </p:spPr>
-        <p:txBody>
-          <a:bodyPr>
-            <a:normAutofit/>
-          </a:bodyPr>
-          <a:lstStyle/>
-          <a:p>
-            <a:pPr marL="0" indent="0">
-              <a:buNone/>
-            </a:pPr>
-            <a:r>
-              <a:rPr lang="en-US" sz="2200" dirty="0"/>
-              <a:t># of visits = 2.1 + .68 (# of hours worked) - .11 (monthly income) + .51 (if children present)</a:t>
-            </a:r>
-          </a:p>
-          <a:p>
-            <a:pPr marL="0" indent="0">
-              <a:buNone/>
-            </a:pPr>
-            <a:endParaRPr lang="en-US" sz="2200" dirty="0"/>
-          </a:p>
-          <a:p>
-            <a:pPr marL="0" indent="0">
-              <a:buNone/>
-            </a:pPr>
-            <a:r>
-              <a:rPr lang="en-US" sz="2200" dirty="0"/>
-              <a:t>The estimate for a person with the same work schedule and income, but with no children:</a:t>
-            </a:r>
-          </a:p>
-          <a:p>
-            <a:pPr marL="0" indent="0">
-              <a:buNone/>
-            </a:pPr>
-            <a:endParaRPr lang="en-US" sz="2200" dirty="0"/>
-          </a:p>
-          <a:p>
-            <a:pPr marL="0" indent="0">
-              <a:buNone/>
-            </a:pPr>
-            <a:r>
-              <a:rPr lang="en-US" sz="2200" dirty="0"/>
-              <a:t>2.10 + .68 (6) -.11 (3.5) +. 51 (0) = 5.86 visits per month</a:t>
-            </a:r>
-          </a:p>
-          <a:p>
-            <a:pPr marL="0" indent="0">
-              <a:buNone/>
-            </a:pPr>
-            <a:endParaRPr lang="en-US" sz="2200" dirty="0"/>
-          </a:p>
-          <a:p>
-            <a:pPr marL="0" indent="0">
-              <a:buNone/>
-            </a:pPr>
-            <a:endParaRPr lang="en-US" sz="2200" dirty="0"/>
-          </a:p>
-        </p:txBody>
-      </p:sp>
-      <p:sp>
-        <p:nvSpPr>
-          <p:cNvPr id="4" name="Footer Placeholder 3">
-            <a:extLst>
-              <a:ext uri="{FF2B5EF4-FFF2-40B4-BE49-F238E27FC236}">
-                <a16:creationId xmlns:a16="http://schemas.microsoft.com/office/drawing/2014/main" id="{01DC7843-BB94-42AB-B665-6417B43DE111}"/>
-              </a:ext>
-            </a:extLst>
-          </p:cNvPr>
-          <p:cNvSpPr>
-            <a:spLocks noGrp="1"/>
-          </p:cNvSpPr>
-          <p:nvPr>
-            <p:ph type="ftr" sz="quarter" idx="11"/>
-          </p:nvPr>
-        </p:nvSpPr>
-        <p:spPr>
-          <a:xfrm>
-            <a:off x="4038600" y="6356350"/>
-            <a:ext cx="4114800" cy="365125"/>
-          </a:xfrm>
-        </p:spPr>
-        <p:txBody>
-          <a:bodyPr>
-            <a:normAutofit/>
-          </a:bodyPr>
-          <a:lstStyle/>
-          <a:p>
-            <a:pPr>
-              <a:spcAft>
-                <a:spcPts val="600"/>
-              </a:spcAft>
-            </a:pPr>
-            <a:r>
-              <a:rPr lang="en-US"/>
-              <a:t>Mike Nguyen</a:t>
-            </a:r>
-          </a:p>
-        </p:txBody>
-      </p:sp>
-      <p:sp>
-        <p:nvSpPr>
-          <p:cNvPr id="5" name="Slide Number Placeholder 4">
-            <a:extLst>
-              <a:ext uri="{FF2B5EF4-FFF2-40B4-BE49-F238E27FC236}">
-                <a16:creationId xmlns:a16="http://schemas.microsoft.com/office/drawing/2014/main" id="{66964E36-7475-4700-BAE9-79A897F8E3DA}"/>
-              </a:ext>
-            </a:extLst>
-          </p:cNvPr>
-          <p:cNvSpPr>
-            <a:spLocks noGrp="1"/>
-          </p:cNvSpPr>
-          <p:nvPr>
-            <p:ph type="sldNum" sz="quarter" idx="12"/>
-          </p:nvPr>
-        </p:nvSpPr>
-        <p:spPr>
-          <a:xfrm>
-            <a:off x="8610600" y="6356350"/>
-            <a:ext cx="2743200" cy="365125"/>
-          </a:xfrm>
-        </p:spPr>
-        <p:txBody>
-          <a:bodyPr>
-            <a:normAutofit/>
-          </a:bodyPr>
-          <a:lstStyle/>
-          <a:p>
-            <a:pPr>
-              <a:spcAft>
-                <a:spcPts val="600"/>
-              </a:spcAft>
-            </a:pPr>
-            <a:fld id="{A6AF1B4E-90EC-4A51-B6E5-B702C054ECB0}" type="slidenum">
-              <a:rPr lang="en-US" smtClean="0"/>
-              <a:pPr>
-                <a:spcAft>
-                  <a:spcPts val="600"/>
-                </a:spcAft>
-              </a:pPr>
-              <a:t>13</a:t>
-            </a:fld>
-            <a:endParaRPr lang="en-US"/>
-          </a:p>
-        </p:txBody>
-      </p:sp>
-    </p:spTree>
-    <p:extLst>
-      <p:ext uri="{BB962C8B-B14F-4D97-AF65-F5344CB8AC3E}">
-        <p14:creationId xmlns:p14="http://schemas.microsoft.com/office/powerpoint/2010/main" val="1231531508"/>
       </p:ext>
     </p:extLst>
   </p:cSld>
@@ -17659,7 +17067,7 @@
               <a:buNone/>
             </a:pPr>
             <a:r>
-              <a:rPr lang="en-US" sz="2200"/>
+              <a:rPr lang="en-US" sz="2200" dirty="0"/>
               <a:t># of visits = 2.1 + .68 (# of hours worked) - .11 (monthly income) + .51 (if children present)</a:t>
             </a:r>
           </a:p>
@@ -17667,31 +17075,43 @@
             <a:pPr marL="0" indent="0">
               <a:buNone/>
             </a:pPr>
-            <a:endParaRPr lang="en-US" sz="2200"/>
+            <a:endParaRPr lang="en-US" sz="2200" dirty="0"/>
           </a:p>
           <a:p>
             <a:pPr marL="0" indent="0">
               <a:buNone/>
             </a:pPr>
             <a:r>
-              <a:rPr lang="en-US" sz="2200"/>
-              <a:t>The estimate for a person who doesn’t work outside the home, has a monthly income of $6,000, and has children:</a:t>
+              <a:rPr lang="en-US" sz="2200" dirty="0"/>
+              <a:t>The estimate for a person with the same work schedule and income, but with no children:</a:t>
             </a:r>
           </a:p>
           <a:p>
             <a:pPr marL="0" indent="0">
               <a:buNone/>
             </a:pPr>
-            <a:endParaRPr lang="en-US" sz="2200"/>
+            <a:endParaRPr lang="en-US" sz="2200" dirty="0"/>
           </a:p>
           <a:p>
             <a:pPr marL="0" indent="0">
               <a:buNone/>
             </a:pPr>
             <a:r>
-              <a:rPr lang="en-US" sz="2200"/>
-              <a:t>	2.10 + .68 (0) -.11 (6.0) +. 51 (1) = 2.01 visits per month</a:t>
-            </a:r>
+              <a:rPr lang="en-US" sz="2200" dirty="0"/>
+              <a:t>2.10 + .68 (6) -.11 (3.5) +. 51 (0) = 5.86 visits per month</a:t>
+            </a:r>
+          </a:p>
+          <a:p>
+            <a:pPr marL="0" indent="0">
+              <a:buNone/>
+            </a:pPr>
+            <a:endParaRPr lang="en-US" sz="2200" dirty="0"/>
+          </a:p>
+          <a:p>
+            <a:pPr marL="0" indent="0">
+              <a:buNone/>
+            </a:pPr>
+            <a:endParaRPr lang="en-US" sz="2200" dirty="0"/>
           </a:p>
         </p:txBody>
       </p:sp>
@@ -17776,6 +17196,1090 @@
                 </a:spcAft>
               </a:pPr>
               <a:t>14</a:t>
+            </a:fld>
+            <a:endParaRPr lang="en-US"/>
+          </a:p>
+        </p:txBody>
+      </p:sp>
+    </p:spTree>
+    <p:extLst>
+      <p:ext uri="{BB962C8B-B14F-4D97-AF65-F5344CB8AC3E}">
+        <p14:creationId xmlns:p14="http://schemas.microsoft.com/office/powerpoint/2010/main" val="1231531508"/>
+      </p:ext>
+    </p:extLst>
+  </p:cSld>
+  <p:clrMapOvr>
+    <a:masterClrMapping/>
+  </p:clrMapOvr>
+  <p:timing>
+    <p:tnLst>
+      <p:par>
+        <p:cTn id="1" dur="indefinite" restart="never" nodeType="tmRoot">
+          <p:childTnLst>
+            <p:seq concurrent="1" nextAc="seek">
+              <p:cTn id="2" dur="indefinite" nodeType="mainSeq">
+                <p:childTnLst>
+                  <p:par>
+                    <p:cTn id="3" fill="hold">
+                      <p:stCondLst>
+                        <p:cond delay="indefinite"/>
+                      </p:stCondLst>
+                      <p:childTnLst>
+                        <p:par>
+                          <p:cTn id="4" fill="hold">
+                            <p:stCondLst>
+                              <p:cond delay="0"/>
+                            </p:stCondLst>
+                            <p:childTnLst>
+                              <p:par>
+                                <p:cTn id="5" presetID="1" presetClass="entr" presetSubtype="0" fill="hold" nodeType="clickEffect">
+                                  <p:stCondLst>
+                                    <p:cond delay="0"/>
+                                  </p:stCondLst>
+                                  <p:childTnLst>
+                                    <p:set>
+                                      <p:cBhvr>
+                                        <p:cTn id="6" dur="1" fill="hold">
+                                          <p:stCondLst>
+                                            <p:cond delay="0"/>
+                                          </p:stCondLst>
+                                        </p:cTn>
+                                        <p:tgtEl>
+                                          <p:spTgt spid="3">
+                                            <p:txEl>
+                                              <p:pRg st="0" end="0"/>
+                                            </p:txEl>
+                                          </p:spTgt>
+                                        </p:tgtEl>
+                                        <p:attrNameLst>
+                                          <p:attrName>style.visibility</p:attrName>
+                                        </p:attrNameLst>
+                                      </p:cBhvr>
+                                      <p:to>
+                                        <p:strVal val="visible"/>
+                                      </p:to>
+                                    </p:set>
+                                  </p:childTnLst>
+                                </p:cTn>
+                              </p:par>
+                              <p:par>
+                                <p:cTn id="7" presetID="1" presetClass="entr" presetSubtype="0" fill="hold" nodeType="withEffect">
+                                  <p:stCondLst>
+                                    <p:cond delay="0"/>
+                                  </p:stCondLst>
+                                  <p:childTnLst>
+                                    <p:set>
+                                      <p:cBhvr>
+                                        <p:cTn id="8" dur="1" fill="hold">
+                                          <p:stCondLst>
+                                            <p:cond delay="0"/>
+                                          </p:stCondLst>
+                                        </p:cTn>
+                                        <p:tgtEl>
+                                          <p:spTgt spid="3">
+                                            <p:txEl>
+                                              <p:pRg st="2" end="2"/>
+                                            </p:txEl>
+                                          </p:spTgt>
+                                        </p:tgtEl>
+                                        <p:attrNameLst>
+                                          <p:attrName>style.visibility</p:attrName>
+                                        </p:attrNameLst>
+                                      </p:cBhvr>
+                                      <p:to>
+                                        <p:strVal val="visible"/>
+                                      </p:to>
+                                    </p:set>
+                                  </p:childTnLst>
+                                </p:cTn>
+                              </p:par>
+                            </p:childTnLst>
+                          </p:cTn>
+                        </p:par>
+                      </p:childTnLst>
+                    </p:cTn>
+                  </p:par>
+                  <p:par>
+                    <p:cTn id="9" fill="hold">
+                      <p:stCondLst>
+                        <p:cond delay="indefinite"/>
+                      </p:stCondLst>
+                      <p:childTnLst>
+                        <p:par>
+                          <p:cTn id="10" fill="hold">
+                            <p:stCondLst>
+                              <p:cond delay="0"/>
+                            </p:stCondLst>
+                            <p:childTnLst>
+                              <p:par>
+                                <p:cTn id="11" presetID="1" presetClass="entr" presetSubtype="0" fill="hold" nodeType="clickEffect">
+                                  <p:stCondLst>
+                                    <p:cond delay="0"/>
+                                  </p:stCondLst>
+                                  <p:childTnLst>
+                                    <p:set>
+                                      <p:cBhvr>
+                                        <p:cTn id="12" dur="1" fill="hold">
+                                          <p:stCondLst>
+                                            <p:cond delay="0"/>
+                                          </p:stCondLst>
+                                        </p:cTn>
+                                        <p:tgtEl>
+                                          <p:spTgt spid="3">
+                                            <p:txEl>
+                                              <p:pRg st="4" end="4"/>
+                                            </p:txEl>
+                                          </p:spTgt>
+                                        </p:tgtEl>
+                                        <p:attrNameLst>
+                                          <p:attrName>style.visibility</p:attrName>
+                                        </p:attrNameLst>
+                                      </p:cBhvr>
+                                      <p:to>
+                                        <p:strVal val="visible"/>
+                                      </p:to>
+                                    </p:set>
+                                  </p:childTnLst>
+                                </p:cTn>
+                              </p:par>
+                            </p:childTnLst>
+                          </p:cTn>
+                        </p:par>
+                      </p:childTnLst>
+                    </p:cTn>
+                  </p:par>
+                </p:childTnLst>
+              </p:cTn>
+              <p:prevCondLst>
+                <p:cond evt="onPrev" delay="0">
+                  <p:tgtEl>
+                    <p:sldTgt/>
+                  </p:tgtEl>
+                </p:cond>
+              </p:prevCondLst>
+              <p:nextCondLst>
+                <p:cond evt="onNext" delay="0">
+                  <p:tgtEl>
+                    <p:sldTgt/>
+                  </p:tgtEl>
+                </p:cond>
+              </p:nextCondLst>
+            </p:seq>
+          </p:childTnLst>
+        </p:cTn>
+      </p:par>
+    </p:tnLst>
+  </p:timing>
+</p:sld>
+</file>
+
+<file path=ppt/slides/slide15.xml><?xml version="1.0" encoding="utf-8"?>
+<p:sld xmlns:a="http://schemas.openxmlformats.org/drawingml/2006/main" xmlns:r="http://schemas.openxmlformats.org/officeDocument/2006/relationships" xmlns:p="http://schemas.openxmlformats.org/presentationml/2006/main">
+  <p:cSld>
+    <p:bg>
+      <p:bgPr>
+        <a:solidFill>
+          <a:schemeClr val="bg1"/>
+        </a:solidFill>
+        <a:effectLst/>
+      </p:bgPr>
+    </p:bg>
+    <p:spTree>
+      <p:nvGrpSpPr>
+        <p:cNvPr id="1" name=""/>
+        <p:cNvGrpSpPr/>
+        <p:nvPr/>
+      </p:nvGrpSpPr>
+      <p:grpSpPr>
+        <a:xfrm>
+          <a:off x="0" y="0"/>
+          <a:ext cx="0" cy="0"/>
+          <a:chOff x="0" y="0"/>
+          <a:chExt cx="0" cy="0"/>
+        </a:xfrm>
+      </p:grpSpPr>
+      <p:sp useBgFill="1">
+        <p:nvSpPr>
+          <p:cNvPr id="10" name="Rectangle 9">
+            <a:extLst>
+              <a:ext uri="{FF2B5EF4-FFF2-40B4-BE49-F238E27FC236}">
+                <a16:creationId xmlns:a16="http://schemas.microsoft.com/office/drawing/2014/main" id="{100EDD19-6802-4EC3-95CE-CFFAB042CFD6}"/>
+              </a:ext>
+              <a:ext uri="{C183D7F6-B498-43B3-948B-1728B52AA6E4}">
+                <adec:decorative xmlns:adec="http://schemas.microsoft.com/office/drawing/2017/decorative" val="1"/>
+              </a:ext>
+            </a:extLst>
+          </p:cNvPr>
+          <p:cNvSpPr>
+            <a:spLocks noGrp="1" noRot="1" noChangeAspect="1" noMove="1" noResize="1" noEditPoints="1" noAdjustHandles="1" noChangeArrowheads="1" noChangeShapeType="1" noTextEdit="1"/>
+          </p:cNvSpPr>
+          <p:nvPr>
+            <p:extLst>
+              <p:ext uri="{386F3935-93C4-4BCD-93E2-E3B085C9AB24}">
+                <p16:designElem xmlns:p16="http://schemas.microsoft.com/office/powerpoint/2015/main" val="1"/>
+              </p:ext>
+            </p:extLst>
+          </p:nvPr>
+        </p:nvSpPr>
+        <p:spPr>
+          <a:xfrm>
+            <a:off x="0" y="0"/>
+            <a:ext cx="12188952" cy="6858000"/>
+          </a:xfrm>
+          <a:prstGeom prst="rect">
+            <a:avLst/>
+          </a:prstGeom>
+          <a:ln>
+            <a:noFill/>
+          </a:ln>
+        </p:spPr>
+        <p:style>
+          <a:lnRef idx="2">
+            <a:schemeClr val="accent1">
+              <a:shade val="50000"/>
+            </a:schemeClr>
+          </a:lnRef>
+          <a:fillRef idx="1">
+            <a:schemeClr val="accent1"/>
+          </a:fillRef>
+          <a:effectRef idx="0">
+            <a:schemeClr val="accent1"/>
+          </a:effectRef>
+          <a:fontRef idx="minor">
+            <a:schemeClr val="lt1"/>
+          </a:fontRef>
+        </p:style>
+        <p:txBody>
+          <a:bodyPr rtlCol="0" anchor="ctr"/>
+          <a:lstStyle/>
+          <a:p>
+            <a:pPr algn="ctr"/>
+            <a:endParaRPr lang="en-US"/>
+          </a:p>
+        </p:txBody>
+      </p:sp>
+      <p:sp>
+        <p:nvSpPr>
+          <p:cNvPr id="2" name="Title 1">
+            <a:extLst>
+              <a:ext uri="{FF2B5EF4-FFF2-40B4-BE49-F238E27FC236}">
+                <a16:creationId xmlns:a16="http://schemas.microsoft.com/office/drawing/2014/main" id="{7C887591-9A72-4854-AA2B-8AD8C687F080}"/>
+              </a:ext>
+            </a:extLst>
+          </p:cNvPr>
+          <p:cNvSpPr>
+            <a:spLocks noGrp="1"/>
+          </p:cNvSpPr>
+          <p:nvPr>
+            <p:ph type="title"/>
+          </p:nvPr>
+        </p:nvSpPr>
+        <p:spPr>
+          <a:xfrm>
+            <a:off x="838200" y="365125"/>
+            <a:ext cx="10515600" cy="1325563"/>
+          </a:xfrm>
+        </p:spPr>
+        <p:txBody>
+          <a:bodyPr>
+            <a:normAutofit/>
+          </a:bodyPr>
+          <a:lstStyle/>
+          <a:p>
+            <a:r>
+              <a:rPr lang="en-US" sz="5400"/>
+              <a:t>Multiple Regression</a:t>
+            </a:r>
+          </a:p>
+        </p:txBody>
+      </p:sp>
+      <p:sp>
+        <p:nvSpPr>
+          <p:cNvPr id="12" name="sketch line">
+            <a:extLst>
+              <a:ext uri="{FF2B5EF4-FFF2-40B4-BE49-F238E27FC236}">
+                <a16:creationId xmlns:a16="http://schemas.microsoft.com/office/drawing/2014/main" id="{DB17E863-922E-4C26-BD64-E8FD41D28661}"/>
+              </a:ext>
+              <a:ext uri="{C183D7F6-B498-43B3-948B-1728B52AA6E4}">
+                <adec:decorative xmlns:adec="http://schemas.microsoft.com/office/drawing/2017/decorative" val="1"/>
+              </a:ext>
+            </a:extLst>
+          </p:cNvPr>
+          <p:cNvSpPr>
+            <a:spLocks noGrp="1" noRot="1" noChangeAspect="1" noMove="1" noResize="1" noEditPoints="1" noAdjustHandles="1" noChangeArrowheads="1" noChangeShapeType="1" noTextEdit="1"/>
+          </p:cNvSpPr>
+          <p:nvPr>
+            <p:extLst>
+              <p:ext uri="{386F3935-93C4-4BCD-93E2-E3B085C9AB24}">
+                <p16:designElem xmlns:p16="http://schemas.microsoft.com/office/powerpoint/2015/main" val="1"/>
+              </p:ext>
+            </p:extLst>
+          </p:nvPr>
+        </p:nvSpPr>
+        <p:spPr>
+          <a:xfrm>
+            <a:off x="669036" y="1677373"/>
+            <a:ext cx="10853928" cy="18288"/>
+          </a:xfrm>
+          <a:custGeom>
+            <a:avLst/>
+            <a:gdLst>
+              <a:gd name="connsiteX0" fmla="*/ 0 w 10853928"/>
+              <a:gd name="connsiteY0" fmla="*/ 0 h 18288"/>
+              <a:gd name="connsiteX1" fmla="*/ 461292 w 10853928"/>
+              <a:gd name="connsiteY1" fmla="*/ 0 h 18288"/>
+              <a:gd name="connsiteX2" fmla="*/ 1139662 w 10853928"/>
+              <a:gd name="connsiteY2" fmla="*/ 0 h 18288"/>
+              <a:gd name="connsiteX3" fmla="*/ 1926572 w 10853928"/>
+              <a:gd name="connsiteY3" fmla="*/ 0 h 18288"/>
+              <a:gd name="connsiteX4" fmla="*/ 2279325 w 10853928"/>
+              <a:gd name="connsiteY4" fmla="*/ 0 h 18288"/>
+              <a:gd name="connsiteX5" fmla="*/ 2632078 w 10853928"/>
+              <a:gd name="connsiteY5" fmla="*/ 0 h 18288"/>
+              <a:gd name="connsiteX6" fmla="*/ 3527527 w 10853928"/>
+              <a:gd name="connsiteY6" fmla="*/ 0 h 18288"/>
+              <a:gd name="connsiteX7" fmla="*/ 4205897 w 10853928"/>
+              <a:gd name="connsiteY7" fmla="*/ 0 h 18288"/>
+              <a:gd name="connsiteX8" fmla="*/ 4558650 w 10853928"/>
+              <a:gd name="connsiteY8" fmla="*/ 0 h 18288"/>
+              <a:gd name="connsiteX9" fmla="*/ 5237020 w 10853928"/>
+              <a:gd name="connsiteY9" fmla="*/ 0 h 18288"/>
+              <a:gd name="connsiteX10" fmla="*/ 6132469 w 10853928"/>
+              <a:gd name="connsiteY10" fmla="*/ 0 h 18288"/>
+              <a:gd name="connsiteX11" fmla="*/ 6702301 w 10853928"/>
+              <a:gd name="connsiteY11" fmla="*/ 0 h 18288"/>
+              <a:gd name="connsiteX12" fmla="*/ 7272132 w 10853928"/>
+              <a:gd name="connsiteY12" fmla="*/ 0 h 18288"/>
+              <a:gd name="connsiteX13" fmla="*/ 7950502 w 10853928"/>
+              <a:gd name="connsiteY13" fmla="*/ 0 h 18288"/>
+              <a:gd name="connsiteX14" fmla="*/ 8737412 w 10853928"/>
+              <a:gd name="connsiteY14" fmla="*/ 0 h 18288"/>
+              <a:gd name="connsiteX15" fmla="*/ 9524322 w 10853928"/>
+              <a:gd name="connsiteY15" fmla="*/ 0 h 18288"/>
+              <a:gd name="connsiteX16" fmla="*/ 10853928 w 10853928"/>
+              <a:gd name="connsiteY16" fmla="*/ 0 h 18288"/>
+              <a:gd name="connsiteX17" fmla="*/ 10853928 w 10853928"/>
+              <a:gd name="connsiteY17" fmla="*/ 18288 h 18288"/>
+              <a:gd name="connsiteX18" fmla="*/ 10392636 w 10853928"/>
+              <a:gd name="connsiteY18" fmla="*/ 18288 h 18288"/>
+              <a:gd name="connsiteX19" fmla="*/ 9497187 w 10853928"/>
+              <a:gd name="connsiteY19" fmla="*/ 18288 h 18288"/>
+              <a:gd name="connsiteX20" fmla="*/ 8818817 w 10853928"/>
+              <a:gd name="connsiteY20" fmla="*/ 18288 h 18288"/>
+              <a:gd name="connsiteX21" fmla="*/ 8466064 w 10853928"/>
+              <a:gd name="connsiteY21" fmla="*/ 18288 h 18288"/>
+              <a:gd name="connsiteX22" fmla="*/ 7787693 w 10853928"/>
+              <a:gd name="connsiteY22" fmla="*/ 18288 h 18288"/>
+              <a:gd name="connsiteX23" fmla="*/ 7217862 w 10853928"/>
+              <a:gd name="connsiteY23" fmla="*/ 18288 h 18288"/>
+              <a:gd name="connsiteX24" fmla="*/ 6648031 w 10853928"/>
+              <a:gd name="connsiteY24" fmla="*/ 18288 h 18288"/>
+              <a:gd name="connsiteX25" fmla="*/ 6078200 w 10853928"/>
+              <a:gd name="connsiteY25" fmla="*/ 18288 h 18288"/>
+              <a:gd name="connsiteX26" fmla="*/ 5508368 w 10853928"/>
+              <a:gd name="connsiteY26" fmla="*/ 18288 h 18288"/>
+              <a:gd name="connsiteX27" fmla="*/ 4721459 w 10853928"/>
+              <a:gd name="connsiteY27" fmla="*/ 18288 h 18288"/>
+              <a:gd name="connsiteX28" fmla="*/ 4043088 w 10853928"/>
+              <a:gd name="connsiteY28" fmla="*/ 18288 h 18288"/>
+              <a:gd name="connsiteX29" fmla="*/ 3690336 w 10853928"/>
+              <a:gd name="connsiteY29" fmla="*/ 18288 h 18288"/>
+              <a:gd name="connsiteX30" fmla="*/ 3120504 w 10853928"/>
+              <a:gd name="connsiteY30" fmla="*/ 18288 h 18288"/>
+              <a:gd name="connsiteX31" fmla="*/ 2333595 w 10853928"/>
+              <a:gd name="connsiteY31" fmla="*/ 18288 h 18288"/>
+              <a:gd name="connsiteX32" fmla="*/ 1872303 w 10853928"/>
+              <a:gd name="connsiteY32" fmla="*/ 18288 h 18288"/>
+              <a:gd name="connsiteX33" fmla="*/ 976854 w 10853928"/>
+              <a:gd name="connsiteY33" fmla="*/ 18288 h 18288"/>
+              <a:gd name="connsiteX34" fmla="*/ 0 w 10853928"/>
+              <a:gd name="connsiteY34" fmla="*/ 18288 h 18288"/>
+              <a:gd name="connsiteX35" fmla="*/ 0 w 10853928"/>
+              <a:gd name="connsiteY35" fmla="*/ 0 h 18288"/>
+            </a:gdLst>
+            <a:ahLst/>
+            <a:cxnLst>
+              <a:cxn ang="0">
+                <a:pos x="connsiteX0" y="connsiteY0"/>
+              </a:cxn>
+              <a:cxn ang="0">
+                <a:pos x="connsiteX1" y="connsiteY1"/>
+              </a:cxn>
+              <a:cxn ang="0">
+                <a:pos x="connsiteX2" y="connsiteY2"/>
+              </a:cxn>
+              <a:cxn ang="0">
+                <a:pos x="connsiteX3" y="connsiteY3"/>
+              </a:cxn>
+              <a:cxn ang="0">
+                <a:pos x="connsiteX4" y="connsiteY4"/>
+              </a:cxn>
+              <a:cxn ang="0">
+                <a:pos x="connsiteX5" y="connsiteY5"/>
+              </a:cxn>
+              <a:cxn ang="0">
+                <a:pos x="connsiteX6" y="connsiteY6"/>
+              </a:cxn>
+              <a:cxn ang="0">
+                <a:pos x="connsiteX7" y="connsiteY7"/>
+              </a:cxn>
+              <a:cxn ang="0">
+                <a:pos x="connsiteX8" y="connsiteY8"/>
+              </a:cxn>
+              <a:cxn ang="0">
+                <a:pos x="connsiteX9" y="connsiteY9"/>
+              </a:cxn>
+              <a:cxn ang="0">
+                <a:pos x="connsiteX10" y="connsiteY10"/>
+              </a:cxn>
+              <a:cxn ang="0">
+                <a:pos x="connsiteX11" y="connsiteY11"/>
+              </a:cxn>
+              <a:cxn ang="0">
+                <a:pos x="connsiteX12" y="connsiteY12"/>
+              </a:cxn>
+              <a:cxn ang="0">
+                <a:pos x="connsiteX13" y="connsiteY13"/>
+              </a:cxn>
+              <a:cxn ang="0">
+                <a:pos x="connsiteX14" y="connsiteY14"/>
+              </a:cxn>
+              <a:cxn ang="0">
+                <a:pos x="connsiteX15" y="connsiteY15"/>
+              </a:cxn>
+              <a:cxn ang="0">
+                <a:pos x="connsiteX16" y="connsiteY16"/>
+              </a:cxn>
+              <a:cxn ang="0">
+                <a:pos x="connsiteX17" y="connsiteY17"/>
+              </a:cxn>
+              <a:cxn ang="0">
+                <a:pos x="connsiteX18" y="connsiteY18"/>
+              </a:cxn>
+              <a:cxn ang="0">
+                <a:pos x="connsiteX19" y="connsiteY19"/>
+              </a:cxn>
+              <a:cxn ang="0">
+                <a:pos x="connsiteX20" y="connsiteY20"/>
+              </a:cxn>
+              <a:cxn ang="0">
+                <a:pos x="connsiteX21" y="connsiteY21"/>
+              </a:cxn>
+              <a:cxn ang="0">
+                <a:pos x="connsiteX22" y="connsiteY22"/>
+              </a:cxn>
+              <a:cxn ang="0">
+                <a:pos x="connsiteX23" y="connsiteY23"/>
+              </a:cxn>
+              <a:cxn ang="0">
+                <a:pos x="connsiteX24" y="connsiteY24"/>
+              </a:cxn>
+              <a:cxn ang="0">
+                <a:pos x="connsiteX25" y="connsiteY25"/>
+              </a:cxn>
+              <a:cxn ang="0">
+                <a:pos x="connsiteX26" y="connsiteY26"/>
+              </a:cxn>
+              <a:cxn ang="0">
+                <a:pos x="connsiteX27" y="connsiteY27"/>
+              </a:cxn>
+              <a:cxn ang="0">
+                <a:pos x="connsiteX28" y="connsiteY28"/>
+              </a:cxn>
+              <a:cxn ang="0">
+                <a:pos x="connsiteX29" y="connsiteY29"/>
+              </a:cxn>
+              <a:cxn ang="0">
+                <a:pos x="connsiteX30" y="connsiteY30"/>
+              </a:cxn>
+              <a:cxn ang="0">
+                <a:pos x="connsiteX31" y="connsiteY31"/>
+              </a:cxn>
+              <a:cxn ang="0">
+                <a:pos x="connsiteX32" y="connsiteY32"/>
+              </a:cxn>
+              <a:cxn ang="0">
+                <a:pos x="connsiteX33" y="connsiteY33"/>
+              </a:cxn>
+              <a:cxn ang="0">
+                <a:pos x="connsiteX34" y="connsiteY34"/>
+              </a:cxn>
+              <a:cxn ang="0">
+                <a:pos x="connsiteX35" y="connsiteY35"/>
+              </a:cxn>
+            </a:cxnLst>
+            <a:rect l="l" t="t" r="r" b="b"/>
+            <a:pathLst>
+              <a:path w="10853928" h="18288" fill="none" extrusionOk="0">
+                <a:moveTo>
+                  <a:pt x="0" y="0"/>
+                </a:moveTo>
+                <a:cubicBezTo>
+                  <a:pt x="146993" y="-19076"/>
+                  <a:pt x="347684" y="-4790"/>
+                  <a:pt x="461292" y="0"/>
+                </a:cubicBezTo>
+                <a:cubicBezTo>
+                  <a:pt x="574900" y="4790"/>
+                  <a:pt x="808367" y="19821"/>
+                  <a:pt x="1139662" y="0"/>
+                </a:cubicBezTo>
+                <a:cubicBezTo>
+                  <a:pt x="1470957" y="-19821"/>
+                  <a:pt x="1627405" y="5721"/>
+                  <a:pt x="1926572" y="0"/>
+                </a:cubicBezTo>
+                <a:cubicBezTo>
+                  <a:pt x="2225739" y="-5721"/>
+                  <a:pt x="2137730" y="-3235"/>
+                  <a:pt x="2279325" y="0"/>
+                </a:cubicBezTo>
+                <a:cubicBezTo>
+                  <a:pt x="2420920" y="3235"/>
+                  <a:pt x="2456518" y="9685"/>
+                  <a:pt x="2632078" y="0"/>
+                </a:cubicBezTo>
+                <a:cubicBezTo>
+                  <a:pt x="2807638" y="-9685"/>
+                  <a:pt x="3211516" y="-43007"/>
+                  <a:pt x="3527527" y="0"/>
+                </a:cubicBezTo>
+                <a:cubicBezTo>
+                  <a:pt x="3843538" y="43007"/>
+                  <a:pt x="4058833" y="22042"/>
+                  <a:pt x="4205897" y="0"/>
+                </a:cubicBezTo>
+                <a:cubicBezTo>
+                  <a:pt x="4352961" y="-22042"/>
+                  <a:pt x="4474805" y="-11846"/>
+                  <a:pt x="4558650" y="0"/>
+                </a:cubicBezTo>
+                <a:cubicBezTo>
+                  <a:pt x="4642495" y="11846"/>
+                  <a:pt x="5041928" y="-6069"/>
+                  <a:pt x="5237020" y="0"/>
+                </a:cubicBezTo>
+                <a:cubicBezTo>
+                  <a:pt x="5432112" y="6069"/>
+                  <a:pt x="5943266" y="-17479"/>
+                  <a:pt x="6132469" y="0"/>
+                </a:cubicBezTo>
+                <a:cubicBezTo>
+                  <a:pt x="6321672" y="17479"/>
+                  <a:pt x="6483872" y="26234"/>
+                  <a:pt x="6702301" y="0"/>
+                </a:cubicBezTo>
+                <a:cubicBezTo>
+                  <a:pt x="6920730" y="-26234"/>
+                  <a:pt x="6991194" y="-15156"/>
+                  <a:pt x="7272132" y="0"/>
+                </a:cubicBezTo>
+                <a:cubicBezTo>
+                  <a:pt x="7553070" y="15156"/>
+                  <a:pt x="7684444" y="-32961"/>
+                  <a:pt x="7950502" y="0"/>
+                </a:cubicBezTo>
+                <a:cubicBezTo>
+                  <a:pt x="8216560" y="32961"/>
+                  <a:pt x="8493290" y="-10491"/>
+                  <a:pt x="8737412" y="0"/>
+                </a:cubicBezTo>
+                <a:cubicBezTo>
+                  <a:pt x="8981534" y="10491"/>
+                  <a:pt x="9191586" y="-13899"/>
+                  <a:pt x="9524322" y="0"/>
+                </a:cubicBezTo>
+                <a:cubicBezTo>
+                  <a:pt x="9857058" y="13899"/>
+                  <a:pt x="10297509" y="7485"/>
+                  <a:pt x="10853928" y="0"/>
+                </a:cubicBezTo>
+                <a:cubicBezTo>
+                  <a:pt x="10854574" y="4451"/>
+                  <a:pt x="10854418" y="9226"/>
+                  <a:pt x="10853928" y="18288"/>
+                </a:cubicBezTo>
+                <a:cubicBezTo>
+                  <a:pt x="10691638" y="28522"/>
+                  <a:pt x="10574319" y="29578"/>
+                  <a:pt x="10392636" y="18288"/>
+                </a:cubicBezTo>
+                <a:cubicBezTo>
+                  <a:pt x="10210953" y="6998"/>
+                  <a:pt x="9836277" y="-16742"/>
+                  <a:pt x="9497187" y="18288"/>
+                </a:cubicBezTo>
+                <a:cubicBezTo>
+                  <a:pt x="9158097" y="53318"/>
+                  <a:pt x="9119479" y="30714"/>
+                  <a:pt x="8818817" y="18288"/>
+                </a:cubicBezTo>
+                <a:cubicBezTo>
+                  <a:pt x="8518155" y="5863"/>
+                  <a:pt x="8640037" y="6483"/>
+                  <a:pt x="8466064" y="18288"/>
+                </a:cubicBezTo>
+                <a:cubicBezTo>
+                  <a:pt x="8292091" y="30093"/>
+                  <a:pt x="7997656" y="18914"/>
+                  <a:pt x="7787693" y="18288"/>
+                </a:cubicBezTo>
+                <a:cubicBezTo>
+                  <a:pt x="7577730" y="17662"/>
+                  <a:pt x="7412468" y="21416"/>
+                  <a:pt x="7217862" y="18288"/>
+                </a:cubicBezTo>
+                <a:cubicBezTo>
+                  <a:pt x="7023256" y="15160"/>
+                  <a:pt x="6898018" y="14824"/>
+                  <a:pt x="6648031" y="18288"/>
+                </a:cubicBezTo>
+                <a:cubicBezTo>
+                  <a:pt x="6398044" y="21752"/>
+                  <a:pt x="6254402" y="38625"/>
+                  <a:pt x="6078200" y="18288"/>
+                </a:cubicBezTo>
+                <a:cubicBezTo>
+                  <a:pt x="5901998" y="-2049"/>
+                  <a:pt x="5622886" y="3213"/>
+                  <a:pt x="5508368" y="18288"/>
+                </a:cubicBezTo>
+                <a:cubicBezTo>
+                  <a:pt x="5393850" y="33363"/>
+                  <a:pt x="5036260" y="26830"/>
+                  <a:pt x="4721459" y="18288"/>
+                </a:cubicBezTo>
+                <a:cubicBezTo>
+                  <a:pt x="4406658" y="9746"/>
+                  <a:pt x="4239221" y="41551"/>
+                  <a:pt x="4043088" y="18288"/>
+                </a:cubicBezTo>
+                <a:cubicBezTo>
+                  <a:pt x="3846955" y="-4975"/>
+                  <a:pt x="3818802" y="34658"/>
+                  <a:pt x="3690336" y="18288"/>
+                </a:cubicBezTo>
+                <a:cubicBezTo>
+                  <a:pt x="3561870" y="1918"/>
+                  <a:pt x="3265491" y="42194"/>
+                  <a:pt x="3120504" y="18288"/>
+                </a:cubicBezTo>
+                <a:cubicBezTo>
+                  <a:pt x="2975517" y="-5618"/>
+                  <a:pt x="2720254" y="36673"/>
+                  <a:pt x="2333595" y="18288"/>
+                </a:cubicBezTo>
+                <a:cubicBezTo>
+                  <a:pt x="1946936" y="-97"/>
+                  <a:pt x="2097241" y="5776"/>
+                  <a:pt x="1872303" y="18288"/>
+                </a:cubicBezTo>
+                <a:cubicBezTo>
+                  <a:pt x="1647365" y="30800"/>
+                  <a:pt x="1282708" y="45380"/>
+                  <a:pt x="976854" y="18288"/>
+                </a:cubicBezTo>
+                <a:cubicBezTo>
+                  <a:pt x="671000" y="-8804"/>
+                  <a:pt x="408401" y="-12775"/>
+                  <a:pt x="0" y="18288"/>
+                </a:cubicBezTo>
+                <a:cubicBezTo>
+                  <a:pt x="-213" y="9468"/>
+                  <a:pt x="187" y="4459"/>
+                  <a:pt x="0" y="0"/>
+                </a:cubicBezTo>
+                <a:close/>
+              </a:path>
+              <a:path w="10853928" h="18288" stroke="0" extrusionOk="0">
+                <a:moveTo>
+                  <a:pt x="0" y="0"/>
+                </a:moveTo>
+                <a:cubicBezTo>
+                  <a:pt x="267322" y="15284"/>
+                  <a:pt x="415388" y="-21048"/>
+                  <a:pt x="569831" y="0"/>
+                </a:cubicBezTo>
+                <a:cubicBezTo>
+                  <a:pt x="724274" y="21048"/>
+                  <a:pt x="769333" y="-2353"/>
+                  <a:pt x="922584" y="0"/>
+                </a:cubicBezTo>
+                <a:cubicBezTo>
+                  <a:pt x="1075835" y="2353"/>
+                  <a:pt x="1399490" y="-145"/>
+                  <a:pt x="1818033" y="0"/>
+                </a:cubicBezTo>
+                <a:cubicBezTo>
+                  <a:pt x="2236576" y="145"/>
+                  <a:pt x="2145330" y="5482"/>
+                  <a:pt x="2387864" y="0"/>
+                </a:cubicBezTo>
+                <a:cubicBezTo>
+                  <a:pt x="2630398" y="-5482"/>
+                  <a:pt x="2793207" y="18487"/>
+                  <a:pt x="2957695" y="0"/>
+                </a:cubicBezTo>
+                <a:cubicBezTo>
+                  <a:pt x="3122183" y="-18487"/>
+                  <a:pt x="3579141" y="19003"/>
+                  <a:pt x="3853144" y="0"/>
+                </a:cubicBezTo>
+                <a:cubicBezTo>
+                  <a:pt x="4127147" y="-19003"/>
+                  <a:pt x="4209857" y="12211"/>
+                  <a:pt x="4314436" y="0"/>
+                </a:cubicBezTo>
+                <a:cubicBezTo>
+                  <a:pt x="4419015" y="-12211"/>
+                  <a:pt x="4762459" y="-17220"/>
+                  <a:pt x="5209885" y="0"/>
+                </a:cubicBezTo>
+                <a:cubicBezTo>
+                  <a:pt x="5657311" y="17220"/>
+                  <a:pt x="5692663" y="-3290"/>
+                  <a:pt x="6105335" y="0"/>
+                </a:cubicBezTo>
+                <a:cubicBezTo>
+                  <a:pt x="6518007" y="3290"/>
+                  <a:pt x="6455516" y="-5124"/>
+                  <a:pt x="6783705" y="0"/>
+                </a:cubicBezTo>
+                <a:cubicBezTo>
+                  <a:pt x="7111894" y="5124"/>
+                  <a:pt x="7441941" y="-17829"/>
+                  <a:pt x="7679154" y="0"/>
+                </a:cubicBezTo>
+                <a:cubicBezTo>
+                  <a:pt x="7916367" y="17829"/>
+                  <a:pt x="8102967" y="-24363"/>
+                  <a:pt x="8248985" y="0"/>
+                </a:cubicBezTo>
+                <a:cubicBezTo>
+                  <a:pt x="8395003" y="24363"/>
+                  <a:pt x="8552393" y="25505"/>
+                  <a:pt x="8818817" y="0"/>
+                </a:cubicBezTo>
+                <a:cubicBezTo>
+                  <a:pt x="9085241" y="-25505"/>
+                  <a:pt x="9411308" y="38000"/>
+                  <a:pt x="9605726" y="0"/>
+                </a:cubicBezTo>
+                <a:cubicBezTo>
+                  <a:pt x="9800144" y="-38000"/>
+                  <a:pt x="10006468" y="-25741"/>
+                  <a:pt x="10175558" y="0"/>
+                </a:cubicBezTo>
+                <a:cubicBezTo>
+                  <a:pt x="10344648" y="25741"/>
+                  <a:pt x="10696282" y="695"/>
+                  <a:pt x="10853928" y="0"/>
+                </a:cubicBezTo>
+                <a:cubicBezTo>
+                  <a:pt x="10853521" y="8690"/>
+                  <a:pt x="10853774" y="14141"/>
+                  <a:pt x="10853928" y="18288"/>
+                </a:cubicBezTo>
+                <a:cubicBezTo>
+                  <a:pt x="10608124" y="24255"/>
+                  <a:pt x="10343415" y="22307"/>
+                  <a:pt x="10067018" y="18288"/>
+                </a:cubicBezTo>
+                <a:cubicBezTo>
+                  <a:pt x="9790621" y="14270"/>
+                  <a:pt x="9843266" y="3564"/>
+                  <a:pt x="9714266" y="18288"/>
+                </a:cubicBezTo>
+                <a:cubicBezTo>
+                  <a:pt x="9585266" y="33012"/>
+                  <a:pt x="9379484" y="1875"/>
+                  <a:pt x="9252974" y="18288"/>
+                </a:cubicBezTo>
+                <a:cubicBezTo>
+                  <a:pt x="9126464" y="34701"/>
+                  <a:pt x="8580678" y="-4904"/>
+                  <a:pt x="8357525" y="18288"/>
+                </a:cubicBezTo>
+                <a:cubicBezTo>
+                  <a:pt x="8134372" y="41480"/>
+                  <a:pt x="7903199" y="26458"/>
+                  <a:pt x="7679154" y="18288"/>
+                </a:cubicBezTo>
+                <a:cubicBezTo>
+                  <a:pt x="7455109" y="10118"/>
+                  <a:pt x="7435944" y="27109"/>
+                  <a:pt x="7217862" y="18288"/>
+                </a:cubicBezTo>
+                <a:cubicBezTo>
+                  <a:pt x="6999780" y="9467"/>
+                  <a:pt x="6680409" y="18985"/>
+                  <a:pt x="6539492" y="18288"/>
+                </a:cubicBezTo>
+                <a:cubicBezTo>
+                  <a:pt x="6398575" y="17592"/>
+                  <a:pt x="6312077" y="33018"/>
+                  <a:pt x="6186739" y="18288"/>
+                </a:cubicBezTo>
+                <a:cubicBezTo>
+                  <a:pt x="6061401" y="3558"/>
+                  <a:pt x="5947033" y="12075"/>
+                  <a:pt x="5833986" y="18288"/>
+                </a:cubicBezTo>
+                <a:cubicBezTo>
+                  <a:pt x="5720939" y="24501"/>
+                  <a:pt x="5482226" y="8586"/>
+                  <a:pt x="5155616" y="18288"/>
+                </a:cubicBezTo>
+                <a:cubicBezTo>
+                  <a:pt x="4829006" y="27991"/>
+                  <a:pt x="4841274" y="29316"/>
+                  <a:pt x="4694324" y="18288"/>
+                </a:cubicBezTo>
+                <a:cubicBezTo>
+                  <a:pt x="4547374" y="7260"/>
+                  <a:pt x="4077675" y="7013"/>
+                  <a:pt x="3907414" y="18288"/>
+                </a:cubicBezTo>
+                <a:cubicBezTo>
+                  <a:pt x="3737153" y="29564"/>
+                  <a:pt x="3538393" y="21630"/>
+                  <a:pt x="3446122" y="18288"/>
+                </a:cubicBezTo>
+                <a:cubicBezTo>
+                  <a:pt x="3353851" y="14946"/>
+                  <a:pt x="2990320" y="-8091"/>
+                  <a:pt x="2659212" y="18288"/>
+                </a:cubicBezTo>
+                <a:cubicBezTo>
+                  <a:pt x="2328104" y="44667"/>
+                  <a:pt x="2427653" y="9607"/>
+                  <a:pt x="2306460" y="18288"/>
+                </a:cubicBezTo>
+                <a:cubicBezTo>
+                  <a:pt x="2185267" y="26969"/>
+                  <a:pt x="1719763" y="3717"/>
+                  <a:pt x="1519550" y="18288"/>
+                </a:cubicBezTo>
+                <a:cubicBezTo>
+                  <a:pt x="1319337" y="32860"/>
+                  <a:pt x="1167371" y="17040"/>
+                  <a:pt x="1058258" y="18288"/>
+                </a:cubicBezTo>
+                <a:cubicBezTo>
+                  <a:pt x="949145" y="19536"/>
+                  <a:pt x="780234" y="31447"/>
+                  <a:pt x="705505" y="18288"/>
+                </a:cubicBezTo>
+                <a:cubicBezTo>
+                  <a:pt x="630776" y="5129"/>
+                  <a:pt x="215796" y="30056"/>
+                  <a:pt x="0" y="18288"/>
+                </a:cubicBezTo>
+                <a:cubicBezTo>
+                  <a:pt x="-53" y="11301"/>
+                  <a:pt x="-649" y="7756"/>
+                  <a:pt x="0" y="0"/>
+                </a:cubicBezTo>
+                <a:close/>
+              </a:path>
+            </a:pathLst>
+          </a:custGeom>
+          <a:solidFill>
+            <a:schemeClr val="accent2"/>
+          </a:solidFill>
+          <a:ln w="41275" cap="rnd">
+            <a:solidFill>
+              <a:schemeClr val="accent2"/>
+            </a:solidFill>
+            <a:round/>
+            <a:extLst>
+              <a:ext uri="{C807C97D-BFC1-408E-A445-0C87EB9F89A2}">
+                <ask:lineSketchStyleProps xmlns:ask="http://schemas.microsoft.com/office/drawing/2018/sketchyshapes" sd="1219033472">
+                  <a:prstGeom prst="rect">
+                    <a:avLst/>
+                  </a:prstGeom>
+                  <ask:type>
+                    <ask:lineSketchFreehand/>
+                  </ask:type>
+                </ask:lineSketchStyleProps>
+              </a:ext>
+            </a:extLst>
+          </a:ln>
+        </p:spPr>
+        <p:style>
+          <a:lnRef idx="2">
+            <a:schemeClr val="accent1">
+              <a:shade val="50000"/>
+            </a:schemeClr>
+          </a:lnRef>
+          <a:fillRef idx="1">
+            <a:schemeClr val="accent1"/>
+          </a:fillRef>
+          <a:effectRef idx="0">
+            <a:schemeClr val="accent1"/>
+          </a:effectRef>
+          <a:fontRef idx="minor">
+            <a:schemeClr val="lt1"/>
+          </a:fontRef>
+        </p:style>
+        <p:txBody>
+          <a:bodyPr rtlCol="0" anchor="ctr"/>
+          <a:lstStyle/>
+          <a:p>
+            <a:pPr algn="ctr"/>
+            <a:endParaRPr lang="en-US"/>
+          </a:p>
+        </p:txBody>
+      </p:sp>
+      <p:sp>
+        <p:nvSpPr>
+          <p:cNvPr id="3" name="Content Placeholder 2">
+            <a:extLst>
+              <a:ext uri="{FF2B5EF4-FFF2-40B4-BE49-F238E27FC236}">
+                <a16:creationId xmlns:a16="http://schemas.microsoft.com/office/drawing/2014/main" id="{E612B995-3E62-42AD-A75D-5541C4EE1278}"/>
+              </a:ext>
+            </a:extLst>
+          </p:cNvPr>
+          <p:cNvSpPr>
+            <a:spLocks noGrp="1"/>
+          </p:cNvSpPr>
+          <p:nvPr>
+            <p:ph idx="1"/>
+          </p:nvPr>
+        </p:nvSpPr>
+        <p:spPr>
+          <a:xfrm>
+            <a:off x="838200" y="1929384"/>
+            <a:ext cx="10515600" cy="4251960"/>
+          </a:xfrm>
+        </p:spPr>
+        <p:txBody>
+          <a:bodyPr>
+            <a:normAutofit/>
+          </a:bodyPr>
+          <a:lstStyle/>
+          <a:p>
+            <a:pPr marL="0" indent="0">
+              <a:buNone/>
+            </a:pPr>
+            <a:r>
+              <a:rPr lang="en-US" sz="2200"/>
+              <a:t># of visits = 2.1 + .68 (# of hours worked) - .11 (monthly income) + .51 (if children present)</a:t>
+            </a:r>
+          </a:p>
+          <a:p>
+            <a:pPr marL="0" indent="0">
+              <a:buNone/>
+            </a:pPr>
+            <a:endParaRPr lang="en-US" sz="2200"/>
+          </a:p>
+          <a:p>
+            <a:pPr marL="0" indent="0">
+              <a:buNone/>
+            </a:pPr>
+            <a:r>
+              <a:rPr lang="en-US" sz="2200"/>
+              <a:t>The estimate for a person who doesn’t work outside the home, has a monthly income of $6,000, and has children:</a:t>
+            </a:r>
+          </a:p>
+          <a:p>
+            <a:pPr marL="0" indent="0">
+              <a:buNone/>
+            </a:pPr>
+            <a:endParaRPr lang="en-US" sz="2200"/>
+          </a:p>
+          <a:p>
+            <a:pPr marL="0" indent="0">
+              <a:buNone/>
+            </a:pPr>
+            <a:r>
+              <a:rPr lang="en-US" sz="2200"/>
+              <a:t>	2.10 + .68 (0) -.11 (6.0) +. 51 (1) = 2.01 visits per month</a:t>
+            </a:r>
+          </a:p>
+        </p:txBody>
+      </p:sp>
+      <p:sp>
+        <p:nvSpPr>
+          <p:cNvPr id="4" name="Footer Placeholder 3">
+            <a:extLst>
+              <a:ext uri="{FF2B5EF4-FFF2-40B4-BE49-F238E27FC236}">
+                <a16:creationId xmlns:a16="http://schemas.microsoft.com/office/drawing/2014/main" id="{01DC7843-BB94-42AB-B665-6417B43DE111}"/>
+              </a:ext>
+            </a:extLst>
+          </p:cNvPr>
+          <p:cNvSpPr>
+            <a:spLocks noGrp="1"/>
+          </p:cNvSpPr>
+          <p:nvPr>
+            <p:ph type="ftr" sz="quarter" idx="11"/>
+          </p:nvPr>
+        </p:nvSpPr>
+        <p:spPr>
+          <a:xfrm>
+            <a:off x="4038600" y="6356350"/>
+            <a:ext cx="4114800" cy="365125"/>
+          </a:xfrm>
+        </p:spPr>
+        <p:txBody>
+          <a:bodyPr>
+            <a:normAutofit/>
+          </a:bodyPr>
+          <a:lstStyle/>
+          <a:p>
+            <a:pPr>
+              <a:spcAft>
+                <a:spcPts val="600"/>
+              </a:spcAft>
+            </a:pPr>
+            <a:r>
+              <a:rPr lang="en-US"/>
+              <a:t>Mike Nguyen</a:t>
+            </a:r>
+          </a:p>
+        </p:txBody>
+      </p:sp>
+      <p:sp>
+        <p:nvSpPr>
+          <p:cNvPr id="5" name="Slide Number Placeholder 4">
+            <a:extLst>
+              <a:ext uri="{FF2B5EF4-FFF2-40B4-BE49-F238E27FC236}">
+                <a16:creationId xmlns:a16="http://schemas.microsoft.com/office/drawing/2014/main" id="{66964E36-7475-4700-BAE9-79A897F8E3DA}"/>
+              </a:ext>
+            </a:extLst>
+          </p:cNvPr>
+          <p:cNvSpPr>
+            <a:spLocks noGrp="1"/>
+          </p:cNvSpPr>
+          <p:nvPr>
+            <p:ph type="sldNum" sz="quarter" idx="12"/>
+          </p:nvPr>
+        </p:nvSpPr>
+        <p:spPr>
+          <a:xfrm>
+            <a:off x="8610600" y="6356350"/>
+            <a:ext cx="2743200" cy="365125"/>
+          </a:xfrm>
+        </p:spPr>
+        <p:txBody>
+          <a:bodyPr>
+            <a:normAutofit/>
+          </a:bodyPr>
+          <a:lstStyle/>
+          <a:p>
+            <a:pPr>
+              <a:spcAft>
+                <a:spcPts val="600"/>
+              </a:spcAft>
+            </a:pPr>
+            <a:fld id="{A6AF1B4E-90EC-4A51-B6E5-B702C054ECB0}" type="slidenum">
+              <a:rPr lang="en-US" smtClean="0"/>
+              <a:pPr>
+                <a:spcAft>
+                  <a:spcPts val="600"/>
+                </a:spcAft>
+              </a:pPr>
+              <a:t>15</a:t>
             </a:fld>
             <a:endParaRPr lang="en-US"/>
           </a:p>
@@ -17953,7 +18457,7 @@
 </p:sld>
 </file>
 
-<file path=ppt/slides/slide15.xml><?xml version="1.0" encoding="utf-8"?>
+<file path=ppt/slides/slide16.xml><?xml version="1.0" encoding="utf-8"?>
 <p:sld xmlns:a="http://schemas.openxmlformats.org/drawingml/2006/main" xmlns:r="http://schemas.openxmlformats.org/officeDocument/2006/relationships" xmlns:p="http://schemas.openxmlformats.org/presentationml/2006/main">
   <p:cSld>
     <p:spTree>
@@ -18116,7 +18620,7 @@
           <a:p>
             <a:fld id="{A6AF1B4E-90EC-4A51-B6E5-B702C054ECB0}" type="slidenum">
               <a:rPr lang="en-US" smtClean="0"/>
-              <a:t>15</a:t>
+              <a:t>16</a:t>
             </a:fld>
             <a:endParaRPr lang="en-US" dirty="0"/>
           </a:p>
@@ -18748,7 +19252,7 @@
 </p:sld>
 </file>
 
-<file path=ppt/slides/slide16.xml><?xml version="1.0" encoding="utf-8"?>
+<file path=ppt/slides/slide17.xml><?xml version="1.0" encoding="utf-8"?>
 <p:sld xmlns:a="http://schemas.openxmlformats.org/drawingml/2006/main" xmlns:r="http://schemas.openxmlformats.org/officeDocument/2006/relationships" xmlns:p="http://schemas.openxmlformats.org/presentationml/2006/main">
   <p:cSld>
     <p:bg>
@@ -19366,7 +19870,7 @@
                   <a:spcPts val="600"/>
                 </a:spcAft>
               </a:pPr>
-              <a:t>16</a:t>
+              <a:t>17</a:t>
             </a:fld>
             <a:endParaRPr lang="en-US"/>
           </a:p>
@@ -19704,7 +20208,7 @@
 </p:sld>
 </file>
 
-<file path=ppt/slides/slide17.xml><?xml version="1.0" encoding="utf-8"?>
+<file path=ppt/slides/slide18.xml><?xml version="1.0" encoding="utf-8"?>
 <p:sld xmlns:a="http://schemas.openxmlformats.org/drawingml/2006/main" xmlns:r="http://schemas.openxmlformats.org/officeDocument/2006/relationships" xmlns:p="http://schemas.openxmlformats.org/presentationml/2006/main">
   <p:cSld>
     <p:bg>
@@ -20761,7 +21265,7 @@
                 <a:tabLst/>
                 <a:defRPr/>
               </a:pPr>
-              <a:t>17</a:t>
+              <a:t>18</a:t>
             </a:fld>
             <a:endParaRPr kumimoji="0" lang="en-US" sz="1200" b="0" i="0" u="none" strike="noStrike" kern="1200" cap="none" spc="0" normalizeH="0" baseline="0" noProof="0">
               <a:ln>
@@ -20795,7 +21299,7 @@
 </p:sld>
 </file>
 
-<file path=ppt/slides/slide18.xml><?xml version="1.0" encoding="utf-8"?>
+<file path=ppt/slides/slide19.xml><?xml version="1.0" encoding="utf-8"?>
 <p:sld xmlns:a="http://schemas.openxmlformats.org/drawingml/2006/main" xmlns:r="http://schemas.openxmlformats.org/officeDocument/2006/relationships" xmlns:p="http://schemas.openxmlformats.org/presentationml/2006/main">
   <p:cSld>
     <p:bg>
@@ -21825,1235 +22329,6 @@
                 <a:tabLst/>
                 <a:defRPr/>
               </a:pPr>
-              <a:t>18</a:t>
-            </a:fld>
-            <a:endParaRPr kumimoji="0" lang="en-US" sz="1200" b="0" i="0" u="none" strike="noStrike" kern="1200" cap="none" spc="0" normalizeH="0" baseline="0" noProof="0">
-              <a:ln>
-                <a:noFill/>
-              </a:ln>
-              <a:solidFill>
-                <a:prstClr val="black">
-                  <a:tint val="75000"/>
-                </a:prstClr>
-              </a:solidFill>
-              <a:effectLst/>
-              <a:uLnTx/>
-              <a:uFillTx/>
-              <a:latin typeface="Calibri" panose="020F0502020204030204"/>
-              <a:ea typeface="+mn-ea"/>
-              <a:cs typeface="+mn-cs"/>
-            </a:endParaRPr>
-          </a:p>
-        </p:txBody>
-      </p:sp>
-    </p:spTree>
-    <p:extLst>
-      <p:ext uri="{BB962C8B-B14F-4D97-AF65-F5344CB8AC3E}">
-        <p14:creationId xmlns:p14="http://schemas.microsoft.com/office/powerpoint/2010/main" val="746165190"/>
-      </p:ext>
-    </p:extLst>
-  </p:cSld>
-  <p:clrMapOvr>
-    <a:masterClrMapping/>
-  </p:clrMapOvr>
-  <p:timing>
-    <p:tnLst>
-      <p:par>
-        <p:cTn id="1" dur="indefinite" restart="never" nodeType="tmRoot">
-          <p:childTnLst>
-            <p:seq concurrent="1" nextAc="seek">
-              <p:cTn id="2" dur="indefinite" nodeType="mainSeq">
-                <p:childTnLst>
-                  <p:par>
-                    <p:cTn id="3" fill="hold">
-                      <p:stCondLst>
-                        <p:cond delay="indefinite"/>
-                      </p:stCondLst>
-                      <p:childTnLst>
-                        <p:par>
-                          <p:cTn id="4" fill="hold">
-                            <p:stCondLst>
-                              <p:cond delay="0"/>
-                            </p:stCondLst>
-                            <p:childTnLst>
-                              <p:par>
-                                <p:cTn id="5" presetID="1" presetClass="entr" presetSubtype="0" fill="hold" nodeType="clickEffect">
-                                  <p:stCondLst>
-                                    <p:cond delay="0"/>
-                                  </p:stCondLst>
-                                  <p:childTnLst>
-                                    <p:set>
-                                      <p:cBhvr>
-                                        <p:cTn id="6" dur="1" fill="hold">
-                                          <p:stCondLst>
-                                            <p:cond delay="0"/>
-                                          </p:stCondLst>
-                                        </p:cTn>
-                                        <p:tgtEl>
-                                          <p:spTgt spid="3">
-                                            <p:txEl>
-                                              <p:pRg st="0" end="0"/>
-                                            </p:txEl>
-                                          </p:spTgt>
-                                        </p:tgtEl>
-                                        <p:attrNameLst>
-                                          <p:attrName>style.visibility</p:attrName>
-                                        </p:attrNameLst>
-                                      </p:cBhvr>
-                                      <p:to>
-                                        <p:strVal val="visible"/>
-                                      </p:to>
-                                    </p:set>
-                                  </p:childTnLst>
-                                </p:cTn>
-                              </p:par>
-                              <p:par>
-                                <p:cTn id="7" presetID="1" presetClass="entr" presetSubtype="0" fill="hold" nodeType="withEffect">
-                                  <p:stCondLst>
-                                    <p:cond delay="0"/>
-                                  </p:stCondLst>
-                                  <p:childTnLst>
-                                    <p:set>
-                                      <p:cBhvr>
-                                        <p:cTn id="8" dur="1" fill="hold">
-                                          <p:stCondLst>
-                                            <p:cond delay="0"/>
-                                          </p:stCondLst>
-                                        </p:cTn>
-                                        <p:tgtEl>
-                                          <p:spTgt spid="3">
-                                            <p:txEl>
-                                              <p:pRg st="2" end="2"/>
-                                            </p:txEl>
-                                          </p:spTgt>
-                                        </p:tgtEl>
-                                        <p:attrNameLst>
-                                          <p:attrName>style.visibility</p:attrName>
-                                        </p:attrNameLst>
-                                      </p:cBhvr>
-                                      <p:to>
-                                        <p:strVal val="visible"/>
-                                      </p:to>
-                                    </p:set>
-                                  </p:childTnLst>
-                                </p:cTn>
-                              </p:par>
-                            </p:childTnLst>
-                          </p:cTn>
-                        </p:par>
-                      </p:childTnLst>
-                    </p:cTn>
-                  </p:par>
-                  <p:par>
-                    <p:cTn id="9" fill="hold">
-                      <p:stCondLst>
-                        <p:cond delay="indefinite"/>
-                      </p:stCondLst>
-                      <p:childTnLst>
-                        <p:par>
-                          <p:cTn id="10" fill="hold">
-                            <p:stCondLst>
-                              <p:cond delay="0"/>
-                            </p:stCondLst>
-                            <p:childTnLst>
-                              <p:par>
-                                <p:cTn id="11" presetID="1" presetClass="entr" presetSubtype="0" fill="hold" nodeType="clickEffect">
-                                  <p:stCondLst>
-                                    <p:cond delay="0"/>
-                                  </p:stCondLst>
-                                  <p:childTnLst>
-                                    <p:set>
-                                      <p:cBhvr>
-                                        <p:cTn id="12" dur="1" fill="hold">
-                                          <p:stCondLst>
-                                            <p:cond delay="0"/>
-                                          </p:stCondLst>
-                                        </p:cTn>
-                                        <p:tgtEl>
-                                          <p:spTgt spid="3">
-                                            <p:txEl>
-                                              <p:pRg st="4" end="4"/>
-                                            </p:txEl>
-                                          </p:spTgt>
-                                        </p:tgtEl>
-                                        <p:attrNameLst>
-                                          <p:attrName>style.visibility</p:attrName>
-                                        </p:attrNameLst>
-                                      </p:cBhvr>
-                                      <p:to>
-                                        <p:strVal val="visible"/>
-                                      </p:to>
-                                    </p:set>
-                                  </p:childTnLst>
-                                </p:cTn>
-                              </p:par>
-                            </p:childTnLst>
-                          </p:cTn>
-                        </p:par>
-                      </p:childTnLst>
-                    </p:cTn>
-                  </p:par>
-                </p:childTnLst>
-              </p:cTn>
-              <p:prevCondLst>
-                <p:cond evt="onPrev" delay="0">
-                  <p:tgtEl>
-                    <p:sldTgt/>
-                  </p:tgtEl>
-                </p:cond>
-              </p:prevCondLst>
-              <p:nextCondLst>
-                <p:cond evt="onNext" delay="0">
-                  <p:tgtEl>
-                    <p:sldTgt/>
-                  </p:tgtEl>
-                </p:cond>
-              </p:nextCondLst>
-            </p:seq>
-          </p:childTnLst>
-        </p:cTn>
-      </p:par>
-    </p:tnLst>
-  </p:timing>
-</p:sld>
-</file>
-
-<file path=ppt/slides/slide19.xml><?xml version="1.0" encoding="utf-8"?>
-<p:sld xmlns:a="http://schemas.openxmlformats.org/drawingml/2006/main" xmlns:r="http://schemas.openxmlformats.org/officeDocument/2006/relationships" xmlns:p="http://schemas.openxmlformats.org/presentationml/2006/main">
-  <p:cSld>
-    <p:bg>
-      <p:bgPr>
-        <a:solidFill>
-          <a:schemeClr val="bg1"/>
-        </a:solidFill>
-        <a:effectLst/>
-      </p:bgPr>
-    </p:bg>
-    <p:spTree>
-      <p:nvGrpSpPr>
-        <p:cNvPr id="1" name=""/>
-        <p:cNvGrpSpPr/>
-        <p:nvPr/>
-      </p:nvGrpSpPr>
-      <p:grpSpPr>
-        <a:xfrm>
-          <a:off x="0" y="0"/>
-          <a:ext cx="0" cy="0"/>
-          <a:chOff x="0" y="0"/>
-          <a:chExt cx="0" cy="0"/>
-        </a:xfrm>
-      </p:grpSpPr>
-      <p:sp useBgFill="1">
-        <p:nvSpPr>
-          <p:cNvPr id="10" name="Rectangle 9">
-            <a:extLst>
-              <a:ext uri="{FF2B5EF4-FFF2-40B4-BE49-F238E27FC236}">
-                <a16:creationId xmlns:a16="http://schemas.microsoft.com/office/drawing/2014/main" id="{100EDD19-6802-4EC3-95CE-CFFAB042CFD6}"/>
-              </a:ext>
-              <a:ext uri="{C183D7F6-B498-43B3-948B-1728B52AA6E4}">
-                <adec:decorative xmlns:adec="http://schemas.microsoft.com/office/drawing/2017/decorative" val="1"/>
-              </a:ext>
-            </a:extLst>
-          </p:cNvPr>
-          <p:cNvSpPr>
-            <a:spLocks noGrp="1" noRot="1" noChangeAspect="1" noMove="1" noResize="1" noEditPoints="1" noAdjustHandles="1" noChangeArrowheads="1" noChangeShapeType="1" noTextEdit="1"/>
-          </p:cNvSpPr>
-          <p:nvPr>
-            <p:extLst>
-              <p:ext uri="{386F3935-93C4-4BCD-93E2-E3B085C9AB24}">
-                <p16:designElem xmlns:p16="http://schemas.microsoft.com/office/powerpoint/2015/main" val="1"/>
-              </p:ext>
-            </p:extLst>
-          </p:nvPr>
-        </p:nvSpPr>
-        <p:spPr>
-          <a:xfrm>
-            <a:off x="0" y="0"/>
-            <a:ext cx="12188952" cy="6858000"/>
-          </a:xfrm>
-          <a:prstGeom prst="rect">
-            <a:avLst/>
-          </a:prstGeom>
-          <a:ln>
-            <a:noFill/>
-          </a:ln>
-        </p:spPr>
-        <p:style>
-          <a:lnRef idx="2">
-            <a:schemeClr val="accent1">
-              <a:shade val="50000"/>
-            </a:schemeClr>
-          </a:lnRef>
-          <a:fillRef idx="1">
-            <a:schemeClr val="accent1"/>
-          </a:fillRef>
-          <a:effectRef idx="0">
-            <a:schemeClr val="accent1"/>
-          </a:effectRef>
-          <a:fontRef idx="minor">
-            <a:schemeClr val="lt1"/>
-          </a:fontRef>
-        </p:style>
-        <p:txBody>
-          <a:bodyPr rtlCol="0" anchor="ctr"/>
-          <a:lstStyle/>
-          <a:p>
-            <a:pPr marL="0" marR="0" lvl="0" indent="0" algn="ctr" defTabSz="914400" rtl="0" eaLnBrk="1" fontAlgn="auto" latinLnBrk="0" hangingPunct="1">
-              <a:lnSpc>
-                <a:spcPct val="100000"/>
-              </a:lnSpc>
-              <a:spcBef>
-                <a:spcPts val="0"/>
-              </a:spcBef>
-              <a:spcAft>
-                <a:spcPts val="0"/>
-              </a:spcAft>
-              <a:buClrTx/>
-              <a:buSzTx/>
-              <a:buFontTx/>
-              <a:buNone/>
-              <a:tabLst/>
-              <a:defRPr/>
-            </a:pPr>
-            <a:endParaRPr kumimoji="0" lang="en-US" sz="1800" b="0" i="0" u="none" strike="noStrike" kern="1200" cap="none" spc="0" normalizeH="0" baseline="0" noProof="0">
-              <a:ln>
-                <a:noFill/>
-              </a:ln>
-              <a:solidFill>
-                <a:prstClr val="white"/>
-              </a:solidFill>
-              <a:effectLst/>
-              <a:uLnTx/>
-              <a:uFillTx/>
-              <a:latin typeface="Calibri" panose="020F0502020204030204"/>
-              <a:ea typeface="+mn-ea"/>
-              <a:cs typeface="+mn-cs"/>
-            </a:endParaRPr>
-          </a:p>
-        </p:txBody>
-      </p:sp>
-      <p:sp>
-        <p:nvSpPr>
-          <p:cNvPr id="2" name="Title 1">
-            <a:extLst>
-              <a:ext uri="{FF2B5EF4-FFF2-40B4-BE49-F238E27FC236}">
-                <a16:creationId xmlns:a16="http://schemas.microsoft.com/office/drawing/2014/main" id="{7C887591-9A72-4854-AA2B-8AD8C687F080}"/>
-              </a:ext>
-            </a:extLst>
-          </p:cNvPr>
-          <p:cNvSpPr>
-            <a:spLocks noGrp="1"/>
-          </p:cNvSpPr>
-          <p:nvPr>
-            <p:ph type="title"/>
-          </p:nvPr>
-        </p:nvSpPr>
-        <p:spPr>
-          <a:xfrm>
-            <a:off x="838200" y="365125"/>
-            <a:ext cx="10515600" cy="1325563"/>
-          </a:xfrm>
-        </p:spPr>
-        <p:txBody>
-          <a:bodyPr>
-            <a:normAutofit/>
-          </a:bodyPr>
-          <a:lstStyle/>
-          <a:p>
-            <a:r>
-              <a:rPr lang="en-US" sz="5400"/>
-              <a:t>Multiple Regression</a:t>
-            </a:r>
-          </a:p>
-        </p:txBody>
-      </p:sp>
-      <p:sp>
-        <p:nvSpPr>
-          <p:cNvPr id="12" name="sketch line">
-            <a:extLst>
-              <a:ext uri="{FF2B5EF4-FFF2-40B4-BE49-F238E27FC236}">
-                <a16:creationId xmlns:a16="http://schemas.microsoft.com/office/drawing/2014/main" id="{DB17E863-922E-4C26-BD64-E8FD41D28661}"/>
-              </a:ext>
-              <a:ext uri="{C183D7F6-B498-43B3-948B-1728B52AA6E4}">
-                <adec:decorative xmlns:adec="http://schemas.microsoft.com/office/drawing/2017/decorative" val="1"/>
-              </a:ext>
-            </a:extLst>
-          </p:cNvPr>
-          <p:cNvSpPr>
-            <a:spLocks noGrp="1" noRot="1" noChangeAspect="1" noMove="1" noResize="1" noEditPoints="1" noAdjustHandles="1" noChangeArrowheads="1" noChangeShapeType="1" noTextEdit="1"/>
-          </p:cNvSpPr>
-          <p:nvPr>
-            <p:extLst>
-              <p:ext uri="{386F3935-93C4-4BCD-93E2-E3B085C9AB24}">
-                <p16:designElem xmlns:p16="http://schemas.microsoft.com/office/powerpoint/2015/main" val="1"/>
-              </p:ext>
-            </p:extLst>
-          </p:nvPr>
-        </p:nvSpPr>
-        <p:spPr>
-          <a:xfrm>
-            <a:off x="669036" y="1677373"/>
-            <a:ext cx="10853928" cy="18288"/>
-          </a:xfrm>
-          <a:custGeom>
-            <a:avLst/>
-            <a:gdLst>
-              <a:gd name="connsiteX0" fmla="*/ 0 w 10853928"/>
-              <a:gd name="connsiteY0" fmla="*/ 0 h 18288"/>
-              <a:gd name="connsiteX1" fmla="*/ 461292 w 10853928"/>
-              <a:gd name="connsiteY1" fmla="*/ 0 h 18288"/>
-              <a:gd name="connsiteX2" fmla="*/ 1139662 w 10853928"/>
-              <a:gd name="connsiteY2" fmla="*/ 0 h 18288"/>
-              <a:gd name="connsiteX3" fmla="*/ 1926572 w 10853928"/>
-              <a:gd name="connsiteY3" fmla="*/ 0 h 18288"/>
-              <a:gd name="connsiteX4" fmla="*/ 2279325 w 10853928"/>
-              <a:gd name="connsiteY4" fmla="*/ 0 h 18288"/>
-              <a:gd name="connsiteX5" fmla="*/ 2632078 w 10853928"/>
-              <a:gd name="connsiteY5" fmla="*/ 0 h 18288"/>
-              <a:gd name="connsiteX6" fmla="*/ 3527527 w 10853928"/>
-              <a:gd name="connsiteY6" fmla="*/ 0 h 18288"/>
-              <a:gd name="connsiteX7" fmla="*/ 4205897 w 10853928"/>
-              <a:gd name="connsiteY7" fmla="*/ 0 h 18288"/>
-              <a:gd name="connsiteX8" fmla="*/ 4558650 w 10853928"/>
-              <a:gd name="connsiteY8" fmla="*/ 0 h 18288"/>
-              <a:gd name="connsiteX9" fmla="*/ 5237020 w 10853928"/>
-              <a:gd name="connsiteY9" fmla="*/ 0 h 18288"/>
-              <a:gd name="connsiteX10" fmla="*/ 6132469 w 10853928"/>
-              <a:gd name="connsiteY10" fmla="*/ 0 h 18288"/>
-              <a:gd name="connsiteX11" fmla="*/ 6702301 w 10853928"/>
-              <a:gd name="connsiteY11" fmla="*/ 0 h 18288"/>
-              <a:gd name="connsiteX12" fmla="*/ 7272132 w 10853928"/>
-              <a:gd name="connsiteY12" fmla="*/ 0 h 18288"/>
-              <a:gd name="connsiteX13" fmla="*/ 7950502 w 10853928"/>
-              <a:gd name="connsiteY13" fmla="*/ 0 h 18288"/>
-              <a:gd name="connsiteX14" fmla="*/ 8737412 w 10853928"/>
-              <a:gd name="connsiteY14" fmla="*/ 0 h 18288"/>
-              <a:gd name="connsiteX15" fmla="*/ 9524322 w 10853928"/>
-              <a:gd name="connsiteY15" fmla="*/ 0 h 18288"/>
-              <a:gd name="connsiteX16" fmla="*/ 10853928 w 10853928"/>
-              <a:gd name="connsiteY16" fmla="*/ 0 h 18288"/>
-              <a:gd name="connsiteX17" fmla="*/ 10853928 w 10853928"/>
-              <a:gd name="connsiteY17" fmla="*/ 18288 h 18288"/>
-              <a:gd name="connsiteX18" fmla="*/ 10392636 w 10853928"/>
-              <a:gd name="connsiteY18" fmla="*/ 18288 h 18288"/>
-              <a:gd name="connsiteX19" fmla="*/ 9497187 w 10853928"/>
-              <a:gd name="connsiteY19" fmla="*/ 18288 h 18288"/>
-              <a:gd name="connsiteX20" fmla="*/ 8818817 w 10853928"/>
-              <a:gd name="connsiteY20" fmla="*/ 18288 h 18288"/>
-              <a:gd name="connsiteX21" fmla="*/ 8466064 w 10853928"/>
-              <a:gd name="connsiteY21" fmla="*/ 18288 h 18288"/>
-              <a:gd name="connsiteX22" fmla="*/ 7787693 w 10853928"/>
-              <a:gd name="connsiteY22" fmla="*/ 18288 h 18288"/>
-              <a:gd name="connsiteX23" fmla="*/ 7217862 w 10853928"/>
-              <a:gd name="connsiteY23" fmla="*/ 18288 h 18288"/>
-              <a:gd name="connsiteX24" fmla="*/ 6648031 w 10853928"/>
-              <a:gd name="connsiteY24" fmla="*/ 18288 h 18288"/>
-              <a:gd name="connsiteX25" fmla="*/ 6078200 w 10853928"/>
-              <a:gd name="connsiteY25" fmla="*/ 18288 h 18288"/>
-              <a:gd name="connsiteX26" fmla="*/ 5508368 w 10853928"/>
-              <a:gd name="connsiteY26" fmla="*/ 18288 h 18288"/>
-              <a:gd name="connsiteX27" fmla="*/ 4721459 w 10853928"/>
-              <a:gd name="connsiteY27" fmla="*/ 18288 h 18288"/>
-              <a:gd name="connsiteX28" fmla="*/ 4043088 w 10853928"/>
-              <a:gd name="connsiteY28" fmla="*/ 18288 h 18288"/>
-              <a:gd name="connsiteX29" fmla="*/ 3690336 w 10853928"/>
-              <a:gd name="connsiteY29" fmla="*/ 18288 h 18288"/>
-              <a:gd name="connsiteX30" fmla="*/ 3120504 w 10853928"/>
-              <a:gd name="connsiteY30" fmla="*/ 18288 h 18288"/>
-              <a:gd name="connsiteX31" fmla="*/ 2333595 w 10853928"/>
-              <a:gd name="connsiteY31" fmla="*/ 18288 h 18288"/>
-              <a:gd name="connsiteX32" fmla="*/ 1872303 w 10853928"/>
-              <a:gd name="connsiteY32" fmla="*/ 18288 h 18288"/>
-              <a:gd name="connsiteX33" fmla="*/ 976854 w 10853928"/>
-              <a:gd name="connsiteY33" fmla="*/ 18288 h 18288"/>
-              <a:gd name="connsiteX34" fmla="*/ 0 w 10853928"/>
-              <a:gd name="connsiteY34" fmla="*/ 18288 h 18288"/>
-              <a:gd name="connsiteX35" fmla="*/ 0 w 10853928"/>
-              <a:gd name="connsiteY35" fmla="*/ 0 h 18288"/>
-            </a:gdLst>
-            <a:ahLst/>
-            <a:cxnLst>
-              <a:cxn ang="0">
-                <a:pos x="connsiteX0" y="connsiteY0"/>
-              </a:cxn>
-              <a:cxn ang="0">
-                <a:pos x="connsiteX1" y="connsiteY1"/>
-              </a:cxn>
-              <a:cxn ang="0">
-                <a:pos x="connsiteX2" y="connsiteY2"/>
-              </a:cxn>
-              <a:cxn ang="0">
-                <a:pos x="connsiteX3" y="connsiteY3"/>
-              </a:cxn>
-              <a:cxn ang="0">
-                <a:pos x="connsiteX4" y="connsiteY4"/>
-              </a:cxn>
-              <a:cxn ang="0">
-                <a:pos x="connsiteX5" y="connsiteY5"/>
-              </a:cxn>
-              <a:cxn ang="0">
-                <a:pos x="connsiteX6" y="connsiteY6"/>
-              </a:cxn>
-              <a:cxn ang="0">
-                <a:pos x="connsiteX7" y="connsiteY7"/>
-              </a:cxn>
-              <a:cxn ang="0">
-                <a:pos x="connsiteX8" y="connsiteY8"/>
-              </a:cxn>
-              <a:cxn ang="0">
-                <a:pos x="connsiteX9" y="connsiteY9"/>
-              </a:cxn>
-              <a:cxn ang="0">
-                <a:pos x="connsiteX10" y="connsiteY10"/>
-              </a:cxn>
-              <a:cxn ang="0">
-                <a:pos x="connsiteX11" y="connsiteY11"/>
-              </a:cxn>
-              <a:cxn ang="0">
-                <a:pos x="connsiteX12" y="connsiteY12"/>
-              </a:cxn>
-              <a:cxn ang="0">
-                <a:pos x="connsiteX13" y="connsiteY13"/>
-              </a:cxn>
-              <a:cxn ang="0">
-                <a:pos x="connsiteX14" y="connsiteY14"/>
-              </a:cxn>
-              <a:cxn ang="0">
-                <a:pos x="connsiteX15" y="connsiteY15"/>
-              </a:cxn>
-              <a:cxn ang="0">
-                <a:pos x="connsiteX16" y="connsiteY16"/>
-              </a:cxn>
-              <a:cxn ang="0">
-                <a:pos x="connsiteX17" y="connsiteY17"/>
-              </a:cxn>
-              <a:cxn ang="0">
-                <a:pos x="connsiteX18" y="connsiteY18"/>
-              </a:cxn>
-              <a:cxn ang="0">
-                <a:pos x="connsiteX19" y="connsiteY19"/>
-              </a:cxn>
-              <a:cxn ang="0">
-                <a:pos x="connsiteX20" y="connsiteY20"/>
-              </a:cxn>
-              <a:cxn ang="0">
-                <a:pos x="connsiteX21" y="connsiteY21"/>
-              </a:cxn>
-              <a:cxn ang="0">
-                <a:pos x="connsiteX22" y="connsiteY22"/>
-              </a:cxn>
-              <a:cxn ang="0">
-                <a:pos x="connsiteX23" y="connsiteY23"/>
-              </a:cxn>
-              <a:cxn ang="0">
-                <a:pos x="connsiteX24" y="connsiteY24"/>
-              </a:cxn>
-              <a:cxn ang="0">
-                <a:pos x="connsiteX25" y="connsiteY25"/>
-              </a:cxn>
-              <a:cxn ang="0">
-                <a:pos x="connsiteX26" y="connsiteY26"/>
-              </a:cxn>
-              <a:cxn ang="0">
-                <a:pos x="connsiteX27" y="connsiteY27"/>
-              </a:cxn>
-              <a:cxn ang="0">
-                <a:pos x="connsiteX28" y="connsiteY28"/>
-              </a:cxn>
-              <a:cxn ang="0">
-                <a:pos x="connsiteX29" y="connsiteY29"/>
-              </a:cxn>
-              <a:cxn ang="0">
-                <a:pos x="connsiteX30" y="connsiteY30"/>
-              </a:cxn>
-              <a:cxn ang="0">
-                <a:pos x="connsiteX31" y="connsiteY31"/>
-              </a:cxn>
-              <a:cxn ang="0">
-                <a:pos x="connsiteX32" y="connsiteY32"/>
-              </a:cxn>
-              <a:cxn ang="0">
-                <a:pos x="connsiteX33" y="connsiteY33"/>
-              </a:cxn>
-              <a:cxn ang="0">
-                <a:pos x="connsiteX34" y="connsiteY34"/>
-              </a:cxn>
-              <a:cxn ang="0">
-                <a:pos x="connsiteX35" y="connsiteY35"/>
-              </a:cxn>
-            </a:cxnLst>
-            <a:rect l="l" t="t" r="r" b="b"/>
-            <a:pathLst>
-              <a:path w="10853928" h="18288" fill="none" extrusionOk="0">
-                <a:moveTo>
-                  <a:pt x="0" y="0"/>
-                </a:moveTo>
-                <a:cubicBezTo>
-                  <a:pt x="146993" y="-19076"/>
-                  <a:pt x="347684" y="-4790"/>
-                  <a:pt x="461292" y="0"/>
-                </a:cubicBezTo>
-                <a:cubicBezTo>
-                  <a:pt x="574900" y="4790"/>
-                  <a:pt x="808367" y="19821"/>
-                  <a:pt x="1139662" y="0"/>
-                </a:cubicBezTo>
-                <a:cubicBezTo>
-                  <a:pt x="1470957" y="-19821"/>
-                  <a:pt x="1627405" y="5721"/>
-                  <a:pt x="1926572" y="0"/>
-                </a:cubicBezTo>
-                <a:cubicBezTo>
-                  <a:pt x="2225739" y="-5721"/>
-                  <a:pt x="2137730" y="-3235"/>
-                  <a:pt x="2279325" y="0"/>
-                </a:cubicBezTo>
-                <a:cubicBezTo>
-                  <a:pt x="2420920" y="3235"/>
-                  <a:pt x="2456518" y="9685"/>
-                  <a:pt x="2632078" y="0"/>
-                </a:cubicBezTo>
-                <a:cubicBezTo>
-                  <a:pt x="2807638" y="-9685"/>
-                  <a:pt x="3211516" y="-43007"/>
-                  <a:pt x="3527527" y="0"/>
-                </a:cubicBezTo>
-                <a:cubicBezTo>
-                  <a:pt x="3843538" y="43007"/>
-                  <a:pt x="4058833" y="22042"/>
-                  <a:pt x="4205897" y="0"/>
-                </a:cubicBezTo>
-                <a:cubicBezTo>
-                  <a:pt x="4352961" y="-22042"/>
-                  <a:pt x="4474805" y="-11846"/>
-                  <a:pt x="4558650" y="0"/>
-                </a:cubicBezTo>
-                <a:cubicBezTo>
-                  <a:pt x="4642495" y="11846"/>
-                  <a:pt x="5041928" y="-6069"/>
-                  <a:pt x="5237020" y="0"/>
-                </a:cubicBezTo>
-                <a:cubicBezTo>
-                  <a:pt x="5432112" y="6069"/>
-                  <a:pt x="5943266" y="-17479"/>
-                  <a:pt x="6132469" y="0"/>
-                </a:cubicBezTo>
-                <a:cubicBezTo>
-                  <a:pt x="6321672" y="17479"/>
-                  <a:pt x="6483872" y="26234"/>
-                  <a:pt x="6702301" y="0"/>
-                </a:cubicBezTo>
-                <a:cubicBezTo>
-                  <a:pt x="6920730" y="-26234"/>
-                  <a:pt x="6991194" y="-15156"/>
-                  <a:pt x="7272132" y="0"/>
-                </a:cubicBezTo>
-                <a:cubicBezTo>
-                  <a:pt x="7553070" y="15156"/>
-                  <a:pt x="7684444" y="-32961"/>
-                  <a:pt x="7950502" y="0"/>
-                </a:cubicBezTo>
-                <a:cubicBezTo>
-                  <a:pt x="8216560" y="32961"/>
-                  <a:pt x="8493290" y="-10491"/>
-                  <a:pt x="8737412" y="0"/>
-                </a:cubicBezTo>
-                <a:cubicBezTo>
-                  <a:pt x="8981534" y="10491"/>
-                  <a:pt x="9191586" y="-13899"/>
-                  <a:pt x="9524322" y="0"/>
-                </a:cubicBezTo>
-                <a:cubicBezTo>
-                  <a:pt x="9857058" y="13899"/>
-                  <a:pt x="10297509" y="7485"/>
-                  <a:pt x="10853928" y="0"/>
-                </a:cubicBezTo>
-                <a:cubicBezTo>
-                  <a:pt x="10854574" y="4451"/>
-                  <a:pt x="10854418" y="9226"/>
-                  <a:pt x="10853928" y="18288"/>
-                </a:cubicBezTo>
-                <a:cubicBezTo>
-                  <a:pt x="10691638" y="28522"/>
-                  <a:pt x="10574319" y="29578"/>
-                  <a:pt x="10392636" y="18288"/>
-                </a:cubicBezTo>
-                <a:cubicBezTo>
-                  <a:pt x="10210953" y="6998"/>
-                  <a:pt x="9836277" y="-16742"/>
-                  <a:pt x="9497187" y="18288"/>
-                </a:cubicBezTo>
-                <a:cubicBezTo>
-                  <a:pt x="9158097" y="53318"/>
-                  <a:pt x="9119479" y="30714"/>
-                  <a:pt x="8818817" y="18288"/>
-                </a:cubicBezTo>
-                <a:cubicBezTo>
-                  <a:pt x="8518155" y="5863"/>
-                  <a:pt x="8640037" y="6483"/>
-                  <a:pt x="8466064" y="18288"/>
-                </a:cubicBezTo>
-                <a:cubicBezTo>
-                  <a:pt x="8292091" y="30093"/>
-                  <a:pt x="7997656" y="18914"/>
-                  <a:pt x="7787693" y="18288"/>
-                </a:cubicBezTo>
-                <a:cubicBezTo>
-                  <a:pt x="7577730" y="17662"/>
-                  <a:pt x="7412468" y="21416"/>
-                  <a:pt x="7217862" y="18288"/>
-                </a:cubicBezTo>
-                <a:cubicBezTo>
-                  <a:pt x="7023256" y="15160"/>
-                  <a:pt x="6898018" y="14824"/>
-                  <a:pt x="6648031" y="18288"/>
-                </a:cubicBezTo>
-                <a:cubicBezTo>
-                  <a:pt x="6398044" y="21752"/>
-                  <a:pt x="6254402" y="38625"/>
-                  <a:pt x="6078200" y="18288"/>
-                </a:cubicBezTo>
-                <a:cubicBezTo>
-                  <a:pt x="5901998" y="-2049"/>
-                  <a:pt x="5622886" y="3213"/>
-                  <a:pt x="5508368" y="18288"/>
-                </a:cubicBezTo>
-                <a:cubicBezTo>
-                  <a:pt x="5393850" y="33363"/>
-                  <a:pt x="5036260" y="26830"/>
-                  <a:pt x="4721459" y="18288"/>
-                </a:cubicBezTo>
-                <a:cubicBezTo>
-                  <a:pt x="4406658" y="9746"/>
-                  <a:pt x="4239221" y="41551"/>
-                  <a:pt x="4043088" y="18288"/>
-                </a:cubicBezTo>
-                <a:cubicBezTo>
-                  <a:pt x="3846955" y="-4975"/>
-                  <a:pt x="3818802" y="34658"/>
-                  <a:pt x="3690336" y="18288"/>
-                </a:cubicBezTo>
-                <a:cubicBezTo>
-                  <a:pt x="3561870" y="1918"/>
-                  <a:pt x="3265491" y="42194"/>
-                  <a:pt x="3120504" y="18288"/>
-                </a:cubicBezTo>
-                <a:cubicBezTo>
-                  <a:pt x="2975517" y="-5618"/>
-                  <a:pt x="2720254" y="36673"/>
-                  <a:pt x="2333595" y="18288"/>
-                </a:cubicBezTo>
-                <a:cubicBezTo>
-                  <a:pt x="1946936" y="-97"/>
-                  <a:pt x="2097241" y="5776"/>
-                  <a:pt x="1872303" y="18288"/>
-                </a:cubicBezTo>
-                <a:cubicBezTo>
-                  <a:pt x="1647365" y="30800"/>
-                  <a:pt x="1282708" y="45380"/>
-                  <a:pt x="976854" y="18288"/>
-                </a:cubicBezTo>
-                <a:cubicBezTo>
-                  <a:pt x="671000" y="-8804"/>
-                  <a:pt x="408401" y="-12775"/>
-                  <a:pt x="0" y="18288"/>
-                </a:cubicBezTo>
-                <a:cubicBezTo>
-                  <a:pt x="-213" y="9468"/>
-                  <a:pt x="187" y="4459"/>
-                  <a:pt x="0" y="0"/>
-                </a:cubicBezTo>
-                <a:close/>
-              </a:path>
-              <a:path w="10853928" h="18288" stroke="0" extrusionOk="0">
-                <a:moveTo>
-                  <a:pt x="0" y="0"/>
-                </a:moveTo>
-                <a:cubicBezTo>
-                  <a:pt x="267322" y="15284"/>
-                  <a:pt x="415388" y="-21048"/>
-                  <a:pt x="569831" y="0"/>
-                </a:cubicBezTo>
-                <a:cubicBezTo>
-                  <a:pt x="724274" y="21048"/>
-                  <a:pt x="769333" y="-2353"/>
-                  <a:pt x="922584" y="0"/>
-                </a:cubicBezTo>
-                <a:cubicBezTo>
-                  <a:pt x="1075835" y="2353"/>
-                  <a:pt x="1399490" y="-145"/>
-                  <a:pt x="1818033" y="0"/>
-                </a:cubicBezTo>
-                <a:cubicBezTo>
-                  <a:pt x="2236576" y="145"/>
-                  <a:pt x="2145330" y="5482"/>
-                  <a:pt x="2387864" y="0"/>
-                </a:cubicBezTo>
-                <a:cubicBezTo>
-                  <a:pt x="2630398" y="-5482"/>
-                  <a:pt x="2793207" y="18487"/>
-                  <a:pt x="2957695" y="0"/>
-                </a:cubicBezTo>
-                <a:cubicBezTo>
-                  <a:pt x="3122183" y="-18487"/>
-                  <a:pt x="3579141" y="19003"/>
-                  <a:pt x="3853144" y="0"/>
-                </a:cubicBezTo>
-                <a:cubicBezTo>
-                  <a:pt x="4127147" y="-19003"/>
-                  <a:pt x="4209857" y="12211"/>
-                  <a:pt x="4314436" y="0"/>
-                </a:cubicBezTo>
-                <a:cubicBezTo>
-                  <a:pt x="4419015" y="-12211"/>
-                  <a:pt x="4762459" y="-17220"/>
-                  <a:pt x="5209885" y="0"/>
-                </a:cubicBezTo>
-                <a:cubicBezTo>
-                  <a:pt x="5657311" y="17220"/>
-                  <a:pt x="5692663" y="-3290"/>
-                  <a:pt x="6105335" y="0"/>
-                </a:cubicBezTo>
-                <a:cubicBezTo>
-                  <a:pt x="6518007" y="3290"/>
-                  <a:pt x="6455516" y="-5124"/>
-                  <a:pt x="6783705" y="0"/>
-                </a:cubicBezTo>
-                <a:cubicBezTo>
-                  <a:pt x="7111894" y="5124"/>
-                  <a:pt x="7441941" y="-17829"/>
-                  <a:pt x="7679154" y="0"/>
-                </a:cubicBezTo>
-                <a:cubicBezTo>
-                  <a:pt x="7916367" y="17829"/>
-                  <a:pt x="8102967" y="-24363"/>
-                  <a:pt x="8248985" y="0"/>
-                </a:cubicBezTo>
-                <a:cubicBezTo>
-                  <a:pt x="8395003" y="24363"/>
-                  <a:pt x="8552393" y="25505"/>
-                  <a:pt x="8818817" y="0"/>
-                </a:cubicBezTo>
-                <a:cubicBezTo>
-                  <a:pt x="9085241" y="-25505"/>
-                  <a:pt x="9411308" y="38000"/>
-                  <a:pt x="9605726" y="0"/>
-                </a:cubicBezTo>
-                <a:cubicBezTo>
-                  <a:pt x="9800144" y="-38000"/>
-                  <a:pt x="10006468" y="-25741"/>
-                  <a:pt x="10175558" y="0"/>
-                </a:cubicBezTo>
-                <a:cubicBezTo>
-                  <a:pt x="10344648" y="25741"/>
-                  <a:pt x="10696282" y="695"/>
-                  <a:pt x="10853928" y="0"/>
-                </a:cubicBezTo>
-                <a:cubicBezTo>
-                  <a:pt x="10853521" y="8690"/>
-                  <a:pt x="10853774" y="14141"/>
-                  <a:pt x="10853928" y="18288"/>
-                </a:cubicBezTo>
-                <a:cubicBezTo>
-                  <a:pt x="10608124" y="24255"/>
-                  <a:pt x="10343415" y="22307"/>
-                  <a:pt x="10067018" y="18288"/>
-                </a:cubicBezTo>
-                <a:cubicBezTo>
-                  <a:pt x="9790621" y="14270"/>
-                  <a:pt x="9843266" y="3564"/>
-                  <a:pt x="9714266" y="18288"/>
-                </a:cubicBezTo>
-                <a:cubicBezTo>
-                  <a:pt x="9585266" y="33012"/>
-                  <a:pt x="9379484" y="1875"/>
-                  <a:pt x="9252974" y="18288"/>
-                </a:cubicBezTo>
-                <a:cubicBezTo>
-                  <a:pt x="9126464" y="34701"/>
-                  <a:pt x="8580678" y="-4904"/>
-                  <a:pt x="8357525" y="18288"/>
-                </a:cubicBezTo>
-                <a:cubicBezTo>
-                  <a:pt x="8134372" y="41480"/>
-                  <a:pt x="7903199" y="26458"/>
-                  <a:pt x="7679154" y="18288"/>
-                </a:cubicBezTo>
-                <a:cubicBezTo>
-                  <a:pt x="7455109" y="10118"/>
-                  <a:pt x="7435944" y="27109"/>
-                  <a:pt x="7217862" y="18288"/>
-                </a:cubicBezTo>
-                <a:cubicBezTo>
-                  <a:pt x="6999780" y="9467"/>
-                  <a:pt x="6680409" y="18985"/>
-                  <a:pt x="6539492" y="18288"/>
-                </a:cubicBezTo>
-                <a:cubicBezTo>
-                  <a:pt x="6398575" y="17592"/>
-                  <a:pt x="6312077" y="33018"/>
-                  <a:pt x="6186739" y="18288"/>
-                </a:cubicBezTo>
-                <a:cubicBezTo>
-                  <a:pt x="6061401" y="3558"/>
-                  <a:pt x="5947033" y="12075"/>
-                  <a:pt x="5833986" y="18288"/>
-                </a:cubicBezTo>
-                <a:cubicBezTo>
-                  <a:pt x="5720939" y="24501"/>
-                  <a:pt x="5482226" y="8586"/>
-                  <a:pt x="5155616" y="18288"/>
-                </a:cubicBezTo>
-                <a:cubicBezTo>
-                  <a:pt x="4829006" y="27991"/>
-                  <a:pt x="4841274" y="29316"/>
-                  <a:pt x="4694324" y="18288"/>
-                </a:cubicBezTo>
-                <a:cubicBezTo>
-                  <a:pt x="4547374" y="7260"/>
-                  <a:pt x="4077675" y="7013"/>
-                  <a:pt x="3907414" y="18288"/>
-                </a:cubicBezTo>
-                <a:cubicBezTo>
-                  <a:pt x="3737153" y="29564"/>
-                  <a:pt x="3538393" y="21630"/>
-                  <a:pt x="3446122" y="18288"/>
-                </a:cubicBezTo>
-                <a:cubicBezTo>
-                  <a:pt x="3353851" y="14946"/>
-                  <a:pt x="2990320" y="-8091"/>
-                  <a:pt x="2659212" y="18288"/>
-                </a:cubicBezTo>
-                <a:cubicBezTo>
-                  <a:pt x="2328104" y="44667"/>
-                  <a:pt x="2427653" y="9607"/>
-                  <a:pt x="2306460" y="18288"/>
-                </a:cubicBezTo>
-                <a:cubicBezTo>
-                  <a:pt x="2185267" y="26969"/>
-                  <a:pt x="1719763" y="3717"/>
-                  <a:pt x="1519550" y="18288"/>
-                </a:cubicBezTo>
-                <a:cubicBezTo>
-                  <a:pt x="1319337" y="32860"/>
-                  <a:pt x="1167371" y="17040"/>
-                  <a:pt x="1058258" y="18288"/>
-                </a:cubicBezTo>
-                <a:cubicBezTo>
-                  <a:pt x="949145" y="19536"/>
-                  <a:pt x="780234" y="31447"/>
-                  <a:pt x="705505" y="18288"/>
-                </a:cubicBezTo>
-                <a:cubicBezTo>
-                  <a:pt x="630776" y="5129"/>
-                  <a:pt x="215796" y="30056"/>
-                  <a:pt x="0" y="18288"/>
-                </a:cubicBezTo>
-                <a:cubicBezTo>
-                  <a:pt x="-53" y="11301"/>
-                  <a:pt x="-649" y="7756"/>
-                  <a:pt x="0" y="0"/>
-                </a:cubicBezTo>
-                <a:close/>
-              </a:path>
-            </a:pathLst>
-          </a:custGeom>
-          <a:solidFill>
-            <a:schemeClr val="accent2"/>
-          </a:solidFill>
-          <a:ln w="41275" cap="rnd">
-            <a:solidFill>
-              <a:schemeClr val="accent2"/>
-            </a:solidFill>
-            <a:round/>
-            <a:extLst>
-              <a:ext uri="{C807C97D-BFC1-408E-A445-0C87EB9F89A2}">
-                <ask:lineSketchStyleProps xmlns:ask="http://schemas.microsoft.com/office/drawing/2018/sketchyshapes" sd="1219033472">
-                  <a:prstGeom prst="rect">
-                    <a:avLst/>
-                  </a:prstGeom>
-                  <ask:type>
-                    <ask:lineSketchFreehand/>
-                  </ask:type>
-                </ask:lineSketchStyleProps>
-              </a:ext>
-            </a:extLst>
-          </a:ln>
-        </p:spPr>
-        <p:style>
-          <a:lnRef idx="2">
-            <a:schemeClr val="accent1">
-              <a:shade val="50000"/>
-            </a:schemeClr>
-          </a:lnRef>
-          <a:fillRef idx="1">
-            <a:schemeClr val="accent1"/>
-          </a:fillRef>
-          <a:effectRef idx="0">
-            <a:schemeClr val="accent1"/>
-          </a:effectRef>
-          <a:fontRef idx="minor">
-            <a:schemeClr val="lt1"/>
-          </a:fontRef>
-        </p:style>
-        <p:txBody>
-          <a:bodyPr rtlCol="0" anchor="ctr"/>
-          <a:lstStyle/>
-          <a:p>
-            <a:pPr marL="0" marR="0" lvl="0" indent="0" algn="ctr" defTabSz="914400" rtl="0" eaLnBrk="1" fontAlgn="auto" latinLnBrk="0" hangingPunct="1">
-              <a:lnSpc>
-                <a:spcPct val="100000"/>
-              </a:lnSpc>
-              <a:spcBef>
-                <a:spcPts val="0"/>
-              </a:spcBef>
-              <a:spcAft>
-                <a:spcPts val="0"/>
-              </a:spcAft>
-              <a:buClrTx/>
-              <a:buSzTx/>
-              <a:buFontTx/>
-              <a:buNone/>
-              <a:tabLst/>
-              <a:defRPr/>
-            </a:pPr>
-            <a:endParaRPr kumimoji="0" lang="en-US" sz="1800" b="0" i="0" u="none" strike="noStrike" kern="1200" cap="none" spc="0" normalizeH="0" baseline="0" noProof="0">
-              <a:ln>
-                <a:noFill/>
-              </a:ln>
-              <a:solidFill>
-                <a:prstClr val="white"/>
-              </a:solidFill>
-              <a:effectLst/>
-              <a:uLnTx/>
-              <a:uFillTx/>
-              <a:latin typeface="Calibri" panose="020F0502020204030204"/>
-              <a:ea typeface="+mn-ea"/>
-              <a:cs typeface="+mn-cs"/>
-            </a:endParaRPr>
-          </a:p>
-        </p:txBody>
-      </p:sp>
-      <p:sp>
-        <p:nvSpPr>
-          <p:cNvPr id="3" name="Content Placeholder 2">
-            <a:extLst>
-              <a:ext uri="{FF2B5EF4-FFF2-40B4-BE49-F238E27FC236}">
-                <a16:creationId xmlns:a16="http://schemas.microsoft.com/office/drawing/2014/main" id="{E612B995-3E62-42AD-A75D-5541C4EE1278}"/>
-              </a:ext>
-            </a:extLst>
-          </p:cNvPr>
-          <p:cNvSpPr>
-            <a:spLocks noGrp="1"/>
-          </p:cNvSpPr>
-          <p:nvPr>
-            <p:ph idx="1"/>
-          </p:nvPr>
-        </p:nvSpPr>
-        <p:spPr>
-          <a:xfrm>
-            <a:off x="838200" y="1929384"/>
-            <a:ext cx="10515600" cy="4251960"/>
-          </a:xfrm>
-        </p:spPr>
-        <p:txBody>
-          <a:bodyPr>
-            <a:normAutofit/>
-          </a:bodyPr>
-          <a:lstStyle/>
-          <a:p>
-            <a:pPr marL="0" indent="0">
-              <a:buNone/>
-            </a:pPr>
-            <a:r>
-              <a:rPr lang="en-US" sz="2200" dirty="0"/>
-              <a:t>Purchases  = 708.81 + 329.96 (# of employees) + 449.35 (satisfaction rating) – 317.39 (if a rural location) </a:t>
-            </a:r>
-          </a:p>
-          <a:p>
-            <a:pPr marL="0" indent="0">
-              <a:buNone/>
-            </a:pPr>
-            <a:endParaRPr lang="en-US" sz="2200" dirty="0"/>
-          </a:p>
-          <a:p>
-            <a:pPr marL="0" indent="0">
-              <a:buNone/>
-            </a:pPr>
-            <a:r>
-              <a:rPr lang="en-US" sz="2200" dirty="0"/>
-              <a:t>The estimate for a customer with 15 employees, a satisfaction assessment of 9, and in a suburban location: </a:t>
-            </a:r>
-          </a:p>
-          <a:p>
-            <a:pPr marL="0" indent="0">
-              <a:buNone/>
-            </a:pPr>
-            <a:endParaRPr lang="en-US" sz="2200" dirty="0"/>
-          </a:p>
-          <a:p>
-            <a:pPr marL="0" indent="0">
-              <a:buNone/>
-            </a:pPr>
-            <a:r>
-              <a:rPr lang="en-US" sz="2200" dirty="0"/>
-              <a:t>708.81 + 329.96 (15) + 449.35 (9) - 317.39 (0) = $9,702.35 monthly purchases</a:t>
-            </a:r>
-          </a:p>
-          <a:p>
-            <a:pPr marL="0" indent="0">
-              <a:buNone/>
-            </a:pPr>
-            <a:endParaRPr lang="en-US" sz="2200" dirty="0"/>
-          </a:p>
-        </p:txBody>
-      </p:sp>
-      <p:sp>
-        <p:nvSpPr>
-          <p:cNvPr id="4" name="Footer Placeholder 3">
-            <a:extLst>
-              <a:ext uri="{FF2B5EF4-FFF2-40B4-BE49-F238E27FC236}">
-                <a16:creationId xmlns:a16="http://schemas.microsoft.com/office/drawing/2014/main" id="{01DC7843-BB94-42AB-B665-6417B43DE111}"/>
-              </a:ext>
-            </a:extLst>
-          </p:cNvPr>
-          <p:cNvSpPr>
-            <a:spLocks noGrp="1"/>
-          </p:cNvSpPr>
-          <p:nvPr>
-            <p:ph type="ftr" sz="quarter" idx="11"/>
-          </p:nvPr>
-        </p:nvSpPr>
-        <p:spPr>
-          <a:xfrm>
-            <a:off x="4038600" y="6356350"/>
-            <a:ext cx="4114800" cy="365125"/>
-          </a:xfrm>
-        </p:spPr>
-        <p:txBody>
-          <a:bodyPr>
-            <a:normAutofit/>
-          </a:bodyPr>
-          <a:lstStyle/>
-          <a:p>
-            <a:pPr marL="0" marR="0" lvl="0" indent="0" algn="ctr" defTabSz="914400" rtl="0" eaLnBrk="1" fontAlgn="auto" latinLnBrk="0" hangingPunct="1">
-              <a:lnSpc>
-                <a:spcPct val="100000"/>
-              </a:lnSpc>
-              <a:spcBef>
-                <a:spcPts val="0"/>
-              </a:spcBef>
-              <a:spcAft>
-                <a:spcPts val="600"/>
-              </a:spcAft>
-              <a:buClrTx/>
-              <a:buSzTx/>
-              <a:buFontTx/>
-              <a:buNone/>
-              <a:tabLst/>
-              <a:defRPr/>
-            </a:pPr>
-            <a:r>
-              <a:rPr kumimoji="0" lang="en-US" sz="1200" b="0" i="0" u="none" strike="noStrike" kern="1200" cap="none" spc="0" normalizeH="0" baseline="0" noProof="0">
-                <a:ln>
-                  <a:noFill/>
-                </a:ln>
-                <a:solidFill>
-                  <a:prstClr val="black">
-                    <a:tint val="75000"/>
-                  </a:prstClr>
-                </a:solidFill>
-                <a:effectLst/>
-                <a:uLnTx/>
-                <a:uFillTx/>
-                <a:latin typeface="Calibri" panose="020F0502020204030204"/>
-                <a:ea typeface="+mn-ea"/>
-                <a:cs typeface="+mn-cs"/>
-              </a:rPr>
-              <a:t>Mike Nguyen</a:t>
-            </a:r>
-          </a:p>
-        </p:txBody>
-      </p:sp>
-      <p:sp>
-        <p:nvSpPr>
-          <p:cNvPr id="5" name="Slide Number Placeholder 4">
-            <a:extLst>
-              <a:ext uri="{FF2B5EF4-FFF2-40B4-BE49-F238E27FC236}">
-                <a16:creationId xmlns:a16="http://schemas.microsoft.com/office/drawing/2014/main" id="{66964E36-7475-4700-BAE9-79A897F8E3DA}"/>
-              </a:ext>
-            </a:extLst>
-          </p:cNvPr>
-          <p:cNvSpPr>
-            <a:spLocks noGrp="1"/>
-          </p:cNvSpPr>
-          <p:nvPr>
-            <p:ph type="sldNum" sz="quarter" idx="12"/>
-          </p:nvPr>
-        </p:nvSpPr>
-        <p:spPr>
-          <a:xfrm>
-            <a:off x="8610600" y="6356350"/>
-            <a:ext cx="2743200" cy="365125"/>
-          </a:xfrm>
-        </p:spPr>
-        <p:txBody>
-          <a:bodyPr>
-            <a:normAutofit/>
-          </a:bodyPr>
-          <a:lstStyle/>
-          <a:p>
-            <a:pPr marL="0" marR="0" lvl="0" indent="0" algn="r" defTabSz="914400" rtl="0" eaLnBrk="1" fontAlgn="auto" latinLnBrk="0" hangingPunct="1">
-              <a:lnSpc>
-                <a:spcPct val="100000"/>
-              </a:lnSpc>
-              <a:spcBef>
-                <a:spcPts val="0"/>
-              </a:spcBef>
-              <a:spcAft>
-                <a:spcPts val="600"/>
-              </a:spcAft>
-              <a:buClrTx/>
-              <a:buSzTx/>
-              <a:buFontTx/>
-              <a:buNone/>
-              <a:tabLst/>
-              <a:defRPr/>
-            </a:pPr>
-            <a:fld id="{A6AF1B4E-90EC-4A51-B6E5-B702C054ECB0}" type="slidenum">
-              <a:rPr kumimoji="0" lang="en-US" sz="1200" b="0" i="0" u="none" strike="noStrike" kern="1200" cap="none" spc="0" normalizeH="0" baseline="0" noProof="0" smtClean="0">
-                <a:ln>
-                  <a:noFill/>
-                </a:ln>
-                <a:solidFill>
-                  <a:prstClr val="black">
-                    <a:tint val="75000"/>
-                  </a:prstClr>
-                </a:solidFill>
-                <a:effectLst/>
-                <a:uLnTx/>
-                <a:uFillTx/>
-                <a:latin typeface="Calibri" panose="020F0502020204030204"/>
-                <a:ea typeface="+mn-ea"/>
-                <a:cs typeface="+mn-cs"/>
-              </a:rPr>
-              <a:pPr marL="0" marR="0" lvl="0" indent="0" algn="r" defTabSz="914400" rtl="0" eaLnBrk="1" fontAlgn="auto" latinLnBrk="0" hangingPunct="1">
-                <a:lnSpc>
-                  <a:spcPct val="100000"/>
-                </a:lnSpc>
-                <a:spcBef>
-                  <a:spcPts val="0"/>
-                </a:spcBef>
-                <a:spcAft>
-                  <a:spcPts val="600"/>
-                </a:spcAft>
-                <a:buClrTx/>
-                <a:buSzTx/>
-                <a:buFontTx/>
-                <a:buNone/>
-                <a:tabLst/>
-                <a:defRPr/>
-              </a:pPr>
               <a:t>19</a:t>
             </a:fld>
             <a:endParaRPr kumimoji="0" lang="en-US" sz="1200" b="0" i="0" u="none" strike="noStrike" kern="1200" cap="none" spc="0" normalizeH="0" baseline="0" noProof="0">
@@ -23078,7 +22353,7 @@
     </p:spTree>
     <p:extLst>
       <p:ext uri="{BB962C8B-B14F-4D97-AF65-F5344CB8AC3E}">
-        <p14:creationId xmlns:p14="http://schemas.microsoft.com/office/powerpoint/2010/main" val="1533731457"/>
+        <p14:creationId xmlns:p14="http://schemas.microsoft.com/office/powerpoint/2010/main" val="746165190"/>
       </p:ext>
     </p:extLst>
   </p:cSld>
@@ -24933,7 +24208,7 @@
             </a:pPr>
             <a:r>
               <a:rPr lang="en-US" sz="2200" dirty="0"/>
-              <a:t>The estimate for a customer with the same situation as the preceding customer but in a rural location: </a:t>
+              <a:t>The estimate for a customer with 15 employees, a satisfaction assessment of 9, and in a suburban location: </a:t>
             </a:r>
           </a:p>
           <a:p>
@@ -24948,8 +24223,14 @@
             </a:pPr>
             <a:r>
               <a:rPr lang="en-US" sz="2200" dirty="0"/>
-              <a:t>708.81 + 329.96 (15) + 449.35 (9) - 317.39 (1) = $9,384.96 monthly purchases</a:t>
-            </a:r>
+              <a:t>708.81 + 329.96 (15) + 449.35 (9) - 317.39 (0) = $9,702.35 monthly purchases</a:t>
+            </a:r>
+          </a:p>
+          <a:p>
+            <a:pPr marL="0" indent="0">
+              <a:buNone/>
+            </a:pPr>
+            <a:endParaRPr lang="en-US" sz="2200" dirty="0"/>
           </a:p>
         </p:txBody>
       </p:sp>
@@ -25100,6 +24381,1229 @@
                 <a:defRPr/>
               </a:pPr>
               <a:t>20</a:t>
+            </a:fld>
+            <a:endParaRPr kumimoji="0" lang="en-US" sz="1200" b="0" i="0" u="none" strike="noStrike" kern="1200" cap="none" spc="0" normalizeH="0" baseline="0" noProof="0">
+              <a:ln>
+                <a:noFill/>
+              </a:ln>
+              <a:solidFill>
+                <a:prstClr val="black">
+                  <a:tint val="75000"/>
+                </a:prstClr>
+              </a:solidFill>
+              <a:effectLst/>
+              <a:uLnTx/>
+              <a:uFillTx/>
+              <a:latin typeface="Calibri" panose="020F0502020204030204"/>
+              <a:ea typeface="+mn-ea"/>
+              <a:cs typeface="+mn-cs"/>
+            </a:endParaRPr>
+          </a:p>
+        </p:txBody>
+      </p:sp>
+    </p:spTree>
+    <p:extLst>
+      <p:ext uri="{BB962C8B-B14F-4D97-AF65-F5344CB8AC3E}">
+        <p14:creationId xmlns:p14="http://schemas.microsoft.com/office/powerpoint/2010/main" val="1533731457"/>
+      </p:ext>
+    </p:extLst>
+  </p:cSld>
+  <p:clrMapOvr>
+    <a:masterClrMapping/>
+  </p:clrMapOvr>
+  <p:timing>
+    <p:tnLst>
+      <p:par>
+        <p:cTn id="1" dur="indefinite" restart="never" nodeType="tmRoot">
+          <p:childTnLst>
+            <p:seq concurrent="1" nextAc="seek">
+              <p:cTn id="2" dur="indefinite" nodeType="mainSeq">
+                <p:childTnLst>
+                  <p:par>
+                    <p:cTn id="3" fill="hold">
+                      <p:stCondLst>
+                        <p:cond delay="indefinite"/>
+                      </p:stCondLst>
+                      <p:childTnLst>
+                        <p:par>
+                          <p:cTn id="4" fill="hold">
+                            <p:stCondLst>
+                              <p:cond delay="0"/>
+                            </p:stCondLst>
+                            <p:childTnLst>
+                              <p:par>
+                                <p:cTn id="5" presetID="1" presetClass="entr" presetSubtype="0" fill="hold" nodeType="clickEffect">
+                                  <p:stCondLst>
+                                    <p:cond delay="0"/>
+                                  </p:stCondLst>
+                                  <p:childTnLst>
+                                    <p:set>
+                                      <p:cBhvr>
+                                        <p:cTn id="6" dur="1" fill="hold">
+                                          <p:stCondLst>
+                                            <p:cond delay="0"/>
+                                          </p:stCondLst>
+                                        </p:cTn>
+                                        <p:tgtEl>
+                                          <p:spTgt spid="3">
+                                            <p:txEl>
+                                              <p:pRg st="0" end="0"/>
+                                            </p:txEl>
+                                          </p:spTgt>
+                                        </p:tgtEl>
+                                        <p:attrNameLst>
+                                          <p:attrName>style.visibility</p:attrName>
+                                        </p:attrNameLst>
+                                      </p:cBhvr>
+                                      <p:to>
+                                        <p:strVal val="visible"/>
+                                      </p:to>
+                                    </p:set>
+                                  </p:childTnLst>
+                                </p:cTn>
+                              </p:par>
+                              <p:par>
+                                <p:cTn id="7" presetID="1" presetClass="entr" presetSubtype="0" fill="hold" nodeType="withEffect">
+                                  <p:stCondLst>
+                                    <p:cond delay="0"/>
+                                  </p:stCondLst>
+                                  <p:childTnLst>
+                                    <p:set>
+                                      <p:cBhvr>
+                                        <p:cTn id="8" dur="1" fill="hold">
+                                          <p:stCondLst>
+                                            <p:cond delay="0"/>
+                                          </p:stCondLst>
+                                        </p:cTn>
+                                        <p:tgtEl>
+                                          <p:spTgt spid="3">
+                                            <p:txEl>
+                                              <p:pRg st="2" end="2"/>
+                                            </p:txEl>
+                                          </p:spTgt>
+                                        </p:tgtEl>
+                                        <p:attrNameLst>
+                                          <p:attrName>style.visibility</p:attrName>
+                                        </p:attrNameLst>
+                                      </p:cBhvr>
+                                      <p:to>
+                                        <p:strVal val="visible"/>
+                                      </p:to>
+                                    </p:set>
+                                  </p:childTnLst>
+                                </p:cTn>
+                              </p:par>
+                            </p:childTnLst>
+                          </p:cTn>
+                        </p:par>
+                      </p:childTnLst>
+                    </p:cTn>
+                  </p:par>
+                  <p:par>
+                    <p:cTn id="9" fill="hold">
+                      <p:stCondLst>
+                        <p:cond delay="indefinite"/>
+                      </p:stCondLst>
+                      <p:childTnLst>
+                        <p:par>
+                          <p:cTn id="10" fill="hold">
+                            <p:stCondLst>
+                              <p:cond delay="0"/>
+                            </p:stCondLst>
+                            <p:childTnLst>
+                              <p:par>
+                                <p:cTn id="11" presetID="1" presetClass="entr" presetSubtype="0" fill="hold" nodeType="clickEffect">
+                                  <p:stCondLst>
+                                    <p:cond delay="0"/>
+                                  </p:stCondLst>
+                                  <p:childTnLst>
+                                    <p:set>
+                                      <p:cBhvr>
+                                        <p:cTn id="12" dur="1" fill="hold">
+                                          <p:stCondLst>
+                                            <p:cond delay="0"/>
+                                          </p:stCondLst>
+                                        </p:cTn>
+                                        <p:tgtEl>
+                                          <p:spTgt spid="3">
+                                            <p:txEl>
+                                              <p:pRg st="4" end="4"/>
+                                            </p:txEl>
+                                          </p:spTgt>
+                                        </p:tgtEl>
+                                        <p:attrNameLst>
+                                          <p:attrName>style.visibility</p:attrName>
+                                        </p:attrNameLst>
+                                      </p:cBhvr>
+                                      <p:to>
+                                        <p:strVal val="visible"/>
+                                      </p:to>
+                                    </p:set>
+                                  </p:childTnLst>
+                                </p:cTn>
+                              </p:par>
+                            </p:childTnLst>
+                          </p:cTn>
+                        </p:par>
+                      </p:childTnLst>
+                    </p:cTn>
+                  </p:par>
+                </p:childTnLst>
+              </p:cTn>
+              <p:prevCondLst>
+                <p:cond evt="onPrev" delay="0">
+                  <p:tgtEl>
+                    <p:sldTgt/>
+                  </p:tgtEl>
+                </p:cond>
+              </p:prevCondLst>
+              <p:nextCondLst>
+                <p:cond evt="onNext" delay="0">
+                  <p:tgtEl>
+                    <p:sldTgt/>
+                  </p:tgtEl>
+                </p:cond>
+              </p:nextCondLst>
+            </p:seq>
+          </p:childTnLst>
+        </p:cTn>
+      </p:par>
+    </p:tnLst>
+  </p:timing>
+</p:sld>
+</file>
+
+<file path=ppt/slides/slide21.xml><?xml version="1.0" encoding="utf-8"?>
+<p:sld xmlns:a="http://schemas.openxmlformats.org/drawingml/2006/main" xmlns:r="http://schemas.openxmlformats.org/officeDocument/2006/relationships" xmlns:p="http://schemas.openxmlformats.org/presentationml/2006/main">
+  <p:cSld>
+    <p:bg>
+      <p:bgPr>
+        <a:solidFill>
+          <a:schemeClr val="bg1"/>
+        </a:solidFill>
+        <a:effectLst/>
+      </p:bgPr>
+    </p:bg>
+    <p:spTree>
+      <p:nvGrpSpPr>
+        <p:cNvPr id="1" name=""/>
+        <p:cNvGrpSpPr/>
+        <p:nvPr/>
+      </p:nvGrpSpPr>
+      <p:grpSpPr>
+        <a:xfrm>
+          <a:off x="0" y="0"/>
+          <a:ext cx="0" cy="0"/>
+          <a:chOff x="0" y="0"/>
+          <a:chExt cx="0" cy="0"/>
+        </a:xfrm>
+      </p:grpSpPr>
+      <p:sp useBgFill="1">
+        <p:nvSpPr>
+          <p:cNvPr id="10" name="Rectangle 9">
+            <a:extLst>
+              <a:ext uri="{FF2B5EF4-FFF2-40B4-BE49-F238E27FC236}">
+                <a16:creationId xmlns:a16="http://schemas.microsoft.com/office/drawing/2014/main" id="{100EDD19-6802-4EC3-95CE-CFFAB042CFD6}"/>
+              </a:ext>
+              <a:ext uri="{C183D7F6-B498-43B3-948B-1728B52AA6E4}">
+                <adec:decorative xmlns:adec="http://schemas.microsoft.com/office/drawing/2017/decorative" val="1"/>
+              </a:ext>
+            </a:extLst>
+          </p:cNvPr>
+          <p:cNvSpPr>
+            <a:spLocks noGrp="1" noRot="1" noChangeAspect="1" noMove="1" noResize="1" noEditPoints="1" noAdjustHandles="1" noChangeArrowheads="1" noChangeShapeType="1" noTextEdit="1"/>
+          </p:cNvSpPr>
+          <p:nvPr>
+            <p:extLst>
+              <p:ext uri="{386F3935-93C4-4BCD-93E2-E3B085C9AB24}">
+                <p16:designElem xmlns:p16="http://schemas.microsoft.com/office/powerpoint/2015/main" val="1"/>
+              </p:ext>
+            </p:extLst>
+          </p:nvPr>
+        </p:nvSpPr>
+        <p:spPr>
+          <a:xfrm>
+            <a:off x="0" y="0"/>
+            <a:ext cx="12188952" cy="6858000"/>
+          </a:xfrm>
+          <a:prstGeom prst="rect">
+            <a:avLst/>
+          </a:prstGeom>
+          <a:ln>
+            <a:noFill/>
+          </a:ln>
+        </p:spPr>
+        <p:style>
+          <a:lnRef idx="2">
+            <a:schemeClr val="accent1">
+              <a:shade val="50000"/>
+            </a:schemeClr>
+          </a:lnRef>
+          <a:fillRef idx="1">
+            <a:schemeClr val="accent1"/>
+          </a:fillRef>
+          <a:effectRef idx="0">
+            <a:schemeClr val="accent1"/>
+          </a:effectRef>
+          <a:fontRef idx="minor">
+            <a:schemeClr val="lt1"/>
+          </a:fontRef>
+        </p:style>
+        <p:txBody>
+          <a:bodyPr rtlCol="0" anchor="ctr"/>
+          <a:lstStyle/>
+          <a:p>
+            <a:pPr marL="0" marR="0" lvl="0" indent="0" algn="ctr" defTabSz="914400" rtl="0" eaLnBrk="1" fontAlgn="auto" latinLnBrk="0" hangingPunct="1">
+              <a:lnSpc>
+                <a:spcPct val="100000"/>
+              </a:lnSpc>
+              <a:spcBef>
+                <a:spcPts val="0"/>
+              </a:spcBef>
+              <a:spcAft>
+                <a:spcPts val="0"/>
+              </a:spcAft>
+              <a:buClrTx/>
+              <a:buSzTx/>
+              <a:buFontTx/>
+              <a:buNone/>
+              <a:tabLst/>
+              <a:defRPr/>
+            </a:pPr>
+            <a:endParaRPr kumimoji="0" lang="en-US" sz="1800" b="0" i="0" u="none" strike="noStrike" kern="1200" cap="none" spc="0" normalizeH="0" baseline="0" noProof="0">
+              <a:ln>
+                <a:noFill/>
+              </a:ln>
+              <a:solidFill>
+                <a:prstClr val="white"/>
+              </a:solidFill>
+              <a:effectLst/>
+              <a:uLnTx/>
+              <a:uFillTx/>
+              <a:latin typeface="Calibri" panose="020F0502020204030204"/>
+              <a:ea typeface="+mn-ea"/>
+              <a:cs typeface="+mn-cs"/>
+            </a:endParaRPr>
+          </a:p>
+        </p:txBody>
+      </p:sp>
+      <p:sp>
+        <p:nvSpPr>
+          <p:cNvPr id="2" name="Title 1">
+            <a:extLst>
+              <a:ext uri="{FF2B5EF4-FFF2-40B4-BE49-F238E27FC236}">
+                <a16:creationId xmlns:a16="http://schemas.microsoft.com/office/drawing/2014/main" id="{7C887591-9A72-4854-AA2B-8AD8C687F080}"/>
+              </a:ext>
+            </a:extLst>
+          </p:cNvPr>
+          <p:cNvSpPr>
+            <a:spLocks noGrp="1"/>
+          </p:cNvSpPr>
+          <p:nvPr>
+            <p:ph type="title"/>
+          </p:nvPr>
+        </p:nvSpPr>
+        <p:spPr>
+          <a:xfrm>
+            <a:off x="838200" y="365125"/>
+            <a:ext cx="10515600" cy="1325563"/>
+          </a:xfrm>
+        </p:spPr>
+        <p:txBody>
+          <a:bodyPr>
+            <a:normAutofit/>
+          </a:bodyPr>
+          <a:lstStyle/>
+          <a:p>
+            <a:r>
+              <a:rPr lang="en-US" sz="5400"/>
+              <a:t>Multiple Regression</a:t>
+            </a:r>
+          </a:p>
+        </p:txBody>
+      </p:sp>
+      <p:sp>
+        <p:nvSpPr>
+          <p:cNvPr id="12" name="sketch line">
+            <a:extLst>
+              <a:ext uri="{FF2B5EF4-FFF2-40B4-BE49-F238E27FC236}">
+                <a16:creationId xmlns:a16="http://schemas.microsoft.com/office/drawing/2014/main" id="{DB17E863-922E-4C26-BD64-E8FD41D28661}"/>
+              </a:ext>
+              <a:ext uri="{C183D7F6-B498-43B3-948B-1728B52AA6E4}">
+                <adec:decorative xmlns:adec="http://schemas.microsoft.com/office/drawing/2017/decorative" val="1"/>
+              </a:ext>
+            </a:extLst>
+          </p:cNvPr>
+          <p:cNvSpPr>
+            <a:spLocks noGrp="1" noRot="1" noChangeAspect="1" noMove="1" noResize="1" noEditPoints="1" noAdjustHandles="1" noChangeArrowheads="1" noChangeShapeType="1" noTextEdit="1"/>
+          </p:cNvSpPr>
+          <p:nvPr>
+            <p:extLst>
+              <p:ext uri="{386F3935-93C4-4BCD-93E2-E3B085C9AB24}">
+                <p16:designElem xmlns:p16="http://schemas.microsoft.com/office/powerpoint/2015/main" val="1"/>
+              </p:ext>
+            </p:extLst>
+          </p:nvPr>
+        </p:nvSpPr>
+        <p:spPr>
+          <a:xfrm>
+            <a:off x="669036" y="1677373"/>
+            <a:ext cx="10853928" cy="18288"/>
+          </a:xfrm>
+          <a:custGeom>
+            <a:avLst/>
+            <a:gdLst>
+              <a:gd name="connsiteX0" fmla="*/ 0 w 10853928"/>
+              <a:gd name="connsiteY0" fmla="*/ 0 h 18288"/>
+              <a:gd name="connsiteX1" fmla="*/ 461292 w 10853928"/>
+              <a:gd name="connsiteY1" fmla="*/ 0 h 18288"/>
+              <a:gd name="connsiteX2" fmla="*/ 1139662 w 10853928"/>
+              <a:gd name="connsiteY2" fmla="*/ 0 h 18288"/>
+              <a:gd name="connsiteX3" fmla="*/ 1926572 w 10853928"/>
+              <a:gd name="connsiteY3" fmla="*/ 0 h 18288"/>
+              <a:gd name="connsiteX4" fmla="*/ 2279325 w 10853928"/>
+              <a:gd name="connsiteY4" fmla="*/ 0 h 18288"/>
+              <a:gd name="connsiteX5" fmla="*/ 2632078 w 10853928"/>
+              <a:gd name="connsiteY5" fmla="*/ 0 h 18288"/>
+              <a:gd name="connsiteX6" fmla="*/ 3527527 w 10853928"/>
+              <a:gd name="connsiteY6" fmla="*/ 0 h 18288"/>
+              <a:gd name="connsiteX7" fmla="*/ 4205897 w 10853928"/>
+              <a:gd name="connsiteY7" fmla="*/ 0 h 18288"/>
+              <a:gd name="connsiteX8" fmla="*/ 4558650 w 10853928"/>
+              <a:gd name="connsiteY8" fmla="*/ 0 h 18288"/>
+              <a:gd name="connsiteX9" fmla="*/ 5237020 w 10853928"/>
+              <a:gd name="connsiteY9" fmla="*/ 0 h 18288"/>
+              <a:gd name="connsiteX10" fmla="*/ 6132469 w 10853928"/>
+              <a:gd name="connsiteY10" fmla="*/ 0 h 18288"/>
+              <a:gd name="connsiteX11" fmla="*/ 6702301 w 10853928"/>
+              <a:gd name="connsiteY11" fmla="*/ 0 h 18288"/>
+              <a:gd name="connsiteX12" fmla="*/ 7272132 w 10853928"/>
+              <a:gd name="connsiteY12" fmla="*/ 0 h 18288"/>
+              <a:gd name="connsiteX13" fmla="*/ 7950502 w 10853928"/>
+              <a:gd name="connsiteY13" fmla="*/ 0 h 18288"/>
+              <a:gd name="connsiteX14" fmla="*/ 8737412 w 10853928"/>
+              <a:gd name="connsiteY14" fmla="*/ 0 h 18288"/>
+              <a:gd name="connsiteX15" fmla="*/ 9524322 w 10853928"/>
+              <a:gd name="connsiteY15" fmla="*/ 0 h 18288"/>
+              <a:gd name="connsiteX16" fmla="*/ 10853928 w 10853928"/>
+              <a:gd name="connsiteY16" fmla="*/ 0 h 18288"/>
+              <a:gd name="connsiteX17" fmla="*/ 10853928 w 10853928"/>
+              <a:gd name="connsiteY17" fmla="*/ 18288 h 18288"/>
+              <a:gd name="connsiteX18" fmla="*/ 10392636 w 10853928"/>
+              <a:gd name="connsiteY18" fmla="*/ 18288 h 18288"/>
+              <a:gd name="connsiteX19" fmla="*/ 9497187 w 10853928"/>
+              <a:gd name="connsiteY19" fmla="*/ 18288 h 18288"/>
+              <a:gd name="connsiteX20" fmla="*/ 8818817 w 10853928"/>
+              <a:gd name="connsiteY20" fmla="*/ 18288 h 18288"/>
+              <a:gd name="connsiteX21" fmla="*/ 8466064 w 10853928"/>
+              <a:gd name="connsiteY21" fmla="*/ 18288 h 18288"/>
+              <a:gd name="connsiteX22" fmla="*/ 7787693 w 10853928"/>
+              <a:gd name="connsiteY22" fmla="*/ 18288 h 18288"/>
+              <a:gd name="connsiteX23" fmla="*/ 7217862 w 10853928"/>
+              <a:gd name="connsiteY23" fmla="*/ 18288 h 18288"/>
+              <a:gd name="connsiteX24" fmla="*/ 6648031 w 10853928"/>
+              <a:gd name="connsiteY24" fmla="*/ 18288 h 18288"/>
+              <a:gd name="connsiteX25" fmla="*/ 6078200 w 10853928"/>
+              <a:gd name="connsiteY25" fmla="*/ 18288 h 18288"/>
+              <a:gd name="connsiteX26" fmla="*/ 5508368 w 10853928"/>
+              <a:gd name="connsiteY26" fmla="*/ 18288 h 18288"/>
+              <a:gd name="connsiteX27" fmla="*/ 4721459 w 10853928"/>
+              <a:gd name="connsiteY27" fmla="*/ 18288 h 18288"/>
+              <a:gd name="connsiteX28" fmla="*/ 4043088 w 10853928"/>
+              <a:gd name="connsiteY28" fmla="*/ 18288 h 18288"/>
+              <a:gd name="connsiteX29" fmla="*/ 3690336 w 10853928"/>
+              <a:gd name="connsiteY29" fmla="*/ 18288 h 18288"/>
+              <a:gd name="connsiteX30" fmla="*/ 3120504 w 10853928"/>
+              <a:gd name="connsiteY30" fmla="*/ 18288 h 18288"/>
+              <a:gd name="connsiteX31" fmla="*/ 2333595 w 10853928"/>
+              <a:gd name="connsiteY31" fmla="*/ 18288 h 18288"/>
+              <a:gd name="connsiteX32" fmla="*/ 1872303 w 10853928"/>
+              <a:gd name="connsiteY32" fmla="*/ 18288 h 18288"/>
+              <a:gd name="connsiteX33" fmla="*/ 976854 w 10853928"/>
+              <a:gd name="connsiteY33" fmla="*/ 18288 h 18288"/>
+              <a:gd name="connsiteX34" fmla="*/ 0 w 10853928"/>
+              <a:gd name="connsiteY34" fmla="*/ 18288 h 18288"/>
+              <a:gd name="connsiteX35" fmla="*/ 0 w 10853928"/>
+              <a:gd name="connsiteY35" fmla="*/ 0 h 18288"/>
+            </a:gdLst>
+            <a:ahLst/>
+            <a:cxnLst>
+              <a:cxn ang="0">
+                <a:pos x="connsiteX0" y="connsiteY0"/>
+              </a:cxn>
+              <a:cxn ang="0">
+                <a:pos x="connsiteX1" y="connsiteY1"/>
+              </a:cxn>
+              <a:cxn ang="0">
+                <a:pos x="connsiteX2" y="connsiteY2"/>
+              </a:cxn>
+              <a:cxn ang="0">
+                <a:pos x="connsiteX3" y="connsiteY3"/>
+              </a:cxn>
+              <a:cxn ang="0">
+                <a:pos x="connsiteX4" y="connsiteY4"/>
+              </a:cxn>
+              <a:cxn ang="0">
+                <a:pos x="connsiteX5" y="connsiteY5"/>
+              </a:cxn>
+              <a:cxn ang="0">
+                <a:pos x="connsiteX6" y="connsiteY6"/>
+              </a:cxn>
+              <a:cxn ang="0">
+                <a:pos x="connsiteX7" y="connsiteY7"/>
+              </a:cxn>
+              <a:cxn ang="0">
+                <a:pos x="connsiteX8" y="connsiteY8"/>
+              </a:cxn>
+              <a:cxn ang="0">
+                <a:pos x="connsiteX9" y="connsiteY9"/>
+              </a:cxn>
+              <a:cxn ang="0">
+                <a:pos x="connsiteX10" y="connsiteY10"/>
+              </a:cxn>
+              <a:cxn ang="0">
+                <a:pos x="connsiteX11" y="connsiteY11"/>
+              </a:cxn>
+              <a:cxn ang="0">
+                <a:pos x="connsiteX12" y="connsiteY12"/>
+              </a:cxn>
+              <a:cxn ang="0">
+                <a:pos x="connsiteX13" y="connsiteY13"/>
+              </a:cxn>
+              <a:cxn ang="0">
+                <a:pos x="connsiteX14" y="connsiteY14"/>
+              </a:cxn>
+              <a:cxn ang="0">
+                <a:pos x="connsiteX15" y="connsiteY15"/>
+              </a:cxn>
+              <a:cxn ang="0">
+                <a:pos x="connsiteX16" y="connsiteY16"/>
+              </a:cxn>
+              <a:cxn ang="0">
+                <a:pos x="connsiteX17" y="connsiteY17"/>
+              </a:cxn>
+              <a:cxn ang="0">
+                <a:pos x="connsiteX18" y="connsiteY18"/>
+              </a:cxn>
+              <a:cxn ang="0">
+                <a:pos x="connsiteX19" y="connsiteY19"/>
+              </a:cxn>
+              <a:cxn ang="0">
+                <a:pos x="connsiteX20" y="connsiteY20"/>
+              </a:cxn>
+              <a:cxn ang="0">
+                <a:pos x="connsiteX21" y="connsiteY21"/>
+              </a:cxn>
+              <a:cxn ang="0">
+                <a:pos x="connsiteX22" y="connsiteY22"/>
+              </a:cxn>
+              <a:cxn ang="0">
+                <a:pos x="connsiteX23" y="connsiteY23"/>
+              </a:cxn>
+              <a:cxn ang="0">
+                <a:pos x="connsiteX24" y="connsiteY24"/>
+              </a:cxn>
+              <a:cxn ang="0">
+                <a:pos x="connsiteX25" y="connsiteY25"/>
+              </a:cxn>
+              <a:cxn ang="0">
+                <a:pos x="connsiteX26" y="connsiteY26"/>
+              </a:cxn>
+              <a:cxn ang="0">
+                <a:pos x="connsiteX27" y="connsiteY27"/>
+              </a:cxn>
+              <a:cxn ang="0">
+                <a:pos x="connsiteX28" y="connsiteY28"/>
+              </a:cxn>
+              <a:cxn ang="0">
+                <a:pos x="connsiteX29" y="connsiteY29"/>
+              </a:cxn>
+              <a:cxn ang="0">
+                <a:pos x="connsiteX30" y="connsiteY30"/>
+              </a:cxn>
+              <a:cxn ang="0">
+                <a:pos x="connsiteX31" y="connsiteY31"/>
+              </a:cxn>
+              <a:cxn ang="0">
+                <a:pos x="connsiteX32" y="connsiteY32"/>
+              </a:cxn>
+              <a:cxn ang="0">
+                <a:pos x="connsiteX33" y="connsiteY33"/>
+              </a:cxn>
+              <a:cxn ang="0">
+                <a:pos x="connsiteX34" y="connsiteY34"/>
+              </a:cxn>
+              <a:cxn ang="0">
+                <a:pos x="connsiteX35" y="connsiteY35"/>
+              </a:cxn>
+            </a:cxnLst>
+            <a:rect l="l" t="t" r="r" b="b"/>
+            <a:pathLst>
+              <a:path w="10853928" h="18288" fill="none" extrusionOk="0">
+                <a:moveTo>
+                  <a:pt x="0" y="0"/>
+                </a:moveTo>
+                <a:cubicBezTo>
+                  <a:pt x="146993" y="-19076"/>
+                  <a:pt x="347684" y="-4790"/>
+                  <a:pt x="461292" y="0"/>
+                </a:cubicBezTo>
+                <a:cubicBezTo>
+                  <a:pt x="574900" y="4790"/>
+                  <a:pt x="808367" y="19821"/>
+                  <a:pt x="1139662" y="0"/>
+                </a:cubicBezTo>
+                <a:cubicBezTo>
+                  <a:pt x="1470957" y="-19821"/>
+                  <a:pt x="1627405" y="5721"/>
+                  <a:pt x="1926572" y="0"/>
+                </a:cubicBezTo>
+                <a:cubicBezTo>
+                  <a:pt x="2225739" y="-5721"/>
+                  <a:pt x="2137730" y="-3235"/>
+                  <a:pt x="2279325" y="0"/>
+                </a:cubicBezTo>
+                <a:cubicBezTo>
+                  <a:pt x="2420920" y="3235"/>
+                  <a:pt x="2456518" y="9685"/>
+                  <a:pt x="2632078" y="0"/>
+                </a:cubicBezTo>
+                <a:cubicBezTo>
+                  <a:pt x="2807638" y="-9685"/>
+                  <a:pt x="3211516" y="-43007"/>
+                  <a:pt x="3527527" y="0"/>
+                </a:cubicBezTo>
+                <a:cubicBezTo>
+                  <a:pt x="3843538" y="43007"/>
+                  <a:pt x="4058833" y="22042"/>
+                  <a:pt x="4205897" y="0"/>
+                </a:cubicBezTo>
+                <a:cubicBezTo>
+                  <a:pt x="4352961" y="-22042"/>
+                  <a:pt x="4474805" y="-11846"/>
+                  <a:pt x="4558650" y="0"/>
+                </a:cubicBezTo>
+                <a:cubicBezTo>
+                  <a:pt x="4642495" y="11846"/>
+                  <a:pt x="5041928" y="-6069"/>
+                  <a:pt x="5237020" y="0"/>
+                </a:cubicBezTo>
+                <a:cubicBezTo>
+                  <a:pt x="5432112" y="6069"/>
+                  <a:pt x="5943266" y="-17479"/>
+                  <a:pt x="6132469" y="0"/>
+                </a:cubicBezTo>
+                <a:cubicBezTo>
+                  <a:pt x="6321672" y="17479"/>
+                  <a:pt x="6483872" y="26234"/>
+                  <a:pt x="6702301" y="0"/>
+                </a:cubicBezTo>
+                <a:cubicBezTo>
+                  <a:pt x="6920730" y="-26234"/>
+                  <a:pt x="6991194" y="-15156"/>
+                  <a:pt x="7272132" y="0"/>
+                </a:cubicBezTo>
+                <a:cubicBezTo>
+                  <a:pt x="7553070" y="15156"/>
+                  <a:pt x="7684444" y="-32961"/>
+                  <a:pt x="7950502" y="0"/>
+                </a:cubicBezTo>
+                <a:cubicBezTo>
+                  <a:pt x="8216560" y="32961"/>
+                  <a:pt x="8493290" y="-10491"/>
+                  <a:pt x="8737412" y="0"/>
+                </a:cubicBezTo>
+                <a:cubicBezTo>
+                  <a:pt x="8981534" y="10491"/>
+                  <a:pt x="9191586" y="-13899"/>
+                  <a:pt x="9524322" y="0"/>
+                </a:cubicBezTo>
+                <a:cubicBezTo>
+                  <a:pt x="9857058" y="13899"/>
+                  <a:pt x="10297509" y="7485"/>
+                  <a:pt x="10853928" y="0"/>
+                </a:cubicBezTo>
+                <a:cubicBezTo>
+                  <a:pt x="10854574" y="4451"/>
+                  <a:pt x="10854418" y="9226"/>
+                  <a:pt x="10853928" y="18288"/>
+                </a:cubicBezTo>
+                <a:cubicBezTo>
+                  <a:pt x="10691638" y="28522"/>
+                  <a:pt x="10574319" y="29578"/>
+                  <a:pt x="10392636" y="18288"/>
+                </a:cubicBezTo>
+                <a:cubicBezTo>
+                  <a:pt x="10210953" y="6998"/>
+                  <a:pt x="9836277" y="-16742"/>
+                  <a:pt x="9497187" y="18288"/>
+                </a:cubicBezTo>
+                <a:cubicBezTo>
+                  <a:pt x="9158097" y="53318"/>
+                  <a:pt x="9119479" y="30714"/>
+                  <a:pt x="8818817" y="18288"/>
+                </a:cubicBezTo>
+                <a:cubicBezTo>
+                  <a:pt x="8518155" y="5863"/>
+                  <a:pt x="8640037" y="6483"/>
+                  <a:pt x="8466064" y="18288"/>
+                </a:cubicBezTo>
+                <a:cubicBezTo>
+                  <a:pt x="8292091" y="30093"/>
+                  <a:pt x="7997656" y="18914"/>
+                  <a:pt x="7787693" y="18288"/>
+                </a:cubicBezTo>
+                <a:cubicBezTo>
+                  <a:pt x="7577730" y="17662"/>
+                  <a:pt x="7412468" y="21416"/>
+                  <a:pt x="7217862" y="18288"/>
+                </a:cubicBezTo>
+                <a:cubicBezTo>
+                  <a:pt x="7023256" y="15160"/>
+                  <a:pt x="6898018" y="14824"/>
+                  <a:pt x="6648031" y="18288"/>
+                </a:cubicBezTo>
+                <a:cubicBezTo>
+                  <a:pt x="6398044" y="21752"/>
+                  <a:pt x="6254402" y="38625"/>
+                  <a:pt x="6078200" y="18288"/>
+                </a:cubicBezTo>
+                <a:cubicBezTo>
+                  <a:pt x="5901998" y="-2049"/>
+                  <a:pt x="5622886" y="3213"/>
+                  <a:pt x="5508368" y="18288"/>
+                </a:cubicBezTo>
+                <a:cubicBezTo>
+                  <a:pt x="5393850" y="33363"/>
+                  <a:pt x="5036260" y="26830"/>
+                  <a:pt x="4721459" y="18288"/>
+                </a:cubicBezTo>
+                <a:cubicBezTo>
+                  <a:pt x="4406658" y="9746"/>
+                  <a:pt x="4239221" y="41551"/>
+                  <a:pt x="4043088" y="18288"/>
+                </a:cubicBezTo>
+                <a:cubicBezTo>
+                  <a:pt x="3846955" y="-4975"/>
+                  <a:pt x="3818802" y="34658"/>
+                  <a:pt x="3690336" y="18288"/>
+                </a:cubicBezTo>
+                <a:cubicBezTo>
+                  <a:pt x="3561870" y="1918"/>
+                  <a:pt x="3265491" y="42194"/>
+                  <a:pt x="3120504" y="18288"/>
+                </a:cubicBezTo>
+                <a:cubicBezTo>
+                  <a:pt x="2975517" y="-5618"/>
+                  <a:pt x="2720254" y="36673"/>
+                  <a:pt x="2333595" y="18288"/>
+                </a:cubicBezTo>
+                <a:cubicBezTo>
+                  <a:pt x="1946936" y="-97"/>
+                  <a:pt x="2097241" y="5776"/>
+                  <a:pt x="1872303" y="18288"/>
+                </a:cubicBezTo>
+                <a:cubicBezTo>
+                  <a:pt x="1647365" y="30800"/>
+                  <a:pt x="1282708" y="45380"/>
+                  <a:pt x="976854" y="18288"/>
+                </a:cubicBezTo>
+                <a:cubicBezTo>
+                  <a:pt x="671000" y="-8804"/>
+                  <a:pt x="408401" y="-12775"/>
+                  <a:pt x="0" y="18288"/>
+                </a:cubicBezTo>
+                <a:cubicBezTo>
+                  <a:pt x="-213" y="9468"/>
+                  <a:pt x="187" y="4459"/>
+                  <a:pt x="0" y="0"/>
+                </a:cubicBezTo>
+                <a:close/>
+              </a:path>
+              <a:path w="10853928" h="18288" stroke="0" extrusionOk="0">
+                <a:moveTo>
+                  <a:pt x="0" y="0"/>
+                </a:moveTo>
+                <a:cubicBezTo>
+                  <a:pt x="267322" y="15284"/>
+                  <a:pt x="415388" y="-21048"/>
+                  <a:pt x="569831" y="0"/>
+                </a:cubicBezTo>
+                <a:cubicBezTo>
+                  <a:pt x="724274" y="21048"/>
+                  <a:pt x="769333" y="-2353"/>
+                  <a:pt x="922584" y="0"/>
+                </a:cubicBezTo>
+                <a:cubicBezTo>
+                  <a:pt x="1075835" y="2353"/>
+                  <a:pt x="1399490" y="-145"/>
+                  <a:pt x="1818033" y="0"/>
+                </a:cubicBezTo>
+                <a:cubicBezTo>
+                  <a:pt x="2236576" y="145"/>
+                  <a:pt x="2145330" y="5482"/>
+                  <a:pt x="2387864" y="0"/>
+                </a:cubicBezTo>
+                <a:cubicBezTo>
+                  <a:pt x="2630398" y="-5482"/>
+                  <a:pt x="2793207" y="18487"/>
+                  <a:pt x="2957695" y="0"/>
+                </a:cubicBezTo>
+                <a:cubicBezTo>
+                  <a:pt x="3122183" y="-18487"/>
+                  <a:pt x="3579141" y="19003"/>
+                  <a:pt x="3853144" y="0"/>
+                </a:cubicBezTo>
+                <a:cubicBezTo>
+                  <a:pt x="4127147" y="-19003"/>
+                  <a:pt x="4209857" y="12211"/>
+                  <a:pt x="4314436" y="0"/>
+                </a:cubicBezTo>
+                <a:cubicBezTo>
+                  <a:pt x="4419015" y="-12211"/>
+                  <a:pt x="4762459" y="-17220"/>
+                  <a:pt x="5209885" y="0"/>
+                </a:cubicBezTo>
+                <a:cubicBezTo>
+                  <a:pt x="5657311" y="17220"/>
+                  <a:pt x="5692663" y="-3290"/>
+                  <a:pt x="6105335" y="0"/>
+                </a:cubicBezTo>
+                <a:cubicBezTo>
+                  <a:pt x="6518007" y="3290"/>
+                  <a:pt x="6455516" y="-5124"/>
+                  <a:pt x="6783705" y="0"/>
+                </a:cubicBezTo>
+                <a:cubicBezTo>
+                  <a:pt x="7111894" y="5124"/>
+                  <a:pt x="7441941" y="-17829"/>
+                  <a:pt x="7679154" y="0"/>
+                </a:cubicBezTo>
+                <a:cubicBezTo>
+                  <a:pt x="7916367" y="17829"/>
+                  <a:pt x="8102967" y="-24363"/>
+                  <a:pt x="8248985" y="0"/>
+                </a:cubicBezTo>
+                <a:cubicBezTo>
+                  <a:pt x="8395003" y="24363"/>
+                  <a:pt x="8552393" y="25505"/>
+                  <a:pt x="8818817" y="0"/>
+                </a:cubicBezTo>
+                <a:cubicBezTo>
+                  <a:pt x="9085241" y="-25505"/>
+                  <a:pt x="9411308" y="38000"/>
+                  <a:pt x="9605726" y="0"/>
+                </a:cubicBezTo>
+                <a:cubicBezTo>
+                  <a:pt x="9800144" y="-38000"/>
+                  <a:pt x="10006468" y="-25741"/>
+                  <a:pt x="10175558" y="0"/>
+                </a:cubicBezTo>
+                <a:cubicBezTo>
+                  <a:pt x="10344648" y="25741"/>
+                  <a:pt x="10696282" y="695"/>
+                  <a:pt x="10853928" y="0"/>
+                </a:cubicBezTo>
+                <a:cubicBezTo>
+                  <a:pt x="10853521" y="8690"/>
+                  <a:pt x="10853774" y="14141"/>
+                  <a:pt x="10853928" y="18288"/>
+                </a:cubicBezTo>
+                <a:cubicBezTo>
+                  <a:pt x="10608124" y="24255"/>
+                  <a:pt x="10343415" y="22307"/>
+                  <a:pt x="10067018" y="18288"/>
+                </a:cubicBezTo>
+                <a:cubicBezTo>
+                  <a:pt x="9790621" y="14270"/>
+                  <a:pt x="9843266" y="3564"/>
+                  <a:pt x="9714266" y="18288"/>
+                </a:cubicBezTo>
+                <a:cubicBezTo>
+                  <a:pt x="9585266" y="33012"/>
+                  <a:pt x="9379484" y="1875"/>
+                  <a:pt x="9252974" y="18288"/>
+                </a:cubicBezTo>
+                <a:cubicBezTo>
+                  <a:pt x="9126464" y="34701"/>
+                  <a:pt x="8580678" y="-4904"/>
+                  <a:pt x="8357525" y="18288"/>
+                </a:cubicBezTo>
+                <a:cubicBezTo>
+                  <a:pt x="8134372" y="41480"/>
+                  <a:pt x="7903199" y="26458"/>
+                  <a:pt x="7679154" y="18288"/>
+                </a:cubicBezTo>
+                <a:cubicBezTo>
+                  <a:pt x="7455109" y="10118"/>
+                  <a:pt x="7435944" y="27109"/>
+                  <a:pt x="7217862" y="18288"/>
+                </a:cubicBezTo>
+                <a:cubicBezTo>
+                  <a:pt x="6999780" y="9467"/>
+                  <a:pt x="6680409" y="18985"/>
+                  <a:pt x="6539492" y="18288"/>
+                </a:cubicBezTo>
+                <a:cubicBezTo>
+                  <a:pt x="6398575" y="17592"/>
+                  <a:pt x="6312077" y="33018"/>
+                  <a:pt x="6186739" y="18288"/>
+                </a:cubicBezTo>
+                <a:cubicBezTo>
+                  <a:pt x="6061401" y="3558"/>
+                  <a:pt x="5947033" y="12075"/>
+                  <a:pt x="5833986" y="18288"/>
+                </a:cubicBezTo>
+                <a:cubicBezTo>
+                  <a:pt x="5720939" y="24501"/>
+                  <a:pt x="5482226" y="8586"/>
+                  <a:pt x="5155616" y="18288"/>
+                </a:cubicBezTo>
+                <a:cubicBezTo>
+                  <a:pt x="4829006" y="27991"/>
+                  <a:pt x="4841274" y="29316"/>
+                  <a:pt x="4694324" y="18288"/>
+                </a:cubicBezTo>
+                <a:cubicBezTo>
+                  <a:pt x="4547374" y="7260"/>
+                  <a:pt x="4077675" y="7013"/>
+                  <a:pt x="3907414" y="18288"/>
+                </a:cubicBezTo>
+                <a:cubicBezTo>
+                  <a:pt x="3737153" y="29564"/>
+                  <a:pt x="3538393" y="21630"/>
+                  <a:pt x="3446122" y="18288"/>
+                </a:cubicBezTo>
+                <a:cubicBezTo>
+                  <a:pt x="3353851" y="14946"/>
+                  <a:pt x="2990320" y="-8091"/>
+                  <a:pt x="2659212" y="18288"/>
+                </a:cubicBezTo>
+                <a:cubicBezTo>
+                  <a:pt x="2328104" y="44667"/>
+                  <a:pt x="2427653" y="9607"/>
+                  <a:pt x="2306460" y="18288"/>
+                </a:cubicBezTo>
+                <a:cubicBezTo>
+                  <a:pt x="2185267" y="26969"/>
+                  <a:pt x="1719763" y="3717"/>
+                  <a:pt x="1519550" y="18288"/>
+                </a:cubicBezTo>
+                <a:cubicBezTo>
+                  <a:pt x="1319337" y="32860"/>
+                  <a:pt x="1167371" y="17040"/>
+                  <a:pt x="1058258" y="18288"/>
+                </a:cubicBezTo>
+                <a:cubicBezTo>
+                  <a:pt x="949145" y="19536"/>
+                  <a:pt x="780234" y="31447"/>
+                  <a:pt x="705505" y="18288"/>
+                </a:cubicBezTo>
+                <a:cubicBezTo>
+                  <a:pt x="630776" y="5129"/>
+                  <a:pt x="215796" y="30056"/>
+                  <a:pt x="0" y="18288"/>
+                </a:cubicBezTo>
+                <a:cubicBezTo>
+                  <a:pt x="-53" y="11301"/>
+                  <a:pt x="-649" y="7756"/>
+                  <a:pt x="0" y="0"/>
+                </a:cubicBezTo>
+                <a:close/>
+              </a:path>
+            </a:pathLst>
+          </a:custGeom>
+          <a:solidFill>
+            <a:schemeClr val="accent2"/>
+          </a:solidFill>
+          <a:ln w="41275" cap="rnd">
+            <a:solidFill>
+              <a:schemeClr val="accent2"/>
+            </a:solidFill>
+            <a:round/>
+            <a:extLst>
+              <a:ext uri="{C807C97D-BFC1-408E-A445-0C87EB9F89A2}">
+                <ask:lineSketchStyleProps xmlns:ask="http://schemas.microsoft.com/office/drawing/2018/sketchyshapes" sd="1219033472">
+                  <a:prstGeom prst="rect">
+                    <a:avLst/>
+                  </a:prstGeom>
+                  <ask:type>
+                    <ask:lineSketchFreehand/>
+                  </ask:type>
+                </ask:lineSketchStyleProps>
+              </a:ext>
+            </a:extLst>
+          </a:ln>
+        </p:spPr>
+        <p:style>
+          <a:lnRef idx="2">
+            <a:schemeClr val="accent1">
+              <a:shade val="50000"/>
+            </a:schemeClr>
+          </a:lnRef>
+          <a:fillRef idx="1">
+            <a:schemeClr val="accent1"/>
+          </a:fillRef>
+          <a:effectRef idx="0">
+            <a:schemeClr val="accent1"/>
+          </a:effectRef>
+          <a:fontRef idx="minor">
+            <a:schemeClr val="lt1"/>
+          </a:fontRef>
+        </p:style>
+        <p:txBody>
+          <a:bodyPr rtlCol="0" anchor="ctr"/>
+          <a:lstStyle/>
+          <a:p>
+            <a:pPr marL="0" marR="0" lvl="0" indent="0" algn="ctr" defTabSz="914400" rtl="0" eaLnBrk="1" fontAlgn="auto" latinLnBrk="0" hangingPunct="1">
+              <a:lnSpc>
+                <a:spcPct val="100000"/>
+              </a:lnSpc>
+              <a:spcBef>
+                <a:spcPts val="0"/>
+              </a:spcBef>
+              <a:spcAft>
+                <a:spcPts val="0"/>
+              </a:spcAft>
+              <a:buClrTx/>
+              <a:buSzTx/>
+              <a:buFontTx/>
+              <a:buNone/>
+              <a:tabLst/>
+              <a:defRPr/>
+            </a:pPr>
+            <a:endParaRPr kumimoji="0" lang="en-US" sz="1800" b="0" i="0" u="none" strike="noStrike" kern="1200" cap="none" spc="0" normalizeH="0" baseline="0" noProof="0">
+              <a:ln>
+                <a:noFill/>
+              </a:ln>
+              <a:solidFill>
+                <a:prstClr val="white"/>
+              </a:solidFill>
+              <a:effectLst/>
+              <a:uLnTx/>
+              <a:uFillTx/>
+              <a:latin typeface="Calibri" panose="020F0502020204030204"/>
+              <a:ea typeface="+mn-ea"/>
+              <a:cs typeface="+mn-cs"/>
+            </a:endParaRPr>
+          </a:p>
+        </p:txBody>
+      </p:sp>
+      <p:sp>
+        <p:nvSpPr>
+          <p:cNvPr id="3" name="Content Placeholder 2">
+            <a:extLst>
+              <a:ext uri="{FF2B5EF4-FFF2-40B4-BE49-F238E27FC236}">
+                <a16:creationId xmlns:a16="http://schemas.microsoft.com/office/drawing/2014/main" id="{E612B995-3E62-42AD-A75D-5541C4EE1278}"/>
+              </a:ext>
+            </a:extLst>
+          </p:cNvPr>
+          <p:cNvSpPr>
+            <a:spLocks noGrp="1"/>
+          </p:cNvSpPr>
+          <p:nvPr>
+            <p:ph idx="1"/>
+          </p:nvPr>
+        </p:nvSpPr>
+        <p:spPr>
+          <a:xfrm>
+            <a:off x="838200" y="1929384"/>
+            <a:ext cx="10515600" cy="4251960"/>
+          </a:xfrm>
+        </p:spPr>
+        <p:txBody>
+          <a:bodyPr>
+            <a:normAutofit/>
+          </a:bodyPr>
+          <a:lstStyle/>
+          <a:p>
+            <a:pPr marL="0" indent="0">
+              <a:buNone/>
+            </a:pPr>
+            <a:r>
+              <a:rPr lang="en-US" sz="2200" dirty="0"/>
+              <a:t>Purchases  = 708.81 + 329.96 (# of employees) + 449.35 (satisfaction rating) – 317.39 (if a rural location) </a:t>
+            </a:r>
+          </a:p>
+          <a:p>
+            <a:pPr marL="0" indent="0">
+              <a:buNone/>
+            </a:pPr>
+            <a:endParaRPr lang="en-US" sz="2200" dirty="0"/>
+          </a:p>
+          <a:p>
+            <a:pPr marL="0" indent="0">
+              <a:buNone/>
+            </a:pPr>
+            <a:r>
+              <a:rPr lang="en-US" sz="2200" dirty="0"/>
+              <a:t>The estimate for a customer with the same situation as the preceding customer but in a rural location: </a:t>
+            </a:r>
+          </a:p>
+          <a:p>
+            <a:pPr marL="0" indent="0">
+              <a:buNone/>
+            </a:pPr>
+            <a:endParaRPr lang="en-US" sz="2200" dirty="0"/>
+          </a:p>
+          <a:p>
+            <a:pPr marL="0" indent="0">
+              <a:buNone/>
+            </a:pPr>
+            <a:r>
+              <a:rPr lang="en-US" sz="2200" dirty="0"/>
+              <a:t>708.81 + 329.96 (15) + 449.35 (9) - 317.39 (1) = $9,384.96 monthly purchases</a:t>
+            </a:r>
+          </a:p>
+        </p:txBody>
+      </p:sp>
+      <p:sp>
+        <p:nvSpPr>
+          <p:cNvPr id="4" name="Footer Placeholder 3">
+            <a:extLst>
+              <a:ext uri="{FF2B5EF4-FFF2-40B4-BE49-F238E27FC236}">
+                <a16:creationId xmlns:a16="http://schemas.microsoft.com/office/drawing/2014/main" id="{01DC7843-BB94-42AB-B665-6417B43DE111}"/>
+              </a:ext>
+            </a:extLst>
+          </p:cNvPr>
+          <p:cNvSpPr>
+            <a:spLocks noGrp="1"/>
+          </p:cNvSpPr>
+          <p:nvPr>
+            <p:ph type="ftr" sz="quarter" idx="11"/>
+          </p:nvPr>
+        </p:nvSpPr>
+        <p:spPr>
+          <a:xfrm>
+            <a:off x="4038600" y="6356350"/>
+            <a:ext cx="4114800" cy="365125"/>
+          </a:xfrm>
+        </p:spPr>
+        <p:txBody>
+          <a:bodyPr>
+            <a:normAutofit/>
+          </a:bodyPr>
+          <a:lstStyle/>
+          <a:p>
+            <a:pPr marL="0" marR="0" lvl="0" indent="0" algn="ctr" defTabSz="914400" rtl="0" eaLnBrk="1" fontAlgn="auto" latinLnBrk="0" hangingPunct="1">
+              <a:lnSpc>
+                <a:spcPct val="100000"/>
+              </a:lnSpc>
+              <a:spcBef>
+                <a:spcPts val="0"/>
+              </a:spcBef>
+              <a:spcAft>
+                <a:spcPts val="600"/>
+              </a:spcAft>
+              <a:buClrTx/>
+              <a:buSzTx/>
+              <a:buFontTx/>
+              <a:buNone/>
+              <a:tabLst/>
+              <a:defRPr/>
+            </a:pPr>
+            <a:r>
+              <a:rPr kumimoji="0" lang="en-US" sz="1200" b="0" i="0" u="none" strike="noStrike" kern="1200" cap="none" spc="0" normalizeH="0" baseline="0" noProof="0">
+                <a:ln>
+                  <a:noFill/>
+                </a:ln>
+                <a:solidFill>
+                  <a:prstClr val="black">
+                    <a:tint val="75000"/>
+                  </a:prstClr>
+                </a:solidFill>
+                <a:effectLst/>
+                <a:uLnTx/>
+                <a:uFillTx/>
+                <a:latin typeface="Calibri" panose="020F0502020204030204"/>
+                <a:ea typeface="+mn-ea"/>
+                <a:cs typeface="+mn-cs"/>
+              </a:rPr>
+              <a:t>Mike Nguyen</a:t>
+            </a:r>
+          </a:p>
+        </p:txBody>
+      </p:sp>
+      <p:sp>
+        <p:nvSpPr>
+          <p:cNvPr id="5" name="Slide Number Placeholder 4">
+            <a:extLst>
+              <a:ext uri="{FF2B5EF4-FFF2-40B4-BE49-F238E27FC236}">
+                <a16:creationId xmlns:a16="http://schemas.microsoft.com/office/drawing/2014/main" id="{66964E36-7475-4700-BAE9-79A897F8E3DA}"/>
+              </a:ext>
+            </a:extLst>
+          </p:cNvPr>
+          <p:cNvSpPr>
+            <a:spLocks noGrp="1"/>
+          </p:cNvSpPr>
+          <p:nvPr>
+            <p:ph type="sldNum" sz="quarter" idx="12"/>
+          </p:nvPr>
+        </p:nvSpPr>
+        <p:spPr>
+          <a:xfrm>
+            <a:off x="8610600" y="6356350"/>
+            <a:ext cx="2743200" cy="365125"/>
+          </a:xfrm>
+        </p:spPr>
+        <p:txBody>
+          <a:bodyPr>
+            <a:normAutofit/>
+          </a:bodyPr>
+          <a:lstStyle/>
+          <a:p>
+            <a:pPr marL="0" marR="0" lvl="0" indent="0" algn="r" defTabSz="914400" rtl="0" eaLnBrk="1" fontAlgn="auto" latinLnBrk="0" hangingPunct="1">
+              <a:lnSpc>
+                <a:spcPct val="100000"/>
+              </a:lnSpc>
+              <a:spcBef>
+                <a:spcPts val="0"/>
+              </a:spcBef>
+              <a:spcAft>
+                <a:spcPts val="600"/>
+              </a:spcAft>
+              <a:buClrTx/>
+              <a:buSzTx/>
+              <a:buFontTx/>
+              <a:buNone/>
+              <a:tabLst/>
+              <a:defRPr/>
+            </a:pPr>
+            <a:fld id="{A6AF1B4E-90EC-4A51-B6E5-B702C054ECB0}" type="slidenum">
+              <a:rPr kumimoji="0" lang="en-US" sz="1200" b="0" i="0" u="none" strike="noStrike" kern="1200" cap="none" spc="0" normalizeH="0" baseline="0" noProof="0" smtClean="0">
+                <a:ln>
+                  <a:noFill/>
+                </a:ln>
+                <a:solidFill>
+                  <a:prstClr val="black">
+                    <a:tint val="75000"/>
+                  </a:prstClr>
+                </a:solidFill>
+                <a:effectLst/>
+                <a:uLnTx/>
+                <a:uFillTx/>
+                <a:latin typeface="Calibri" panose="020F0502020204030204"/>
+                <a:ea typeface="+mn-ea"/>
+                <a:cs typeface="+mn-cs"/>
+              </a:rPr>
+              <a:pPr marL="0" marR="0" lvl="0" indent="0" algn="r" defTabSz="914400" rtl="0" eaLnBrk="1" fontAlgn="auto" latinLnBrk="0" hangingPunct="1">
+                <a:lnSpc>
+                  <a:spcPct val="100000"/>
+                </a:lnSpc>
+                <a:spcBef>
+                  <a:spcPts val="0"/>
+                </a:spcBef>
+                <a:spcAft>
+                  <a:spcPts val="600"/>
+                </a:spcAft>
+                <a:buClrTx/>
+                <a:buSzTx/>
+                <a:buFontTx/>
+                <a:buNone/>
+                <a:tabLst/>
+                <a:defRPr/>
+              </a:pPr>
+              <a:t>21</a:t>
             </a:fld>
             <a:endParaRPr kumimoji="0" lang="en-US" sz="1200" b="0" i="0" u="none" strike="noStrike" kern="1200" cap="none" spc="0" normalizeH="0" baseline="0" noProof="0">
               <a:ln>
@@ -25246,7 +25750,7 @@
                                         <p:tgtEl>
                                           <p:spTgt spid="3">
                                             <p:txEl>
-                                              <p:charRg st="215" end="292"/>
+                                              <p:pRg st="4" end="4"/>
                                             </p:txEl>
                                           </p:spTgt>
                                         </p:tgtEl>
@@ -25292,7 +25796,7 @@
 </p:sld>
 </file>
 
-<file path=ppt/slides/slide21.xml><?xml version="1.0" encoding="utf-8"?>
+<file path=ppt/slides/slide22.xml><?xml version="1.0" encoding="utf-8"?>
 <p:sld xmlns:a="http://schemas.openxmlformats.org/drawingml/2006/main" xmlns:r="http://schemas.openxmlformats.org/officeDocument/2006/relationships" xmlns:p="http://schemas.openxmlformats.org/presentationml/2006/main">
   <p:cSld>
     <p:spTree>
@@ -25526,7 +26030,7 @@
                 <a:tabLst/>
                 <a:defRPr/>
               </a:pPr>
-              <a:t>21</a:t>
+              <a:t>22</a:t>
             </a:fld>
             <a:endParaRPr kumimoji="0" lang="en-US" sz="1200" b="0" i="0" u="none" strike="noStrike" kern="1200" cap="none" spc="0" normalizeH="0" baseline="0" noProof="0" dirty="0">
               <a:ln>
@@ -26071,7 +26575,7 @@
 </p:sld>
 </file>
 
-<file path=ppt/slides/slide22.xml><?xml version="1.0" encoding="utf-8"?>
+<file path=ppt/slides/slide23.xml><?xml version="1.0" encoding="utf-8"?>
 <p:sld xmlns:a="http://schemas.openxmlformats.org/drawingml/2006/main" xmlns:r="http://schemas.openxmlformats.org/officeDocument/2006/relationships" xmlns:p="http://schemas.openxmlformats.org/presentationml/2006/main">
   <p:cSld>
     <p:bg>
@@ -26649,7 +27153,7 @@
                   <a:spcPts val="600"/>
                 </a:spcAft>
               </a:pPr>
-              <a:t>22</a:t>
+              <a:t>23</a:t>
             </a:fld>
             <a:endParaRPr lang="en-US"/>
           </a:p>
@@ -26747,7 +27251,7 @@
 </p:sld>
 </file>
 
-<file path=ppt/slides/slide23.xml><?xml version="1.0" encoding="utf-8"?>
+<file path=ppt/slides/slide24.xml><?xml version="1.0" encoding="utf-8"?>
 <p:sld xmlns:a="http://schemas.openxmlformats.org/drawingml/2006/main" xmlns:r="http://schemas.openxmlformats.org/officeDocument/2006/relationships" xmlns:p="http://schemas.openxmlformats.org/presentationml/2006/main">
   <p:cSld>
     <p:bg>
@@ -27247,7 +27751,7 @@
 </p:sld>
 </file>
 
-<file path=ppt/slides/slide24.xml><?xml version="1.0" encoding="utf-8"?>
+<file path=ppt/slides/slide25.xml><?xml version="1.0" encoding="utf-8"?>
 <p:sld xmlns:a="http://schemas.openxmlformats.org/drawingml/2006/main" xmlns:r="http://schemas.openxmlformats.org/officeDocument/2006/relationships" xmlns:p="http://schemas.openxmlformats.org/presentationml/2006/main">
   <p:cSld>
     <p:bg>
@@ -27886,7 +28390,7 @@
                   <a:spcPts val="600"/>
                 </a:spcAft>
               </a:pPr>
-              <a:t>24</a:t>
+              <a:t>25</a:t>
             </a:fld>
             <a:endParaRPr lang="en-US"/>
           </a:p>
@@ -27905,7 +28409,7 @@
 </p:sld>
 </file>
 
-<file path=ppt/slides/slide25.xml><?xml version="1.0" encoding="utf-8"?>
+<file path=ppt/slides/slide26.xml><?xml version="1.0" encoding="utf-8"?>
 <p:sld xmlns:a="http://schemas.openxmlformats.org/drawingml/2006/main" xmlns:r="http://schemas.openxmlformats.org/officeDocument/2006/relationships" xmlns:p="http://schemas.openxmlformats.org/presentationml/2006/main">
   <p:cSld>
     <p:bg>
@@ -28563,7 +29067,7 @@
                   <a:spcPts val="600"/>
                 </a:spcAft>
               </a:pPr>
-              <a:t>25</a:t>
+              <a:t>26</a:t>
             </a:fld>
             <a:endParaRPr lang="en-US">
               <a:solidFill>
@@ -28589,7 +29093,7 @@
 </p:sld>
 </file>
 
-<file path=ppt/slides/slide26.xml><?xml version="1.0" encoding="utf-8"?>
+<file path=ppt/slides/slide27.xml><?xml version="1.0" encoding="utf-8"?>
 <p:sld xmlns:a="http://schemas.openxmlformats.org/drawingml/2006/main" xmlns:r="http://schemas.openxmlformats.org/officeDocument/2006/relationships" xmlns:p="http://schemas.openxmlformats.org/presentationml/2006/main">
   <p:cSld>
     <p:bg>
@@ -29173,7 +29677,7 @@
                   <a:spcPts val="600"/>
                 </a:spcAft>
               </a:pPr>
-              <a:t>26</a:t>
+              <a:t>27</a:t>
             </a:fld>
             <a:endParaRPr lang="en-US"/>
           </a:p>
@@ -33377,8 +33881,8 @@
           </a:p>
         </p:txBody>
       </p:sp>
-      <mc:AlternateContent xmlns:mc="http://schemas.openxmlformats.org/markup-compatibility/2006" xmlns:a14="http://schemas.microsoft.com/office/drawing/2010/main">
-        <mc:Choice Requires="a14">
+      <mc:AlternateContent xmlns:mc="http://schemas.openxmlformats.org/markup-compatibility/2006">
+        <mc:Choice xmlns:a14="http://schemas.microsoft.com/office/drawing/2010/main" Requires="a14">
           <p:sp>
             <p:nvSpPr>
               <p:cNvPr id="3" name="Content Placeholder 2">
@@ -33418,6 +33922,7 @@
                 </a:r>
               </a:p>
               <a:p>
+                <a:pPr/>
                 <a14:m>
                   <m:oMath xmlns:m="http://schemas.openxmlformats.org/officeDocument/2006/math">
                     <m:r>
@@ -33464,6 +33969,7 @@
                 </a:r>
               </a:p>
               <a:p>
+                <a:pPr/>
                 <a14:m>
                   <m:oMath xmlns:m="http://schemas.openxmlformats.org/officeDocument/2006/math">
                     <m:r>
@@ -33659,7 +34165,7 @@
             </p:txBody>
           </p:sp>
         </mc:Choice>
-        <mc:Fallback xmlns="">
+        <mc:Fallback>
           <p:sp>
             <p:nvSpPr>
               <p:cNvPr id="3" name="Content Placeholder 2">
@@ -33803,6 +34309,553 @@
 </file>
 
 <file path=ppt/slides/slide8.xml><?xml version="1.0" encoding="utf-8"?>
+<p:sld xmlns:a="http://schemas.openxmlformats.org/drawingml/2006/main" xmlns:r="http://schemas.openxmlformats.org/officeDocument/2006/relationships" xmlns:p="http://schemas.openxmlformats.org/presentationml/2006/main">
+  <p:cSld>
+    <p:bg>
+      <p:bgPr>
+        <a:solidFill>
+          <a:schemeClr val="bg1"/>
+        </a:solidFill>
+        <a:effectLst/>
+      </p:bgPr>
+    </p:bg>
+    <p:spTree>
+      <p:nvGrpSpPr>
+        <p:cNvPr id="1" name=""/>
+        <p:cNvGrpSpPr/>
+        <p:nvPr/>
+      </p:nvGrpSpPr>
+      <p:grpSpPr>
+        <a:xfrm>
+          <a:off x="0" y="0"/>
+          <a:ext cx="0" cy="0"/>
+          <a:chOff x="0" y="0"/>
+          <a:chExt cx="0" cy="0"/>
+        </a:xfrm>
+      </p:grpSpPr>
+      <p:sp useBgFill="1">
+        <p:nvSpPr>
+          <p:cNvPr id="11" name="Rectangle 10">
+            <a:extLst>
+              <a:ext uri="{FF2B5EF4-FFF2-40B4-BE49-F238E27FC236}">
+                <a16:creationId xmlns:a16="http://schemas.microsoft.com/office/drawing/2014/main" id="{665DBBEF-238B-476B-96AB-8AAC3224ECEA}"/>
+              </a:ext>
+              <a:ext uri="{C183D7F6-B498-43B3-948B-1728B52AA6E4}">
+                <adec:decorative xmlns:adec="http://schemas.microsoft.com/office/drawing/2017/decorative" val="1"/>
+              </a:ext>
+            </a:extLst>
+          </p:cNvPr>
+          <p:cNvSpPr>
+            <a:spLocks noGrp="1" noRot="1" noChangeAspect="1" noMove="1" noResize="1" noEditPoints="1" noAdjustHandles="1" noChangeArrowheads="1" noChangeShapeType="1" noTextEdit="1"/>
+          </p:cNvSpPr>
+          <p:nvPr>
+            <p:extLst>
+              <p:ext uri="{386F3935-93C4-4BCD-93E2-E3B085C9AB24}">
+                <p16:designElem xmlns:p16="http://schemas.microsoft.com/office/powerpoint/2015/main" val="1"/>
+              </p:ext>
+            </p:extLst>
+          </p:nvPr>
+        </p:nvSpPr>
+        <p:spPr>
+          <a:xfrm>
+            <a:off x="0" y="0"/>
+            <a:ext cx="12192000" cy="6858000"/>
+          </a:xfrm>
+          <a:prstGeom prst="rect">
+            <a:avLst/>
+          </a:prstGeom>
+          <a:ln>
+            <a:noFill/>
+          </a:ln>
+        </p:spPr>
+        <p:style>
+          <a:lnRef idx="2">
+            <a:schemeClr val="accent1">
+              <a:shade val="50000"/>
+            </a:schemeClr>
+          </a:lnRef>
+          <a:fillRef idx="1">
+            <a:schemeClr val="accent1"/>
+          </a:fillRef>
+          <a:effectRef idx="0">
+            <a:schemeClr val="accent1"/>
+          </a:effectRef>
+          <a:fontRef idx="minor">
+            <a:schemeClr val="lt1"/>
+          </a:fontRef>
+        </p:style>
+        <p:txBody>
+          <a:bodyPr rtlCol="0" anchor="ctr"/>
+          <a:lstStyle/>
+          <a:p>
+            <a:pPr algn="ctr"/>
+            <a:endParaRPr lang="en-US"/>
+          </a:p>
+        </p:txBody>
+      </p:sp>
+      <p:sp>
+        <p:nvSpPr>
+          <p:cNvPr id="2" name="Title 1">
+            <a:extLst>
+              <a:ext uri="{FF2B5EF4-FFF2-40B4-BE49-F238E27FC236}">
+                <a16:creationId xmlns:a16="http://schemas.microsoft.com/office/drawing/2014/main" id="{140D5C73-0529-4524-8F81-3BD4850AFE56}"/>
+              </a:ext>
+            </a:extLst>
+          </p:cNvPr>
+          <p:cNvSpPr>
+            <a:spLocks noGrp="1"/>
+          </p:cNvSpPr>
+          <p:nvPr>
+            <p:ph type="title"/>
+          </p:nvPr>
+        </p:nvSpPr>
+        <p:spPr>
+          <a:xfrm>
+            <a:off x="638882" y="639193"/>
+            <a:ext cx="3571810" cy="3573516"/>
+          </a:xfrm>
+        </p:spPr>
+        <p:txBody>
+          <a:bodyPr vert="horz" lIns="91440" tIns="45720" rIns="91440" bIns="45720" rtlCol="0" anchor="b">
+            <a:normAutofit/>
+          </a:bodyPr>
+          <a:lstStyle/>
+          <a:p>
+            <a:r>
+              <a:rPr lang="en-US" sz="6100" kern="1200">
+                <a:solidFill>
+                  <a:schemeClr val="tx1"/>
+                </a:solidFill>
+                <a:latin typeface="+mj-lt"/>
+                <a:ea typeface="+mj-ea"/>
+                <a:cs typeface="+mj-cs"/>
+              </a:rPr>
+              <a:t>Multiple Regression</a:t>
+            </a:r>
+          </a:p>
+        </p:txBody>
+      </p:sp>
+      <p:sp>
+        <p:nvSpPr>
+          <p:cNvPr id="13" name="sketch line">
+            <a:extLst>
+              <a:ext uri="{FF2B5EF4-FFF2-40B4-BE49-F238E27FC236}">
+                <a16:creationId xmlns:a16="http://schemas.microsoft.com/office/drawing/2014/main" id="{3FCFB1DE-0B7E-48CC-BA90-B2AB0889F9D6}"/>
+              </a:ext>
+              <a:ext uri="{C183D7F6-B498-43B3-948B-1728B52AA6E4}">
+                <adec:decorative xmlns:adec="http://schemas.microsoft.com/office/drawing/2017/decorative" val="1"/>
+              </a:ext>
+            </a:extLst>
+          </p:cNvPr>
+          <p:cNvSpPr>
+            <a:spLocks noGrp="1" noRot="1" noChangeAspect="1" noMove="1" noResize="1" noEditPoints="1" noAdjustHandles="1" noChangeArrowheads="1" noChangeShapeType="1" noTextEdit="1"/>
+          </p:cNvSpPr>
+          <p:nvPr>
+            <p:extLst>
+              <p:ext uri="{386F3935-93C4-4BCD-93E2-E3B085C9AB24}">
+                <p16:designElem xmlns:p16="http://schemas.microsoft.com/office/powerpoint/2015/main" val="1"/>
+              </p:ext>
+            </p:extLst>
+          </p:nvPr>
+        </p:nvSpPr>
+        <p:spPr>
+          <a:xfrm>
+            <a:off x="643278" y="4409267"/>
+            <a:ext cx="3255095" cy="18288"/>
+          </a:xfrm>
+          <a:custGeom>
+            <a:avLst/>
+            <a:gdLst>
+              <a:gd name="connsiteX0" fmla="*/ 0 w 3255095"/>
+              <a:gd name="connsiteY0" fmla="*/ 0 h 18288"/>
+              <a:gd name="connsiteX1" fmla="*/ 618468 w 3255095"/>
+              <a:gd name="connsiteY1" fmla="*/ 0 h 18288"/>
+              <a:gd name="connsiteX2" fmla="*/ 1269487 w 3255095"/>
+              <a:gd name="connsiteY2" fmla="*/ 0 h 18288"/>
+              <a:gd name="connsiteX3" fmla="*/ 1953057 w 3255095"/>
+              <a:gd name="connsiteY3" fmla="*/ 0 h 18288"/>
+              <a:gd name="connsiteX4" fmla="*/ 2636627 w 3255095"/>
+              <a:gd name="connsiteY4" fmla="*/ 0 h 18288"/>
+              <a:gd name="connsiteX5" fmla="*/ 3255095 w 3255095"/>
+              <a:gd name="connsiteY5" fmla="*/ 0 h 18288"/>
+              <a:gd name="connsiteX6" fmla="*/ 3255095 w 3255095"/>
+              <a:gd name="connsiteY6" fmla="*/ 18288 h 18288"/>
+              <a:gd name="connsiteX7" fmla="*/ 2538974 w 3255095"/>
+              <a:gd name="connsiteY7" fmla="*/ 18288 h 18288"/>
+              <a:gd name="connsiteX8" fmla="*/ 1822853 w 3255095"/>
+              <a:gd name="connsiteY8" fmla="*/ 18288 h 18288"/>
+              <a:gd name="connsiteX9" fmla="*/ 1171834 w 3255095"/>
+              <a:gd name="connsiteY9" fmla="*/ 18288 h 18288"/>
+              <a:gd name="connsiteX10" fmla="*/ 0 w 3255095"/>
+              <a:gd name="connsiteY10" fmla="*/ 18288 h 18288"/>
+              <a:gd name="connsiteX11" fmla="*/ 0 w 3255095"/>
+              <a:gd name="connsiteY11" fmla="*/ 0 h 18288"/>
+            </a:gdLst>
+            <a:ahLst/>
+            <a:cxnLst>
+              <a:cxn ang="0">
+                <a:pos x="connsiteX0" y="connsiteY0"/>
+              </a:cxn>
+              <a:cxn ang="0">
+                <a:pos x="connsiteX1" y="connsiteY1"/>
+              </a:cxn>
+              <a:cxn ang="0">
+                <a:pos x="connsiteX2" y="connsiteY2"/>
+              </a:cxn>
+              <a:cxn ang="0">
+                <a:pos x="connsiteX3" y="connsiteY3"/>
+              </a:cxn>
+              <a:cxn ang="0">
+                <a:pos x="connsiteX4" y="connsiteY4"/>
+              </a:cxn>
+              <a:cxn ang="0">
+                <a:pos x="connsiteX5" y="connsiteY5"/>
+              </a:cxn>
+              <a:cxn ang="0">
+                <a:pos x="connsiteX6" y="connsiteY6"/>
+              </a:cxn>
+              <a:cxn ang="0">
+                <a:pos x="connsiteX7" y="connsiteY7"/>
+              </a:cxn>
+              <a:cxn ang="0">
+                <a:pos x="connsiteX8" y="connsiteY8"/>
+              </a:cxn>
+              <a:cxn ang="0">
+                <a:pos x="connsiteX9" y="connsiteY9"/>
+              </a:cxn>
+              <a:cxn ang="0">
+                <a:pos x="connsiteX10" y="connsiteY10"/>
+              </a:cxn>
+              <a:cxn ang="0">
+                <a:pos x="connsiteX11" y="connsiteY11"/>
+              </a:cxn>
+            </a:cxnLst>
+            <a:rect l="l" t="t" r="r" b="b"/>
+            <a:pathLst>
+              <a:path w="3255095" h="18288" fill="none" extrusionOk="0">
+                <a:moveTo>
+                  <a:pt x="0" y="0"/>
+                </a:moveTo>
+                <a:cubicBezTo>
+                  <a:pt x="240201" y="-22123"/>
+                  <a:pt x="462021" y="-19623"/>
+                  <a:pt x="618468" y="0"/>
+                </a:cubicBezTo>
+                <a:cubicBezTo>
+                  <a:pt x="774915" y="19623"/>
+                  <a:pt x="974734" y="2035"/>
+                  <a:pt x="1269487" y="0"/>
+                </a:cubicBezTo>
+                <a:cubicBezTo>
+                  <a:pt x="1564240" y="-2035"/>
+                  <a:pt x="1733579" y="10639"/>
+                  <a:pt x="1953057" y="0"/>
+                </a:cubicBezTo>
+                <a:cubicBezTo>
+                  <a:pt x="2172535" y="-10639"/>
+                  <a:pt x="2453962" y="14018"/>
+                  <a:pt x="2636627" y="0"/>
+                </a:cubicBezTo>
+                <a:cubicBezTo>
+                  <a:pt x="2819292" y="-14018"/>
+                  <a:pt x="3121375" y="5399"/>
+                  <a:pt x="3255095" y="0"/>
+                </a:cubicBezTo>
+                <a:cubicBezTo>
+                  <a:pt x="3254386" y="8157"/>
+                  <a:pt x="3254682" y="12125"/>
+                  <a:pt x="3255095" y="18288"/>
+                </a:cubicBezTo>
+                <a:cubicBezTo>
+                  <a:pt x="3088545" y="23203"/>
+                  <a:pt x="2687475" y="7419"/>
+                  <a:pt x="2538974" y="18288"/>
+                </a:cubicBezTo>
+                <a:cubicBezTo>
+                  <a:pt x="2390473" y="29157"/>
+                  <a:pt x="2137381" y="-8959"/>
+                  <a:pt x="1822853" y="18288"/>
+                </a:cubicBezTo>
+                <a:cubicBezTo>
+                  <a:pt x="1508325" y="45535"/>
+                  <a:pt x="1466437" y="20385"/>
+                  <a:pt x="1171834" y="18288"/>
+                </a:cubicBezTo>
+                <a:cubicBezTo>
+                  <a:pt x="877231" y="16191"/>
+                  <a:pt x="561097" y="37643"/>
+                  <a:pt x="0" y="18288"/>
+                </a:cubicBezTo>
+                <a:cubicBezTo>
+                  <a:pt x="-46" y="12483"/>
+                  <a:pt x="-203" y="6491"/>
+                  <a:pt x="0" y="0"/>
+                </a:cubicBezTo>
+                <a:close/>
+              </a:path>
+              <a:path w="3255095" h="18288" stroke="0" extrusionOk="0">
+                <a:moveTo>
+                  <a:pt x="0" y="0"/>
+                </a:moveTo>
+                <a:cubicBezTo>
+                  <a:pt x="291965" y="19429"/>
+                  <a:pt x="363155" y="8568"/>
+                  <a:pt x="618468" y="0"/>
+                </a:cubicBezTo>
+                <a:cubicBezTo>
+                  <a:pt x="873781" y="-8568"/>
+                  <a:pt x="904459" y="-19505"/>
+                  <a:pt x="1171834" y="0"/>
+                </a:cubicBezTo>
+                <a:cubicBezTo>
+                  <a:pt x="1439209" y="19505"/>
+                  <a:pt x="1744369" y="9790"/>
+                  <a:pt x="1887955" y="0"/>
+                </a:cubicBezTo>
+                <a:cubicBezTo>
+                  <a:pt x="2031541" y="-9790"/>
+                  <a:pt x="2346378" y="21240"/>
+                  <a:pt x="2506423" y="0"/>
+                </a:cubicBezTo>
+                <a:cubicBezTo>
+                  <a:pt x="2666468" y="-21240"/>
+                  <a:pt x="2990257" y="30414"/>
+                  <a:pt x="3255095" y="0"/>
+                </a:cubicBezTo>
+                <a:cubicBezTo>
+                  <a:pt x="3254831" y="4493"/>
+                  <a:pt x="3255479" y="9472"/>
+                  <a:pt x="3255095" y="18288"/>
+                </a:cubicBezTo>
+                <a:cubicBezTo>
+                  <a:pt x="3120743" y="16690"/>
+                  <a:pt x="2759628" y="42462"/>
+                  <a:pt x="2604076" y="18288"/>
+                </a:cubicBezTo>
+                <a:cubicBezTo>
+                  <a:pt x="2448524" y="-5886"/>
+                  <a:pt x="2184336" y="19599"/>
+                  <a:pt x="1887955" y="18288"/>
+                </a:cubicBezTo>
+                <a:cubicBezTo>
+                  <a:pt x="1591574" y="16977"/>
+                  <a:pt x="1548845" y="6870"/>
+                  <a:pt x="1334589" y="18288"/>
+                </a:cubicBezTo>
+                <a:cubicBezTo>
+                  <a:pt x="1120333" y="29706"/>
+                  <a:pt x="996014" y="9662"/>
+                  <a:pt x="683570" y="18288"/>
+                </a:cubicBezTo>
+                <a:cubicBezTo>
+                  <a:pt x="371126" y="26914"/>
+                  <a:pt x="198687" y="16167"/>
+                  <a:pt x="0" y="18288"/>
+                </a:cubicBezTo>
+                <a:cubicBezTo>
+                  <a:pt x="843" y="9577"/>
+                  <a:pt x="371" y="6900"/>
+                  <a:pt x="0" y="0"/>
+                </a:cubicBezTo>
+                <a:close/>
+              </a:path>
+            </a:pathLst>
+          </a:custGeom>
+          <a:solidFill>
+            <a:schemeClr val="accent2"/>
+          </a:solidFill>
+          <a:ln w="38100" cap="rnd">
+            <a:solidFill>
+              <a:schemeClr val="accent2"/>
+            </a:solidFill>
+            <a:round/>
+            <a:extLst>
+              <a:ext uri="{C807C97D-BFC1-408E-A445-0C87EB9F89A2}">
+                <ask:lineSketchStyleProps xmlns:ask="http://schemas.microsoft.com/office/drawing/2018/sketchyshapes" sd="1219033472">
+                  <a:prstGeom prst="rect">
+                    <a:avLst/>
+                  </a:prstGeom>
+                  <ask:type>
+                    <ask:lineSketchFreehand/>
+                  </ask:type>
+                </ask:lineSketchStyleProps>
+              </a:ext>
+            </a:extLst>
+          </a:ln>
+        </p:spPr>
+        <p:style>
+          <a:lnRef idx="2">
+            <a:schemeClr val="accent1">
+              <a:shade val="50000"/>
+            </a:schemeClr>
+          </a:lnRef>
+          <a:fillRef idx="1">
+            <a:schemeClr val="accent1"/>
+          </a:fillRef>
+          <a:effectRef idx="0">
+            <a:schemeClr val="accent1"/>
+          </a:effectRef>
+          <a:fontRef idx="minor">
+            <a:schemeClr val="lt1"/>
+          </a:fontRef>
+        </p:style>
+        <p:txBody>
+          <a:bodyPr rtlCol="0" anchor="ctr"/>
+          <a:lstStyle/>
+          <a:p>
+            <a:pPr algn="ctr"/>
+            <a:endParaRPr lang="en-US"/>
+          </a:p>
+        </p:txBody>
+      </p:sp>
+      <p:pic>
+        <p:nvPicPr>
+          <p:cNvPr id="6" name="Picture 5" descr="Diagram&#10;&#10;Description automatically generated">
+            <a:extLst>
+              <a:ext uri="{FF2B5EF4-FFF2-40B4-BE49-F238E27FC236}">
+                <a16:creationId xmlns:a16="http://schemas.microsoft.com/office/drawing/2014/main" id="{BDEF75BD-E448-4259-BB89-88509E250926}"/>
+              </a:ext>
+            </a:extLst>
+          </p:cNvPr>
+          <p:cNvPicPr>
+            <a:picLocks noChangeAspect="1"/>
+          </p:cNvPicPr>
+          <p:nvPr/>
+        </p:nvPicPr>
+        <p:blipFill>
+          <a:blip r:embed="rId2">
+            <a:extLst>
+              <a:ext uri="{28A0092B-C50C-407E-A947-70E740481C1C}">
+                <a14:useLocalDpi xmlns:a14="http://schemas.microsoft.com/office/drawing/2010/main" val="0"/>
+              </a:ext>
+              <a:ext uri="{837473B0-CC2E-450A-ABE3-18F120FF3D39}">
+                <a1611:picAttrSrcUrl xmlns:a1611="http://schemas.microsoft.com/office/drawing/2016/11/main" r:id="rId3"/>
+              </a:ext>
+            </a:extLst>
+          </a:blip>
+          <a:stretch>
+            <a:fillRect/>
+          </a:stretch>
+        </p:blipFill>
+        <p:spPr>
+          <a:xfrm>
+            <a:off x="4654296" y="1737886"/>
+            <a:ext cx="7214616" cy="3354795"/>
+          </a:xfrm>
+          <a:prstGeom prst="rect">
+            <a:avLst/>
+          </a:prstGeom>
+        </p:spPr>
+      </p:pic>
+      <p:sp>
+        <p:nvSpPr>
+          <p:cNvPr id="4" name="Footer Placeholder 3">
+            <a:extLst>
+              <a:ext uri="{FF2B5EF4-FFF2-40B4-BE49-F238E27FC236}">
+                <a16:creationId xmlns:a16="http://schemas.microsoft.com/office/drawing/2014/main" id="{F16594B1-92EB-45F0-BD5F-C06723054FA2}"/>
+              </a:ext>
+            </a:extLst>
+          </p:cNvPr>
+          <p:cNvSpPr>
+            <a:spLocks noGrp="1"/>
+          </p:cNvSpPr>
+          <p:nvPr>
+            <p:ph type="ftr" sz="quarter" idx="11"/>
+          </p:nvPr>
+        </p:nvSpPr>
+        <p:spPr>
+          <a:xfrm>
+            <a:off x="4038600" y="6356350"/>
+            <a:ext cx="4114800" cy="365125"/>
+          </a:xfrm>
+        </p:spPr>
+        <p:txBody>
+          <a:bodyPr vert="horz" lIns="91440" tIns="45720" rIns="91440" bIns="45720" rtlCol="0" anchor="ctr">
+            <a:normAutofit/>
+          </a:bodyPr>
+          <a:lstStyle/>
+          <a:p>
+            <a:pPr>
+              <a:spcAft>
+                <a:spcPts val="600"/>
+              </a:spcAft>
+            </a:pPr>
+            <a:r>
+              <a:rPr lang="en-US" kern="1200">
+                <a:solidFill>
+                  <a:schemeClr val="tx1">
+                    <a:tint val="75000"/>
+                  </a:schemeClr>
+                </a:solidFill>
+                <a:latin typeface="+mn-lt"/>
+                <a:ea typeface="+mn-ea"/>
+                <a:cs typeface="+mn-cs"/>
+              </a:rPr>
+              <a:t>Mike Nguyen</a:t>
+            </a:r>
+          </a:p>
+        </p:txBody>
+      </p:sp>
+      <p:sp>
+        <p:nvSpPr>
+          <p:cNvPr id="5" name="Slide Number Placeholder 4">
+            <a:extLst>
+              <a:ext uri="{FF2B5EF4-FFF2-40B4-BE49-F238E27FC236}">
+                <a16:creationId xmlns:a16="http://schemas.microsoft.com/office/drawing/2014/main" id="{8525C58B-F254-4BC7-9A80-99A1C0D0003F}"/>
+              </a:ext>
+            </a:extLst>
+          </p:cNvPr>
+          <p:cNvSpPr>
+            <a:spLocks noGrp="1"/>
+          </p:cNvSpPr>
+          <p:nvPr>
+            <p:ph type="sldNum" sz="quarter" idx="12"/>
+          </p:nvPr>
+        </p:nvSpPr>
+        <p:spPr>
+          <a:xfrm>
+            <a:off x="8610600" y="6356350"/>
+            <a:ext cx="2743200" cy="365125"/>
+          </a:xfrm>
+        </p:spPr>
+        <p:txBody>
+          <a:bodyPr vert="horz" lIns="91440" tIns="45720" rIns="91440" bIns="45720" rtlCol="0" anchor="ctr">
+            <a:normAutofit/>
+          </a:bodyPr>
+          <a:lstStyle/>
+          <a:p>
+            <a:pPr>
+              <a:spcAft>
+                <a:spcPts val="600"/>
+              </a:spcAft>
+            </a:pPr>
+            <a:fld id="{A6AF1B4E-90EC-4A51-B6E5-B702C054ECB0}" type="slidenum">
+              <a:rPr lang="en-US" smtClean="0"/>
+              <a:pPr>
+                <a:spcAft>
+                  <a:spcPts val="600"/>
+                </a:spcAft>
+              </a:pPr>
+              <a:t>8</a:t>
+            </a:fld>
+            <a:endParaRPr lang="en-US"/>
+          </a:p>
+        </p:txBody>
+      </p:sp>
+    </p:spTree>
+    <p:extLst>
+      <p:ext uri="{BB962C8B-B14F-4D97-AF65-F5344CB8AC3E}">
+        <p14:creationId xmlns:p14="http://schemas.microsoft.com/office/powerpoint/2010/main" val="2403162899"/>
+      </p:ext>
+    </p:extLst>
+  </p:cSld>
+  <p:clrMapOvr>
+    <a:masterClrMapping/>
+  </p:clrMapOvr>
+</p:sld>
+</file>
+
+<file path=ppt/slides/slide9.xml><?xml version="1.0" encoding="utf-8"?>
 <p:sld xmlns:a="http://schemas.openxmlformats.org/drawingml/2006/main" xmlns:r="http://schemas.openxmlformats.org/officeDocument/2006/relationships" xmlns:p="http://schemas.openxmlformats.org/presentationml/2006/main">
   <p:cSld>
     <p:bg>
@@ -34496,7 +35549,7 @@
                   <a:spcPts val="600"/>
                 </a:spcAft>
               </a:pPr>
-              <a:t>8</a:t>
+              <a:t>9</a:t>
             </a:fld>
             <a:endParaRPr lang="en-US"/>
           </a:p>
@@ -34506,509 +35559,6 @@
     <p:extLst>
       <p:ext uri="{BB962C8B-B14F-4D97-AF65-F5344CB8AC3E}">
         <p14:creationId xmlns:p14="http://schemas.microsoft.com/office/powerpoint/2010/main" val="2882824493"/>
-      </p:ext>
-    </p:extLst>
-  </p:cSld>
-  <p:clrMapOvr>
-    <a:masterClrMapping/>
-  </p:clrMapOvr>
-</p:sld>
-</file>
-
-<file path=ppt/slides/slide9.xml><?xml version="1.0" encoding="utf-8"?>
-<p:sld xmlns:a="http://schemas.openxmlformats.org/drawingml/2006/main" xmlns:r="http://schemas.openxmlformats.org/officeDocument/2006/relationships" xmlns:p="http://schemas.openxmlformats.org/presentationml/2006/main">
-  <p:cSld>
-    <p:bg>
-      <p:bgPr>
-        <a:solidFill>
-          <a:schemeClr val="bg1"/>
-        </a:solidFill>
-        <a:effectLst/>
-      </p:bgPr>
-    </p:bg>
-    <p:spTree>
-      <p:nvGrpSpPr>
-        <p:cNvPr id="1" name=""/>
-        <p:cNvGrpSpPr/>
-        <p:nvPr/>
-      </p:nvGrpSpPr>
-      <p:grpSpPr>
-        <a:xfrm>
-          <a:off x="0" y="0"/>
-          <a:ext cx="0" cy="0"/>
-          <a:chOff x="0" y="0"/>
-          <a:chExt cx="0" cy="0"/>
-        </a:xfrm>
-      </p:grpSpPr>
-      <p:sp useBgFill="1">
-        <p:nvSpPr>
-          <p:cNvPr id="10" name="Rectangle 9">
-            <a:extLst>
-              <a:ext uri="{FF2B5EF4-FFF2-40B4-BE49-F238E27FC236}">
-                <a16:creationId xmlns:a16="http://schemas.microsoft.com/office/drawing/2014/main" id="{3AD318CC-E2A8-4E27-9548-A047A78999B1}"/>
-              </a:ext>
-              <a:ext uri="{C183D7F6-B498-43B3-948B-1728B52AA6E4}">
-                <adec:decorative xmlns:adec="http://schemas.microsoft.com/office/drawing/2017/decorative" val="1"/>
-              </a:ext>
-            </a:extLst>
-          </p:cNvPr>
-          <p:cNvSpPr>
-            <a:spLocks noGrp="1" noRot="1" noChangeAspect="1" noMove="1" noResize="1" noEditPoints="1" noAdjustHandles="1" noChangeArrowheads="1" noChangeShapeType="1" noTextEdit="1"/>
-          </p:cNvSpPr>
-          <p:nvPr>
-            <p:extLst>
-              <p:ext uri="{386F3935-93C4-4BCD-93E2-E3B085C9AB24}">
-                <p16:designElem xmlns:p16="http://schemas.microsoft.com/office/powerpoint/2015/main" val="1"/>
-              </p:ext>
-            </p:extLst>
-          </p:nvPr>
-        </p:nvSpPr>
-        <p:spPr>
-          <a:xfrm>
-            <a:off x="0" y="0"/>
-            <a:ext cx="12191999" cy="6857365"/>
-          </a:xfrm>
-          <a:prstGeom prst="rect">
-            <a:avLst/>
-          </a:prstGeom>
-          <a:ln>
-            <a:noFill/>
-          </a:ln>
-        </p:spPr>
-        <p:style>
-          <a:lnRef idx="2">
-            <a:schemeClr val="accent1">
-              <a:shade val="50000"/>
-            </a:schemeClr>
-          </a:lnRef>
-          <a:fillRef idx="1">
-            <a:schemeClr val="accent1"/>
-          </a:fillRef>
-          <a:effectRef idx="0">
-            <a:schemeClr val="accent1"/>
-          </a:effectRef>
-          <a:fontRef idx="minor">
-            <a:schemeClr val="lt1"/>
-          </a:fontRef>
-        </p:style>
-        <p:txBody>
-          <a:bodyPr rtlCol="0" anchor="ctr"/>
-          <a:lstStyle/>
-          <a:p>
-            <a:pPr algn="ctr"/>
-            <a:endParaRPr lang="en-US"/>
-          </a:p>
-        </p:txBody>
-      </p:sp>
-      <p:sp>
-        <p:nvSpPr>
-          <p:cNvPr id="2" name="Title 1">
-            <a:extLst>
-              <a:ext uri="{FF2B5EF4-FFF2-40B4-BE49-F238E27FC236}">
-                <a16:creationId xmlns:a16="http://schemas.microsoft.com/office/drawing/2014/main" id="{7C887591-9A72-4854-AA2B-8AD8C687F080}"/>
-              </a:ext>
-            </a:extLst>
-          </p:cNvPr>
-          <p:cNvSpPr>
-            <a:spLocks noGrp="1"/>
-          </p:cNvSpPr>
-          <p:nvPr>
-            <p:ph type="title"/>
-          </p:nvPr>
-        </p:nvSpPr>
-        <p:spPr>
-          <a:xfrm>
-            <a:off x="645065" y="1463040"/>
-            <a:ext cx="3796306" cy="2690949"/>
-          </a:xfrm>
-        </p:spPr>
-        <p:txBody>
-          <a:bodyPr anchor="t">
-            <a:normAutofit/>
-          </a:bodyPr>
-          <a:lstStyle/>
-          <a:p>
-            <a:r>
-              <a:rPr lang="en-US" sz="4800"/>
-              <a:t>Multiple Regression</a:t>
-            </a:r>
-          </a:p>
-        </p:txBody>
-      </p:sp>
-      <p:grpSp>
-        <p:nvGrpSpPr>
-          <p:cNvPr id="12" name="Group 11">
-            <a:extLst>
-              <a:ext uri="{FF2B5EF4-FFF2-40B4-BE49-F238E27FC236}">
-                <a16:creationId xmlns:a16="http://schemas.microsoft.com/office/drawing/2014/main" id="{B14B560F-9DD7-4302-A60B-EBD3EF59B073}"/>
-              </a:ext>
-              <a:ext uri="{C183D7F6-B498-43B3-948B-1728B52AA6E4}">
-                <adec:decorative xmlns:adec="http://schemas.microsoft.com/office/drawing/2017/decorative" val="1"/>
-              </a:ext>
-            </a:extLst>
-          </p:cNvPr>
-          <p:cNvGrpSpPr>
-            <a:grpSpLocks noGrp="1" noUngrp="1" noRot="1" noChangeAspect="1" noMove="1" noResize="1"/>
-          </p:cNvGrpSpPr>
-          <p:nvPr>
-            <p:extLst>
-              <p:ext uri="{386F3935-93C4-4BCD-93E2-E3B085C9AB24}">
-                <p16:designElem xmlns:p16="http://schemas.microsoft.com/office/powerpoint/2015/main" val="1"/>
-              </p:ext>
-            </p:extLst>
-          </p:nvPr>
-        </p:nvGrpSpPr>
-        <p:grpSpPr>
-          <a:xfrm>
-            <a:off x="209667" y="4415246"/>
-            <a:ext cx="11982332" cy="2087795"/>
-            <a:chOff x="143163" y="5763486"/>
-            <a:chExt cx="11982332" cy="739555"/>
-          </a:xfrm>
-        </p:grpSpPr>
-        <p:sp>
-          <p:nvSpPr>
-            <p:cNvPr id="13" name="Rectangle 12">
-              <a:extLst>
-                <a:ext uri="{FF2B5EF4-FFF2-40B4-BE49-F238E27FC236}">
-                  <a16:creationId xmlns:a16="http://schemas.microsoft.com/office/drawing/2014/main" id="{3A9A4357-BD1D-4622-A4FE-766E6AB8DE84}"/>
-                </a:ext>
-                <a:ext uri="{C183D7F6-B498-43B3-948B-1728B52AA6E4}">
-                  <adec:decorative xmlns:adec="http://schemas.microsoft.com/office/drawing/2017/decorative" val="1"/>
-                </a:ext>
-              </a:extLst>
-            </p:cNvPr>
-            <p:cNvSpPr/>
-            <p:nvPr>
-              <p:extLst>
-                <p:ext uri="{386F3935-93C4-4BCD-93E2-E3B085C9AB24}">
-                  <p16:designElem xmlns:p16="http://schemas.microsoft.com/office/powerpoint/2015/main" val="1"/>
-                </p:ext>
-              </p:extLst>
-            </p:nvPr>
-          </p:nvSpPr>
-          <p:spPr>
-            <a:xfrm flipH="1" flipV="1">
-              <a:off x="357444" y="5763486"/>
-              <a:ext cx="11768051" cy="739555"/>
-            </a:xfrm>
-            <a:prstGeom prst="rect">
-              <a:avLst/>
-            </a:prstGeom>
-            <a:solidFill>
-              <a:schemeClr val="accent4"/>
-            </a:solidFill>
-            <a:ln>
-              <a:noFill/>
-            </a:ln>
-          </p:spPr>
-          <p:style>
-            <a:lnRef idx="2">
-              <a:schemeClr val="accent1">
-                <a:shade val="50000"/>
-              </a:schemeClr>
-            </a:lnRef>
-            <a:fillRef idx="1">
-              <a:schemeClr val="accent1"/>
-            </a:fillRef>
-            <a:effectRef idx="0">
-              <a:schemeClr val="accent1"/>
-            </a:effectRef>
-            <a:fontRef idx="minor">
-              <a:schemeClr val="lt1"/>
-            </a:fontRef>
-          </p:style>
-          <p:txBody>
-            <a:bodyPr rtlCol="0" anchor="ctr"/>
-            <a:lstStyle/>
-            <a:p>
-              <a:pPr algn="ctr"/>
-              <a:endParaRPr lang="en-US"/>
-            </a:p>
-          </p:txBody>
-        </p:sp>
-        <p:cxnSp>
-          <p:nvCxnSpPr>
-            <p:cNvPr id="39" name="Straight Connector 13">
-              <a:extLst>
-                <a:ext uri="{FF2B5EF4-FFF2-40B4-BE49-F238E27FC236}">
-                  <a16:creationId xmlns:a16="http://schemas.microsoft.com/office/drawing/2014/main" id="{C21D6966-343E-49AC-A026-D2497E0C3CA1}"/>
-                </a:ext>
-                <a:ext uri="{C183D7F6-B498-43B3-948B-1728B52AA6E4}">
-                  <adec:decorative xmlns:adec="http://schemas.microsoft.com/office/drawing/2017/decorative" val="1"/>
-                </a:ext>
-              </a:extLst>
-            </p:cNvPr>
-            <p:cNvCxnSpPr>
-              <a:cxnSpLocks/>
-            </p:cNvCxnSpPr>
-            <p:nvPr>
-              <p:extLst>
-                <p:ext uri="{386F3935-93C4-4BCD-93E2-E3B085C9AB24}">
-                  <p16:designElem xmlns:p16="http://schemas.microsoft.com/office/powerpoint/2015/main" val="1"/>
-                </p:ext>
-              </p:extLst>
-            </p:nvPr>
-          </p:nvCxnSpPr>
-          <p:spPr>
-            <a:xfrm flipH="1">
-              <a:off x="143163" y="5763486"/>
-              <a:ext cx="1" cy="739555"/>
-            </a:xfrm>
-            <a:prstGeom prst="line">
-              <a:avLst/>
-            </a:prstGeom>
-            <a:ln w="177800">
-              <a:solidFill>
-                <a:schemeClr val="accent4"/>
-              </a:solidFill>
-            </a:ln>
-          </p:spPr>
-          <p:style>
-            <a:lnRef idx="1">
-              <a:schemeClr val="accent1"/>
-            </a:lnRef>
-            <a:fillRef idx="0">
-              <a:schemeClr val="accent1"/>
-            </a:fillRef>
-            <a:effectRef idx="0">
-              <a:schemeClr val="accent1"/>
-            </a:effectRef>
-            <a:fontRef idx="minor">
-              <a:schemeClr val="tx1"/>
-            </a:fontRef>
-          </p:style>
-        </p:cxnSp>
-      </p:grpSp>
-      <p:sp>
-        <p:nvSpPr>
-          <p:cNvPr id="16" name="Rectangle 15">
-            <a:extLst>
-              <a:ext uri="{FF2B5EF4-FFF2-40B4-BE49-F238E27FC236}">
-                <a16:creationId xmlns:a16="http://schemas.microsoft.com/office/drawing/2014/main" id="{2C1BBA94-3F40-40AA-8BB9-E69E25E537C1}"/>
-              </a:ext>
-              <a:ext uri="{C183D7F6-B498-43B3-948B-1728B52AA6E4}">
-                <adec:decorative xmlns:adec="http://schemas.microsoft.com/office/drawing/2017/decorative" val="1"/>
-              </a:ext>
-            </a:extLst>
-          </p:cNvPr>
-          <p:cNvSpPr>
-            <a:spLocks noGrp="1" noRot="1" noChangeAspect="1" noMove="1" noResize="1" noEditPoints="1" noAdjustHandles="1" noChangeArrowheads="1" noChangeShapeType="1" noTextEdit="1"/>
-          </p:cNvSpPr>
-          <p:nvPr>
-            <p:extLst>
-              <p:ext uri="{386F3935-93C4-4BCD-93E2-E3B085C9AB24}">
-                <p16:designElem xmlns:p16="http://schemas.microsoft.com/office/powerpoint/2015/main" val="1"/>
-              </p:ext>
-            </p:extLst>
-          </p:nvPr>
-        </p:nvSpPr>
-        <p:spPr>
-          <a:xfrm>
-            <a:off x="5133706" y="587829"/>
-            <a:ext cx="6505300" cy="5682342"/>
-          </a:xfrm>
-          <a:prstGeom prst="rect">
-            <a:avLst/>
-          </a:prstGeom>
-          <a:solidFill>
-            <a:schemeClr val="bg1"/>
-          </a:solidFill>
-          <a:ln>
-            <a:noFill/>
-          </a:ln>
-          <a:effectLst>
-            <a:outerShdw blurRad="139700" dist="127000" dir="5400000" algn="t" rotWithShape="0">
-              <a:prstClr val="black">
-                <a:alpha val="15000"/>
-              </a:prstClr>
-            </a:outerShdw>
-          </a:effectLst>
-        </p:spPr>
-        <p:style>
-          <a:lnRef idx="2">
-            <a:schemeClr val="accent1">
-              <a:shade val="50000"/>
-            </a:schemeClr>
-          </a:lnRef>
-          <a:fillRef idx="1">
-            <a:schemeClr val="accent1"/>
-          </a:fillRef>
-          <a:effectRef idx="0">
-            <a:schemeClr val="accent1"/>
-          </a:effectRef>
-          <a:fontRef idx="minor">
-            <a:schemeClr val="lt1"/>
-          </a:fontRef>
-        </p:style>
-        <p:txBody>
-          <a:bodyPr rtlCol="0" anchor="ctr"/>
-          <a:lstStyle/>
-          <a:p>
-            <a:pPr algn="ctr"/>
-            <a:endParaRPr lang="en-US"/>
-          </a:p>
-        </p:txBody>
-      </p:sp>
-      <p:sp>
-        <p:nvSpPr>
-          <p:cNvPr id="40" name="Content Placeholder 2">
-            <a:extLst>
-              <a:ext uri="{FF2B5EF4-FFF2-40B4-BE49-F238E27FC236}">
-                <a16:creationId xmlns:a16="http://schemas.microsoft.com/office/drawing/2014/main" id="{E612B995-3E62-42AD-A75D-5541C4EE1278}"/>
-              </a:ext>
-            </a:extLst>
-          </p:cNvPr>
-          <p:cNvSpPr>
-            <a:spLocks noGrp="1"/>
-          </p:cNvSpPr>
-          <p:nvPr>
-            <p:ph idx="1"/>
-          </p:nvPr>
-        </p:nvSpPr>
-        <p:spPr>
-          <a:xfrm>
-            <a:off x="5656218" y="1463039"/>
-            <a:ext cx="5542387" cy="4300447"/>
-          </a:xfrm>
-        </p:spPr>
-        <p:txBody>
-          <a:bodyPr anchor="t">
-            <a:normAutofit/>
-          </a:bodyPr>
-          <a:lstStyle/>
-          <a:p>
-            <a:r>
-              <a:rPr lang="en-US" sz="2200"/>
-              <a:t>The dependent variable (the thing we try to “predict”) must be</a:t>
-            </a:r>
-          </a:p>
-          <a:p>
-            <a:pPr lvl="1"/>
-            <a:r>
-              <a:rPr lang="en-US" sz="2200"/>
-              <a:t>Interval or Ratio (this class covers)</a:t>
-            </a:r>
-          </a:p>
-          <a:p>
-            <a:pPr lvl="1"/>
-            <a:r>
-              <a:rPr lang="en-US" sz="2200"/>
-              <a:t>Technically, Ordinal and Ordinal (e.g., logistic regression)</a:t>
-            </a:r>
-          </a:p>
-          <a:p>
-            <a:r>
-              <a:rPr lang="en-US" sz="2200"/>
-              <a:t>The independent variables must be </a:t>
-            </a:r>
-          </a:p>
-          <a:p>
-            <a:pPr lvl="1"/>
-            <a:r>
-              <a:rPr lang="en-US" sz="2200"/>
-              <a:t>Binary Variables (technically more!!!)</a:t>
-            </a:r>
-          </a:p>
-          <a:p>
-            <a:pPr lvl="1"/>
-            <a:r>
-              <a:rPr lang="en-US" sz="2200"/>
-              <a:t>Interval or Ratio</a:t>
-            </a:r>
-          </a:p>
-        </p:txBody>
-      </p:sp>
-      <p:sp>
-        <p:nvSpPr>
-          <p:cNvPr id="4" name="Footer Placeholder 3">
-            <a:extLst>
-              <a:ext uri="{FF2B5EF4-FFF2-40B4-BE49-F238E27FC236}">
-                <a16:creationId xmlns:a16="http://schemas.microsoft.com/office/drawing/2014/main" id="{01DC7843-BB94-42AB-B665-6417B43DE111}"/>
-              </a:ext>
-            </a:extLst>
-          </p:cNvPr>
-          <p:cNvSpPr>
-            <a:spLocks noGrp="1"/>
-          </p:cNvSpPr>
-          <p:nvPr>
-            <p:ph type="ftr" sz="quarter" idx="11"/>
-          </p:nvPr>
-        </p:nvSpPr>
-        <p:spPr>
-          <a:xfrm>
-            <a:off x="4038600" y="6492240"/>
-            <a:ext cx="4114800" cy="365125"/>
-          </a:xfrm>
-        </p:spPr>
-        <p:txBody>
-          <a:bodyPr>
-            <a:normAutofit/>
-          </a:bodyPr>
-          <a:lstStyle/>
-          <a:p>
-            <a:pPr>
-              <a:spcAft>
-                <a:spcPts val="600"/>
-              </a:spcAft>
-            </a:pPr>
-            <a:r>
-              <a:rPr lang="en-US"/>
-              <a:t>Mike Nguyen</a:t>
-            </a:r>
-          </a:p>
-        </p:txBody>
-      </p:sp>
-      <p:sp>
-        <p:nvSpPr>
-          <p:cNvPr id="5" name="Slide Number Placeholder 4">
-            <a:extLst>
-              <a:ext uri="{FF2B5EF4-FFF2-40B4-BE49-F238E27FC236}">
-                <a16:creationId xmlns:a16="http://schemas.microsoft.com/office/drawing/2014/main" id="{66964E36-7475-4700-BAE9-79A897F8E3DA}"/>
-              </a:ext>
-            </a:extLst>
-          </p:cNvPr>
-          <p:cNvSpPr>
-            <a:spLocks noGrp="1"/>
-          </p:cNvSpPr>
-          <p:nvPr>
-            <p:ph type="sldNum" sz="quarter" idx="12"/>
-          </p:nvPr>
-        </p:nvSpPr>
-        <p:spPr>
-          <a:xfrm>
-            <a:off x="8610600" y="6492240"/>
-            <a:ext cx="2743200" cy="365125"/>
-          </a:xfrm>
-        </p:spPr>
-        <p:txBody>
-          <a:bodyPr>
-            <a:normAutofit/>
-          </a:bodyPr>
-          <a:lstStyle/>
-          <a:p>
-            <a:pPr>
-              <a:spcAft>
-                <a:spcPts val="600"/>
-              </a:spcAft>
-            </a:pPr>
-            <a:fld id="{A6AF1B4E-90EC-4A51-B6E5-B702C054ECB0}" type="slidenum">
-              <a:rPr lang="en-US" smtClean="0"/>
-              <a:pPr>
-                <a:spcAft>
-                  <a:spcPts val="600"/>
-                </a:spcAft>
-              </a:pPr>
-              <a:t>9</a:t>
-            </a:fld>
-            <a:endParaRPr lang="en-US"/>
-          </a:p>
-        </p:txBody>
-      </p:sp>
-    </p:spTree>
-    <p:extLst>
-      <p:ext uri="{BB962C8B-B14F-4D97-AF65-F5344CB8AC3E}">
-        <p14:creationId xmlns:p14="http://schemas.microsoft.com/office/powerpoint/2010/main" val="1138161956"/>
       </p:ext>
     </p:extLst>
   </p:cSld>
@@ -36199,6 +36749,15 @@
 </file>
 
 <file path=customXml/item1.xml><?xml version="1.0" encoding="utf-8"?>
+<?mso-contentType ?>
+<FormTemplates xmlns="http://schemas.microsoft.com/sharepoint/v3/contenttype/forms">
+  <Display>DocumentLibraryForm</Display>
+  <Edit>DocumentLibraryForm</Edit>
+  <New>DocumentLibraryForm</New>
+</FormTemplates>
+</file>
+
+<file path=customXml/item2.xml><?xml version="1.0" encoding="utf-8"?>
 <ct:contentTypeSchema xmlns:ct="http://schemas.microsoft.com/office/2006/metadata/contentType" xmlns:ma="http://schemas.microsoft.com/office/2006/metadata/properties/metaAttributes" ct:_="" ma:_="" ma:contentTypeName="Document" ma:contentTypeID="0x01010079F111ED35F8CC479449609E8A0923A6" ma:contentTypeVersion="11" ma:contentTypeDescription="Create a new document." ma:contentTypeScope="" ma:versionID="96291512c1ee715ab617f4c07df79fc1">
   <xsd:schema xmlns:xsd="http://www.w3.org/2001/XMLSchema" xmlns:xs="http://www.w3.org/2001/XMLSchema" xmlns:p="http://schemas.microsoft.com/office/2006/metadata/properties" xmlns:ns2="71af3243-3dd4-4a8d-8c0d-dd76da1f02a5" xmlns:ns3="16c05727-aa75-4e4a-9b5f-8a80a1165891" targetNamespace="http://schemas.microsoft.com/office/2006/metadata/properties" ma:root="true" ma:fieldsID="8256c27c40ca5c40ce1cf6c44f0205df" ns2:_="" ns3:_="">
     <xsd:import namespace="71af3243-3dd4-4a8d-8c0d-dd76da1f02a5"/>
@@ -36409,15 +36968,6 @@
 </ct:contentTypeSchema>
 </file>
 
-<file path=customXml/item2.xml><?xml version="1.0" encoding="utf-8"?>
-<?mso-contentType ?>
-<FormTemplates xmlns="http://schemas.microsoft.com/sharepoint/v3/contenttype/forms">
-  <Display>DocumentLibraryForm</Display>
-  <Edit>DocumentLibraryForm</Edit>
-  <New>DocumentLibraryForm</New>
-</FormTemplates>
-</file>
-
 <file path=customXml/item3.xml><?xml version="1.0" encoding="utf-8"?>
 <p:properties xmlns:p="http://schemas.microsoft.com/office/2006/metadata/properties" xmlns:xsi="http://www.w3.org/2001/XMLSchema-instance" xmlns:pc="http://schemas.microsoft.com/office/infopath/2007/PartnerControls">
   <documentManagement>
@@ -36427,6 +36977,14 @@
 </file>
 
 <file path=customXml/itemProps1.xml><?xml version="1.0" encoding="utf-8"?>
+<ds:datastoreItem xmlns:ds="http://schemas.openxmlformats.org/officeDocument/2006/customXml" ds:itemID="{5CA875DA-F9FD-4F83-A049-3B1027B542DE}">
+  <ds:schemaRefs>
+    <ds:schemaRef ds:uri="http://schemas.microsoft.com/sharepoint/v3/contenttype/forms"/>
+  </ds:schemaRefs>
+</ds:datastoreItem>
+</file>
+
+<file path=customXml/itemProps2.xml><?xml version="1.0" encoding="utf-8"?>
 <ds:datastoreItem xmlns:ds="http://schemas.openxmlformats.org/officeDocument/2006/customXml" ds:itemID="{B2AB02E3-5ADF-4BF0-9C1B-35CDF3FE95B0}">
   <ds:schemaRefs>
     <ds:schemaRef ds:uri="http://schemas.microsoft.com/office/2006/metadata/contentType"/>
@@ -36445,14 +37003,6 @@
 </ds:datastoreItem>
 </file>
 
-<file path=customXml/itemProps2.xml><?xml version="1.0" encoding="utf-8"?>
-<ds:datastoreItem xmlns:ds="http://schemas.openxmlformats.org/officeDocument/2006/customXml" ds:itemID="{5CA875DA-F9FD-4F83-A049-3B1027B542DE}">
-  <ds:schemaRefs>
-    <ds:schemaRef ds:uri="http://schemas.microsoft.com/sharepoint/v3/contenttype/forms"/>
-  </ds:schemaRefs>
-</ds:datastoreItem>
-</file>
-
 <file path=customXml/itemProps3.xml><?xml version="1.0" encoding="utf-8"?>
 <ds:datastoreItem xmlns:ds="http://schemas.openxmlformats.org/officeDocument/2006/customXml" ds:itemID="{03C7D9E6-B0D9-433E-BD46-EB60F64F4DA8}">
   <ds:schemaRefs>
